--- a/Group 8 - Presentation - Laundry App.pptx
+++ b/Group 8 - Presentation - Laundry App.pptx
@@ -7277,6 +7277,9 @@
           </a:p>
           <a:p>
             <a:pPr indent="0" lvl="0" marL="0" rtl="0" algn="ctr">
+              <a:lnSpc>
+                <a:spcPct val="150000"/>
+              </a:lnSpc>
               <a:spcBef>
                 <a:spcPts val="0"/>
               </a:spcBef>
@@ -7291,6 +7294,26 @@
               <a:t>Assignment</a:t>
             </a:r>
             <a:endParaRPr sz="4320"/>
+          </a:p>
+          <a:p>
+            <a:pPr indent="0" lvl="0" marL="0" rtl="0" algn="ctr">
+              <a:lnSpc>
+                <a:spcPct val="150000"/>
+              </a:lnSpc>
+              <a:spcBef>
+                <a:spcPts val="0"/>
+              </a:spcBef>
+              <a:spcAft>
+                <a:spcPts val="0"/>
+              </a:spcAft>
+              <a:buSzPts val="990"/>
+              <a:buNone/>
+            </a:pPr>
+            <a:r>
+              <a:rPr lang="en" sz="2620"/>
+              <a:t>Title: Laundry Application</a:t>
+            </a:r>
+            <a:endParaRPr sz="2620"/>
           </a:p>
         </p:txBody>
       </p:sp>
@@ -7313,46 +7336,9 @@
         </p:spPr>
         <p:txBody>
           <a:bodyPr anchorCtr="0" anchor="ctr" bIns="91425" lIns="91425" spcFirstLastPara="1" rIns="91425" wrap="square" tIns="91425">
-            <a:normAutofit fontScale="92500" lnSpcReduction="20000"/>
+            <a:normAutofit/>
           </a:bodyPr>
           <a:lstStyle/>
-          <a:p>
-            <a:pPr indent="0" lvl="0" marL="0" rtl="0" algn="ctr">
-              <a:lnSpc>
-                <a:spcPct val="80000"/>
-              </a:lnSpc>
-              <a:spcBef>
-                <a:spcPts val="0"/>
-              </a:spcBef>
-              <a:spcAft>
-                <a:spcPts val="0"/>
-              </a:spcAft>
-              <a:buNone/>
-            </a:pPr>
-            <a:r>
-              <a:rPr lang="en" sz="2100"/>
-              <a:t>Title: Laundry Application</a:t>
-            </a:r>
-            <a:endParaRPr sz="2100"/>
-          </a:p>
-          <a:p>
-            <a:pPr indent="0" lvl="0" marL="0" rtl="0" algn="l">
-              <a:lnSpc>
-                <a:spcPct val="80000"/>
-              </a:lnSpc>
-              <a:spcBef>
-                <a:spcPts val="0"/>
-              </a:spcBef>
-              <a:spcAft>
-                <a:spcPts val="0"/>
-              </a:spcAft>
-              <a:buNone/>
-            </a:pPr>
-            <a:r>
-              <a:t/>
-            </a:r>
-            <a:endParaRPr sz="2000"/>
-          </a:p>
           <a:p>
             <a:pPr indent="0" lvl="0" marL="0" rtl="0" algn="ctr">
               <a:lnSpc>
@@ -9867,6 +9853,23 @@
             <a:r>
               <a:rPr lang="en"/>
               <a:t>Enhancement in profile page.</a:t>
+            </a:r>
+            <a:endParaRPr/>
+          </a:p>
+          <a:p>
+            <a:pPr indent="-342900" lvl="0" marL="457200" rtl="0" algn="l">
+              <a:spcBef>
+                <a:spcPts val="0"/>
+              </a:spcBef>
+              <a:spcAft>
+                <a:spcPts val="0"/>
+              </a:spcAft>
+              <a:buSzPts val="1800"/>
+              <a:buAutoNum type="arabicPeriod"/>
+            </a:pPr>
+            <a:r>
+              <a:rPr lang="en"/>
+              <a:t>Live delivery and pickup tracking.</a:t>
             </a:r>
             <a:endParaRPr/>
           </a:p>

--- a/Group 8 - Presentation - Laundry App.pptx
+++ b/Group 8 - Presentation - Laundry App.pptx
@@ -1,49 +1,49 @@
 
 <file path=ppt/presentation.xml><?xml version="1.0" encoding="utf-8"?>
-<p:presentation xmlns:a="http://schemas.openxmlformats.org/drawingml/2006/main" xmlns:r="http://schemas.openxmlformats.org/officeDocument/2006/relationships" xmlns:mc="http://schemas.openxmlformats.org/markup-compatibility/2006" xmlns:mv="urn:schemas-microsoft-com:mac:vml" xmlns:p="http://schemas.openxmlformats.org/presentationml/2006/main" xmlns:c="http://schemas.openxmlformats.org/drawingml/2006/chart" xmlns:dgm="http://schemas.openxmlformats.org/drawingml/2006/diagram" xmlns:o="urn:schemas-microsoft-com:office:office" xmlns:v="urn:schemas-microsoft-com:vml" xmlns:pvml="urn:schemas-microsoft-com:office:powerpoint" xmlns:com="http://schemas.openxmlformats.org/drawingml/2006/compatibility" xmlns:p14="http://schemas.microsoft.com/office/powerpoint/2010/main" xmlns:p15="http://schemas.microsoft.com/office/powerpoint/2012/main" xmlns:ahyp="http://schemas.microsoft.com/office/drawing/2018/hyperlinkcolor" autoCompressPictures="0" embedTrueTypeFonts="1" strictFirstAndLastChars="0" saveSubsetFonts="1">
+<p:presentation xmlns:a="http://schemas.openxmlformats.org/drawingml/2006/main" xmlns:r="http://schemas.openxmlformats.org/officeDocument/2006/relationships" xmlns:p="http://schemas.openxmlformats.org/presentationml/2006/main" strictFirstAndLastChars="0" embedTrueTypeFonts="1" saveSubsetFonts="1" autoCompressPictures="0">
   <p:sldMasterIdLst>
-    <p:sldMasterId id="2147483659" r:id="rId4"/>
+    <p:sldMasterId id="2147483659" r:id="rId1"/>
   </p:sldMasterIdLst>
   <p:notesMasterIdLst>
-    <p:notesMasterId r:id="rId5"/>
+    <p:notesMasterId r:id="rId12"/>
   </p:notesMasterIdLst>
   <p:sldIdLst>
-    <p:sldId id="256" r:id="rId6"/>
-    <p:sldId id="257" r:id="rId7"/>
-    <p:sldId id="258" r:id="rId8"/>
-    <p:sldId id="259" r:id="rId9"/>
-    <p:sldId id="260" r:id="rId10"/>
-    <p:sldId id="261" r:id="rId11"/>
-    <p:sldId id="262" r:id="rId12"/>
-    <p:sldId id="263" r:id="rId13"/>
-    <p:sldId id="264" r:id="rId14"/>
-    <p:sldId id="265" r:id="rId15"/>
+    <p:sldId id="256" r:id="rId2"/>
+    <p:sldId id="257" r:id="rId3"/>
+    <p:sldId id="258" r:id="rId4"/>
+    <p:sldId id="259" r:id="rId5"/>
+    <p:sldId id="260" r:id="rId6"/>
+    <p:sldId id="261" r:id="rId7"/>
+    <p:sldId id="262" r:id="rId8"/>
+    <p:sldId id="263" r:id="rId9"/>
+    <p:sldId id="264" r:id="rId10"/>
+    <p:sldId id="265" r:id="rId11"/>
   </p:sldIdLst>
-  <p:sldSz cy="5143500" cx="9144000"/>
+  <p:sldSz cx="9144000" cy="5143500" type="screen16x9"/>
   <p:notesSz cx="6858000" cy="9144000"/>
   <p:embeddedFontLst>
     <p:embeddedFont>
-      <p:font typeface="Playfair Display"/>
-      <p:regular r:id="rId16"/>
-      <p:bold r:id="rId17"/>
-      <p:italic r:id="rId18"/>
-      <p:boldItalic r:id="rId19"/>
+      <p:font typeface="Montserrat" pitchFamily="2" charset="77"/>
+      <p:regular r:id="rId13"/>
+      <p:bold r:id="rId14"/>
+      <p:italic r:id="rId15"/>
+      <p:boldItalic r:id="rId16"/>
     </p:embeddedFont>
     <p:embeddedFont>
-      <p:font typeface="Montserrat"/>
-      <p:regular r:id="rId20"/>
-      <p:bold r:id="rId21"/>
-      <p:italic r:id="rId22"/>
-      <p:boldItalic r:id="rId23"/>
+      <p:font typeface="Oswald" pitchFamily="2" charset="77"/>
+      <p:regular r:id="rId17"/>
+      <p:bold r:id="rId18"/>
     </p:embeddedFont>
     <p:embeddedFont>
-      <p:font typeface="Oswald"/>
-      <p:regular r:id="rId24"/>
-      <p:bold r:id="rId25"/>
+      <p:font typeface="Playfair Display" pitchFamily="2" charset="77"/>
+      <p:regular r:id="rId19"/>
+      <p:bold r:id="rId20"/>
+      <p:italic r:id="rId21"/>
+      <p:boldItalic r:id="rId22"/>
     </p:embeddedFont>
   </p:embeddedFontLst>
   <p:defaultTextStyle>
-    <a:defPPr lvl="0" marR="0" rtl="0" algn="l">
+    <a:defPPr marR="0" lvl="0" algn="l" rtl="0">
       <a:lnSpc>
         <a:spcPct val="100000"/>
       </a:lnSpc>
@@ -54,7 +54,7 @@
         <a:spcPts val="0"/>
       </a:spcAft>
     </a:defPPr>
-    <a:lvl1pPr lvl="0" marR="0" rtl="0" algn="l">
+    <a:lvl1pPr marR="0" lvl="0" algn="l" rtl="0">
       <a:lnSpc>
         <a:spcPct val="100000"/>
       </a:lnSpc>
@@ -68,7 +68,7 @@
         <a:srgbClr val="000000"/>
       </a:buClr>
       <a:buFont typeface="Arial"/>
-      <a:defRPr b="0" i="0" sz="1400" u="none" cap="none" strike="noStrike">
+      <a:defRPr sz="1400" b="0" i="0" u="none" strike="noStrike" cap="none">
         <a:solidFill>
           <a:srgbClr val="000000"/>
         </a:solidFill>
@@ -78,7 +78,7 @@
         <a:sym typeface="Arial"/>
       </a:defRPr>
     </a:lvl1pPr>
-    <a:lvl2pPr lvl="1" marR="0" rtl="0" algn="l">
+    <a:lvl2pPr marR="0" lvl="1" algn="l" rtl="0">
       <a:lnSpc>
         <a:spcPct val="100000"/>
       </a:lnSpc>
@@ -92,7 +92,7 @@
         <a:srgbClr val="000000"/>
       </a:buClr>
       <a:buFont typeface="Arial"/>
-      <a:defRPr b="0" i="0" sz="1400" u="none" cap="none" strike="noStrike">
+      <a:defRPr sz="1400" b="0" i="0" u="none" strike="noStrike" cap="none">
         <a:solidFill>
           <a:srgbClr val="000000"/>
         </a:solidFill>
@@ -102,7 +102,7 @@
         <a:sym typeface="Arial"/>
       </a:defRPr>
     </a:lvl2pPr>
-    <a:lvl3pPr lvl="2" marR="0" rtl="0" algn="l">
+    <a:lvl3pPr marR="0" lvl="2" algn="l" rtl="0">
       <a:lnSpc>
         <a:spcPct val="100000"/>
       </a:lnSpc>
@@ -116,7 +116,7 @@
         <a:srgbClr val="000000"/>
       </a:buClr>
       <a:buFont typeface="Arial"/>
-      <a:defRPr b="0" i="0" sz="1400" u="none" cap="none" strike="noStrike">
+      <a:defRPr sz="1400" b="0" i="0" u="none" strike="noStrike" cap="none">
         <a:solidFill>
           <a:srgbClr val="000000"/>
         </a:solidFill>
@@ -126,7 +126,7 @@
         <a:sym typeface="Arial"/>
       </a:defRPr>
     </a:lvl3pPr>
-    <a:lvl4pPr lvl="3" marR="0" rtl="0" algn="l">
+    <a:lvl4pPr marR="0" lvl="3" algn="l" rtl="0">
       <a:lnSpc>
         <a:spcPct val="100000"/>
       </a:lnSpc>
@@ -140,7 +140,7 @@
         <a:srgbClr val="000000"/>
       </a:buClr>
       <a:buFont typeface="Arial"/>
-      <a:defRPr b="0" i="0" sz="1400" u="none" cap="none" strike="noStrike">
+      <a:defRPr sz="1400" b="0" i="0" u="none" strike="noStrike" cap="none">
         <a:solidFill>
           <a:srgbClr val="000000"/>
         </a:solidFill>
@@ -150,7 +150,7 @@
         <a:sym typeface="Arial"/>
       </a:defRPr>
     </a:lvl4pPr>
-    <a:lvl5pPr lvl="4" marR="0" rtl="0" algn="l">
+    <a:lvl5pPr marR="0" lvl="4" algn="l" rtl="0">
       <a:lnSpc>
         <a:spcPct val="100000"/>
       </a:lnSpc>
@@ -164,7 +164,7 @@
         <a:srgbClr val="000000"/>
       </a:buClr>
       <a:buFont typeface="Arial"/>
-      <a:defRPr b="0" i="0" sz="1400" u="none" cap="none" strike="noStrike">
+      <a:defRPr sz="1400" b="0" i="0" u="none" strike="noStrike" cap="none">
         <a:solidFill>
           <a:srgbClr val="000000"/>
         </a:solidFill>
@@ -174,7 +174,7 @@
         <a:sym typeface="Arial"/>
       </a:defRPr>
     </a:lvl5pPr>
-    <a:lvl6pPr lvl="5" marR="0" rtl="0" algn="l">
+    <a:lvl6pPr marR="0" lvl="5" algn="l" rtl="0">
       <a:lnSpc>
         <a:spcPct val="100000"/>
       </a:lnSpc>
@@ -188,7 +188,7 @@
         <a:srgbClr val="000000"/>
       </a:buClr>
       <a:buFont typeface="Arial"/>
-      <a:defRPr b="0" i="0" sz="1400" u="none" cap="none" strike="noStrike">
+      <a:defRPr sz="1400" b="0" i="0" u="none" strike="noStrike" cap="none">
         <a:solidFill>
           <a:srgbClr val="000000"/>
         </a:solidFill>
@@ -198,7 +198,7 @@
         <a:sym typeface="Arial"/>
       </a:defRPr>
     </a:lvl6pPr>
-    <a:lvl7pPr lvl="6" marR="0" rtl="0" algn="l">
+    <a:lvl7pPr marR="0" lvl="6" algn="l" rtl="0">
       <a:lnSpc>
         <a:spcPct val="100000"/>
       </a:lnSpc>
@@ -212,7 +212,7 @@
         <a:srgbClr val="000000"/>
       </a:buClr>
       <a:buFont typeface="Arial"/>
-      <a:defRPr b="0" i="0" sz="1400" u="none" cap="none" strike="noStrike">
+      <a:defRPr sz="1400" b="0" i="0" u="none" strike="noStrike" cap="none">
         <a:solidFill>
           <a:srgbClr val="000000"/>
         </a:solidFill>
@@ -222,7 +222,7 @@
         <a:sym typeface="Arial"/>
       </a:defRPr>
     </a:lvl7pPr>
-    <a:lvl8pPr lvl="7" marR="0" rtl="0" algn="l">
+    <a:lvl8pPr marR="0" lvl="7" algn="l" rtl="0">
       <a:lnSpc>
         <a:spcPct val="100000"/>
       </a:lnSpc>
@@ -236,7 +236,7 @@
         <a:srgbClr val="000000"/>
       </a:buClr>
       <a:buFont typeface="Arial"/>
-      <a:defRPr b="0" i="0" sz="1400" u="none" cap="none" strike="noStrike">
+      <a:defRPr sz="1400" b="0" i="0" u="none" strike="noStrike" cap="none">
         <a:solidFill>
           <a:srgbClr val="000000"/>
         </a:solidFill>
@@ -246,7 +246,7 @@
         <a:sym typeface="Arial"/>
       </a:defRPr>
     </a:lvl8pPr>
-    <a:lvl9pPr lvl="8" marR="0" rtl="0" algn="l">
+    <a:lvl9pPr marR="0" lvl="8" algn="l" rtl="0">
       <a:lnSpc>
         <a:spcPct val="100000"/>
       </a:lnSpc>
@@ -260,7 +260,7 @@
         <a:srgbClr val="000000"/>
       </a:buClr>
       <a:buFont typeface="Arial"/>
-      <a:defRPr b="0" i="0" sz="1400" u="none" cap="none" strike="noStrike">
+      <a:defRPr sz="1400" b="0" i="0" u="none" strike="noStrike" cap="none">
         <a:solidFill>
           <a:srgbClr val="000000"/>
         </a:solidFill>
@@ -273,7 +273,7 @@
   </p:defaultTextStyle>
   <p:extLst>
     <p:ext uri="{EFAFB233-063F-42B5-8137-9DF3F51BA10A}">
-      <p15:sldGuideLst>
+      <p15:sldGuideLst xmlns:p15="http://schemas.microsoft.com/office/powerpoint/2012/main">
         <p15:guide id="1" orient="horz" pos="1620">
           <p15:clr>
             <a:srgbClr val="747775"/>
@@ -291,11 +291,16 @@
 </file>
 
 <file path=ppt/notesMasters/notesMaster1.xml><?xml version="1.0" encoding="utf-8"?>
-<p:notesMaster xmlns:a="http://schemas.openxmlformats.org/drawingml/2006/main" xmlns:r="http://schemas.openxmlformats.org/officeDocument/2006/relationships" xmlns:mc="http://schemas.openxmlformats.org/markup-compatibility/2006" xmlns:mv="urn:schemas-microsoft-com:mac:vml" xmlns:p="http://schemas.openxmlformats.org/presentationml/2006/main" xmlns:c="http://schemas.openxmlformats.org/drawingml/2006/chart" xmlns:dgm="http://schemas.openxmlformats.org/drawingml/2006/diagram" xmlns:o="urn:schemas-microsoft-com:office:office" xmlns:v="urn:schemas-microsoft-com:vml" xmlns:pvml="urn:schemas-microsoft-com:office:powerpoint" xmlns:com="http://schemas.openxmlformats.org/drawingml/2006/compatibility" xmlns:p14="http://schemas.microsoft.com/office/powerpoint/2010/main" xmlns:p15="http://schemas.microsoft.com/office/powerpoint/2012/main" xmlns:ahyp="http://schemas.microsoft.com/office/drawing/2018/hyperlinkcolor">
+<p:notesMaster xmlns:a="http://schemas.openxmlformats.org/drawingml/2006/main" xmlns:r="http://schemas.openxmlformats.org/officeDocument/2006/relationships" xmlns:p="http://schemas.openxmlformats.org/presentationml/2006/main">
   <p:cSld>
+    <p:bg>
+      <p:bgRef idx="1001">
+        <a:schemeClr val="bg1"/>
+      </p:bgRef>
+    </p:bg>
     <p:spTree>
       <p:nvGrpSpPr>
-        <p:cNvPr id="2" name="Shape 2"/>
+        <p:cNvPr id="1" name="Shape 2"/>
         <p:cNvGrpSpPr/>
         <p:nvPr/>
       </p:nvGrpSpPr>
@@ -310,9 +315,11 @@
       <p:sp>
         <p:nvSpPr>
           <p:cNvPr id="3" name="Google Shape;3;n"/>
-          <p:cNvSpPr/>
+          <p:cNvSpPr>
+            <a:spLocks noGrp="1" noRot="1" noChangeAspect="1"/>
+          </p:cNvSpPr>
           <p:nvPr>
-            <p:ph idx="2" type="sldImg"/>
+            <p:ph type="sldImg" idx="2"/>
           </p:nvPr>
         </p:nvSpPr>
         <p:spPr>
@@ -321,9 +328,13 @@
             <a:ext cx="6096075" cy="3429000"/>
           </a:xfrm>
           <a:custGeom>
-            <a:rect b="b" l="l" r="r" t="t"/>
+            <a:avLst/>
+            <a:gdLst/>
+            <a:ahLst/>
+            <a:cxnLst/>
+            <a:rect l="l" t="t" r="r" b="b"/>
             <a:pathLst>
-              <a:path extrusionOk="0" h="120000" w="120000">
+              <a:path w="120000" h="120000" extrusionOk="0">
                 <a:moveTo>
                   <a:pt x="0" y="0"/>
                 </a:moveTo>
@@ -341,23 +352,25 @@
             </a:pathLst>
           </a:custGeom>
           <a:noFill/>
-          <a:ln cap="flat" cmpd="sng" w="9525">
+          <a:ln w="9525" cap="flat" cmpd="sng">
             <a:solidFill>
               <a:srgbClr val="000000"/>
             </a:solidFill>
             <a:prstDash val="solid"/>
             <a:round/>
-            <a:headEnd len="sm" w="sm" type="none"/>
-            <a:tailEnd len="sm" w="sm" type="none"/>
+            <a:headEnd type="none" w="sm" len="sm"/>
+            <a:tailEnd type="none" w="sm" len="sm"/>
           </a:ln>
         </p:spPr>
       </p:sp>
       <p:sp>
         <p:nvSpPr>
           <p:cNvPr id="4" name="Google Shape;4;n"/>
-          <p:cNvSpPr txBox="1"/>
+          <p:cNvSpPr txBox="1">
+            <a:spLocks noGrp="1"/>
+          </p:cNvSpPr>
           <p:nvPr>
-            <p:ph idx="1" type="body"/>
+            <p:ph type="body" idx="1"/>
           </p:nvPr>
         </p:nvSpPr>
         <p:spPr>
@@ -374,11 +387,11 @@
           </a:ln>
         </p:spPr>
         <p:txBody>
-          <a:bodyPr anchorCtr="0" anchor="t" bIns="91425" lIns="91425" spcFirstLastPara="1" rIns="91425" wrap="square" tIns="91425">
+          <a:bodyPr spcFirstLastPara="1" wrap="square" lIns="91425" tIns="91425" rIns="91425" bIns="91425" anchor="t" anchorCtr="0">
             <a:noAutofit/>
           </a:bodyPr>
           <a:lstStyle>
-            <a:lvl1pPr indent="-298450" lvl="0" marL="457200">
+            <a:lvl1pPr marL="457200" lvl="0" indent="-298450">
               <a:spcBef>
                 <a:spcPts val="0"/>
               </a:spcBef>
@@ -389,7 +402,7 @@
               <a:buChar char="●"/>
               <a:defRPr sz="1100"/>
             </a:lvl1pPr>
-            <a:lvl2pPr indent="-298450" lvl="1" marL="914400">
+            <a:lvl2pPr marL="914400" lvl="1" indent="-298450">
               <a:spcBef>
                 <a:spcPts val="0"/>
               </a:spcBef>
@@ -400,7 +413,7 @@
               <a:buChar char="○"/>
               <a:defRPr sz="1100"/>
             </a:lvl2pPr>
-            <a:lvl3pPr indent="-298450" lvl="2" marL="1371600">
+            <a:lvl3pPr marL="1371600" lvl="2" indent="-298450">
               <a:spcBef>
                 <a:spcPts val="0"/>
               </a:spcBef>
@@ -411,7 +424,7 @@
               <a:buChar char="■"/>
               <a:defRPr sz="1100"/>
             </a:lvl3pPr>
-            <a:lvl4pPr indent="-298450" lvl="3" marL="1828800">
+            <a:lvl4pPr marL="1828800" lvl="3" indent="-298450">
               <a:spcBef>
                 <a:spcPts val="0"/>
               </a:spcBef>
@@ -422,7 +435,7 @@
               <a:buChar char="●"/>
               <a:defRPr sz="1100"/>
             </a:lvl4pPr>
-            <a:lvl5pPr indent="-298450" lvl="4" marL="2286000">
+            <a:lvl5pPr marL="2286000" lvl="4" indent="-298450">
               <a:spcBef>
                 <a:spcPts val="0"/>
               </a:spcBef>
@@ -433,7 +446,7 @@
               <a:buChar char="○"/>
               <a:defRPr sz="1100"/>
             </a:lvl5pPr>
-            <a:lvl6pPr indent="-298450" lvl="5" marL="2743200">
+            <a:lvl6pPr marL="2743200" lvl="5" indent="-298450">
               <a:spcBef>
                 <a:spcPts val="0"/>
               </a:spcBef>
@@ -444,7 +457,7 @@
               <a:buChar char="■"/>
               <a:defRPr sz="1100"/>
             </a:lvl6pPr>
-            <a:lvl7pPr indent="-298450" lvl="6" marL="3200400">
+            <a:lvl7pPr marL="3200400" lvl="6" indent="-298450">
               <a:spcBef>
                 <a:spcPts val="0"/>
               </a:spcBef>
@@ -455,7 +468,7 @@
               <a:buChar char="●"/>
               <a:defRPr sz="1100"/>
             </a:lvl7pPr>
-            <a:lvl8pPr indent="-298450" lvl="7" marL="3657600">
+            <a:lvl8pPr marL="3657600" lvl="7" indent="-298450">
               <a:spcBef>
                 <a:spcPts val="0"/>
               </a:spcBef>
@@ -466,7 +479,7 @@
               <a:buChar char="○"/>
               <a:defRPr sz="1100"/>
             </a:lvl8pPr>
-            <a:lvl9pPr indent="-298450" lvl="8" marL="4114800">
+            <a:lvl9pPr marL="4114800" lvl="8" indent="-298450">
               <a:spcBef>
                 <a:spcPts val="0"/>
               </a:spcBef>
@@ -478,14 +491,16 @@
               <a:defRPr sz="1100"/>
             </a:lvl9pPr>
           </a:lstStyle>
-          <a:p/>
+          <a:p>
+            <a:endParaRPr/>
+          </a:p>
         </p:txBody>
       </p:sp>
     </p:spTree>
   </p:cSld>
-  <p:clrMap accent1="accent1" accent2="accent2" accent3="accent3" accent4="accent4" accent5="accent5" accent6="accent6" bg1="lt1" bg2="dk2" tx1="dk1" tx2="lt2" folHlink="folHlink" hlink="hlink"/>
+  <p:clrMap bg1="lt1" tx1="dk1" bg2="dk2" tx2="lt2" accent1="accent1" accent2="accent2" accent3="accent3" accent4="accent4" accent5="accent5" accent6="accent6" hlink="hlink" folHlink="folHlink"/>
   <p:notesStyle>
-    <a:defPPr lvl="0" marR="0" rtl="0" algn="l">
+    <a:defPPr marR="0" lvl="0" algn="l" rtl="0">
       <a:lnSpc>
         <a:spcPct val="100000"/>
       </a:lnSpc>
@@ -496,7 +511,7 @@
         <a:spcPts val="0"/>
       </a:spcAft>
     </a:defPPr>
-    <a:lvl1pPr lvl="0" marR="0" rtl="0" algn="l">
+    <a:lvl1pPr marR="0" lvl="0" algn="l" rtl="0">
       <a:lnSpc>
         <a:spcPct val="100000"/>
       </a:lnSpc>
@@ -510,7 +525,7 @@
         <a:srgbClr val="000000"/>
       </a:buClr>
       <a:buFont typeface="Arial"/>
-      <a:defRPr b="0" i="0" sz="1400" u="none" cap="none" strike="noStrike">
+      <a:defRPr sz="1400" b="0" i="0" u="none" strike="noStrike" cap="none">
         <a:solidFill>
           <a:srgbClr val="000000"/>
         </a:solidFill>
@@ -520,7 +535,7 @@
         <a:sym typeface="Arial"/>
       </a:defRPr>
     </a:lvl1pPr>
-    <a:lvl2pPr lvl="1" marR="0" rtl="0" algn="l">
+    <a:lvl2pPr marR="0" lvl="1" algn="l" rtl="0">
       <a:lnSpc>
         <a:spcPct val="100000"/>
       </a:lnSpc>
@@ -534,7 +549,7 @@
         <a:srgbClr val="000000"/>
       </a:buClr>
       <a:buFont typeface="Arial"/>
-      <a:defRPr b="0" i="0" sz="1400" u="none" cap="none" strike="noStrike">
+      <a:defRPr sz="1400" b="0" i="0" u="none" strike="noStrike" cap="none">
         <a:solidFill>
           <a:srgbClr val="000000"/>
         </a:solidFill>
@@ -544,7 +559,7 @@
         <a:sym typeface="Arial"/>
       </a:defRPr>
     </a:lvl2pPr>
-    <a:lvl3pPr lvl="2" marR="0" rtl="0" algn="l">
+    <a:lvl3pPr marR="0" lvl="2" algn="l" rtl="0">
       <a:lnSpc>
         <a:spcPct val="100000"/>
       </a:lnSpc>
@@ -558,7 +573,7 @@
         <a:srgbClr val="000000"/>
       </a:buClr>
       <a:buFont typeface="Arial"/>
-      <a:defRPr b="0" i="0" sz="1400" u="none" cap="none" strike="noStrike">
+      <a:defRPr sz="1400" b="0" i="0" u="none" strike="noStrike" cap="none">
         <a:solidFill>
           <a:srgbClr val="000000"/>
         </a:solidFill>
@@ -568,7 +583,7 @@
         <a:sym typeface="Arial"/>
       </a:defRPr>
     </a:lvl3pPr>
-    <a:lvl4pPr lvl="3" marR="0" rtl="0" algn="l">
+    <a:lvl4pPr marR="0" lvl="3" algn="l" rtl="0">
       <a:lnSpc>
         <a:spcPct val="100000"/>
       </a:lnSpc>
@@ -582,7 +597,7 @@
         <a:srgbClr val="000000"/>
       </a:buClr>
       <a:buFont typeface="Arial"/>
-      <a:defRPr b="0" i="0" sz="1400" u="none" cap="none" strike="noStrike">
+      <a:defRPr sz="1400" b="0" i="0" u="none" strike="noStrike" cap="none">
         <a:solidFill>
           <a:srgbClr val="000000"/>
         </a:solidFill>
@@ -592,7 +607,7 @@
         <a:sym typeface="Arial"/>
       </a:defRPr>
     </a:lvl4pPr>
-    <a:lvl5pPr lvl="4" marR="0" rtl="0" algn="l">
+    <a:lvl5pPr marR="0" lvl="4" algn="l" rtl="0">
       <a:lnSpc>
         <a:spcPct val="100000"/>
       </a:lnSpc>
@@ -606,7 +621,7 @@
         <a:srgbClr val="000000"/>
       </a:buClr>
       <a:buFont typeface="Arial"/>
-      <a:defRPr b="0" i="0" sz="1400" u="none" cap="none" strike="noStrike">
+      <a:defRPr sz="1400" b="0" i="0" u="none" strike="noStrike" cap="none">
         <a:solidFill>
           <a:srgbClr val="000000"/>
         </a:solidFill>
@@ -616,7 +631,7 @@
         <a:sym typeface="Arial"/>
       </a:defRPr>
     </a:lvl5pPr>
-    <a:lvl6pPr lvl="5" marR="0" rtl="0" algn="l">
+    <a:lvl6pPr marR="0" lvl="5" algn="l" rtl="0">
       <a:lnSpc>
         <a:spcPct val="100000"/>
       </a:lnSpc>
@@ -630,7 +645,7 @@
         <a:srgbClr val="000000"/>
       </a:buClr>
       <a:buFont typeface="Arial"/>
-      <a:defRPr b="0" i="0" sz="1400" u="none" cap="none" strike="noStrike">
+      <a:defRPr sz="1400" b="0" i="0" u="none" strike="noStrike" cap="none">
         <a:solidFill>
           <a:srgbClr val="000000"/>
         </a:solidFill>
@@ -640,7 +655,7 @@
         <a:sym typeface="Arial"/>
       </a:defRPr>
     </a:lvl6pPr>
-    <a:lvl7pPr lvl="6" marR="0" rtl="0" algn="l">
+    <a:lvl7pPr marR="0" lvl="6" algn="l" rtl="0">
       <a:lnSpc>
         <a:spcPct val="100000"/>
       </a:lnSpc>
@@ -654,7 +669,7 @@
         <a:srgbClr val="000000"/>
       </a:buClr>
       <a:buFont typeface="Arial"/>
-      <a:defRPr b="0" i="0" sz="1400" u="none" cap="none" strike="noStrike">
+      <a:defRPr sz="1400" b="0" i="0" u="none" strike="noStrike" cap="none">
         <a:solidFill>
           <a:srgbClr val="000000"/>
         </a:solidFill>
@@ -664,7 +679,7 @@
         <a:sym typeface="Arial"/>
       </a:defRPr>
     </a:lvl7pPr>
-    <a:lvl8pPr lvl="7" marR="0" rtl="0" algn="l">
+    <a:lvl8pPr marR="0" lvl="7" algn="l" rtl="0">
       <a:lnSpc>
         <a:spcPct val="100000"/>
       </a:lnSpc>
@@ -678,7 +693,7 @@
         <a:srgbClr val="000000"/>
       </a:buClr>
       <a:buFont typeface="Arial"/>
-      <a:defRPr b="0" i="0" sz="1400" u="none" cap="none" strike="noStrike">
+      <a:defRPr sz="1400" b="0" i="0" u="none" strike="noStrike" cap="none">
         <a:solidFill>
           <a:srgbClr val="000000"/>
         </a:solidFill>
@@ -688,7 +703,7 @@
         <a:sym typeface="Arial"/>
       </a:defRPr>
     </a:lvl8pPr>
-    <a:lvl9pPr lvl="8" marR="0" rtl="0" algn="l">
+    <a:lvl9pPr marR="0" lvl="8" algn="l" rtl="0">
       <a:lnSpc>
         <a:spcPct val="100000"/>
       </a:lnSpc>
@@ -702,7 +717,7 @@
         <a:srgbClr val="000000"/>
       </a:buClr>
       <a:buFont typeface="Arial"/>
-      <a:defRPr b="0" i="0" sz="1400" u="none" cap="none" strike="noStrike">
+      <a:defRPr sz="1400" b="0" i="0" u="none" strike="noStrike" cap="none">
         <a:solidFill>
           <a:srgbClr val="000000"/>
         </a:solidFill>
@@ -717,11 +732,11 @@
 </file>
 
 <file path=ppt/notesSlides/notesSlide1.xml><?xml version="1.0" encoding="utf-8"?>
-<p:notes xmlns:a="http://schemas.openxmlformats.org/drawingml/2006/main" xmlns:r="http://schemas.openxmlformats.org/officeDocument/2006/relationships" xmlns:mc="http://schemas.openxmlformats.org/markup-compatibility/2006" xmlns:mv="urn:schemas-microsoft-com:mac:vml" xmlns:p="http://schemas.openxmlformats.org/presentationml/2006/main" xmlns:c="http://schemas.openxmlformats.org/drawingml/2006/chart" xmlns:dgm="http://schemas.openxmlformats.org/drawingml/2006/diagram" xmlns:o="urn:schemas-microsoft-com:office:office" xmlns:v="urn:schemas-microsoft-com:vml" xmlns:pvml="urn:schemas-microsoft-com:office:powerpoint" xmlns:com="http://schemas.openxmlformats.org/drawingml/2006/compatibility" xmlns:p14="http://schemas.microsoft.com/office/powerpoint/2010/main" xmlns:p15="http://schemas.microsoft.com/office/powerpoint/2012/main" xmlns:ahyp="http://schemas.microsoft.com/office/drawing/2018/hyperlinkcolor" showMasterPhAnim="0" showMasterSp="0">
+<p:notes xmlns:a="http://schemas.openxmlformats.org/drawingml/2006/main" xmlns:r="http://schemas.openxmlformats.org/officeDocument/2006/relationships" xmlns:p="http://schemas.openxmlformats.org/presentationml/2006/main" showMasterSp="0" showMasterPhAnim="0">
   <p:cSld>
     <p:spTree>
       <p:nvGrpSpPr>
-        <p:cNvPr id="54" name="Shape 54"/>
+        <p:cNvPr id="1" name="Shape 54"/>
         <p:cNvGrpSpPr/>
         <p:nvPr/>
       </p:nvGrpSpPr>
@@ -736,20 +751,26 @@
       <p:sp>
         <p:nvSpPr>
           <p:cNvPr id="55" name="Google Shape;55;p:notes"/>
-          <p:cNvSpPr/>
+          <p:cNvSpPr>
+            <a:spLocks noGrp="1" noRot="1" noChangeAspect="1"/>
+          </p:cNvSpPr>
           <p:nvPr>
-            <p:ph idx="2" type="sldImg"/>
+            <p:ph type="sldImg" idx="2"/>
           </p:nvPr>
         </p:nvSpPr>
         <p:spPr>
           <a:xfrm>
-            <a:off x="381300" y="685800"/>
-            <a:ext cx="6096075" cy="3429000"/>
+            <a:off x="381000" y="685800"/>
+            <a:ext cx="6096000" cy="3429000"/>
           </a:xfrm>
           <a:custGeom>
-            <a:rect b="b" l="l" r="r" t="t"/>
+            <a:avLst/>
+            <a:gdLst/>
+            <a:ahLst/>
+            <a:cxnLst/>
+            <a:rect l="l" t="t" r="r" b="b"/>
             <a:pathLst>
-              <a:path extrusionOk="0" h="120000" w="120000">
+              <a:path w="120000" h="120000" extrusionOk="0">
                 <a:moveTo>
                   <a:pt x="0" y="0"/>
                 </a:moveTo>
@@ -771,9 +792,11 @@
       <p:sp>
         <p:nvSpPr>
           <p:cNvPr id="56" name="Google Shape;56;p:notes"/>
-          <p:cNvSpPr txBox="1"/>
+          <p:cNvSpPr txBox="1">
+            <a:spLocks noGrp="1"/>
+          </p:cNvSpPr>
           <p:nvPr>
-            <p:ph idx="1" type="body"/>
+            <p:ph type="body" idx="1"/>
           </p:nvPr>
         </p:nvSpPr>
         <p:spPr>
@@ -786,12 +809,12 @@
           </a:prstGeom>
         </p:spPr>
         <p:txBody>
-          <a:bodyPr anchorCtr="0" anchor="t" bIns="91425" lIns="91425" spcFirstLastPara="1" rIns="91425" wrap="square" tIns="91425">
+          <a:bodyPr spcFirstLastPara="1" wrap="square" lIns="91425" tIns="91425" rIns="91425" bIns="91425" anchor="t" anchorCtr="0">
             <a:noAutofit/>
           </a:bodyPr>
           <a:lstStyle/>
           <a:p>
-            <a:pPr indent="0" lvl="0" marL="0" rtl="0" algn="l">
+            <a:pPr marL="0" lvl="0" indent="0" algn="l" rtl="0">
               <a:spcBef>
                 <a:spcPts val="0"/>
               </a:spcBef>
@@ -800,9 +823,6 @@
               </a:spcAft>
               <a:buNone/>
             </a:pPr>
-            <a:r>
-              <a:t/>
-            </a:r>
             <a:endParaRPr/>
           </a:p>
         </p:txBody>
@@ -816,11 +836,11 @@
 </file>
 
 <file path=ppt/notesSlides/notesSlide10.xml><?xml version="1.0" encoding="utf-8"?>
-<p:notes xmlns:a="http://schemas.openxmlformats.org/drawingml/2006/main" xmlns:r="http://schemas.openxmlformats.org/officeDocument/2006/relationships" xmlns:mc="http://schemas.openxmlformats.org/markup-compatibility/2006" xmlns:mv="urn:schemas-microsoft-com:mac:vml" xmlns:p="http://schemas.openxmlformats.org/presentationml/2006/main" xmlns:c="http://schemas.openxmlformats.org/drawingml/2006/chart" xmlns:dgm="http://schemas.openxmlformats.org/drawingml/2006/diagram" xmlns:o="urn:schemas-microsoft-com:office:office" xmlns:v="urn:schemas-microsoft-com:vml" xmlns:pvml="urn:schemas-microsoft-com:office:powerpoint" xmlns:com="http://schemas.openxmlformats.org/drawingml/2006/compatibility" xmlns:p14="http://schemas.microsoft.com/office/powerpoint/2010/main" xmlns:p15="http://schemas.microsoft.com/office/powerpoint/2012/main" xmlns:ahyp="http://schemas.microsoft.com/office/drawing/2018/hyperlinkcolor" showMasterPhAnim="0" showMasterSp="0">
+<p:notes xmlns:a="http://schemas.openxmlformats.org/drawingml/2006/main" xmlns:r="http://schemas.openxmlformats.org/officeDocument/2006/relationships" xmlns:p="http://schemas.openxmlformats.org/presentationml/2006/main" showMasterSp="0" showMasterPhAnim="0">
   <p:cSld>
     <p:spTree>
       <p:nvGrpSpPr>
-        <p:cNvPr id="124" name="Shape 124"/>
+        <p:cNvPr id="1" name="Shape 124"/>
         <p:cNvGrpSpPr/>
         <p:nvPr/>
       </p:nvGrpSpPr>
@@ -835,9 +855,11 @@
       <p:sp>
         <p:nvSpPr>
           <p:cNvPr id="125" name="Google Shape;125;g1ba828923d2e6840_52:notes"/>
-          <p:cNvSpPr/>
+          <p:cNvSpPr>
+            <a:spLocks noGrp="1" noRot="1" noChangeAspect="1"/>
+          </p:cNvSpPr>
           <p:nvPr>
-            <p:ph idx="2" type="sldImg"/>
+            <p:ph type="sldImg" idx="2"/>
           </p:nvPr>
         </p:nvSpPr>
         <p:spPr>
@@ -846,9 +868,13 @@
             <a:ext cx="6096000" cy="3429000"/>
           </a:xfrm>
           <a:custGeom>
-            <a:rect b="b" l="l" r="r" t="t"/>
+            <a:avLst/>
+            <a:gdLst/>
+            <a:ahLst/>
+            <a:cxnLst/>
+            <a:rect l="l" t="t" r="r" b="b"/>
             <a:pathLst>
-              <a:path extrusionOk="0" h="120000" w="120000">
+              <a:path w="120000" h="120000" extrusionOk="0">
                 <a:moveTo>
                   <a:pt x="0" y="0"/>
                 </a:moveTo>
@@ -870,9 +896,11 @@
       <p:sp>
         <p:nvSpPr>
           <p:cNvPr id="126" name="Google Shape;126;g1ba828923d2e6840_52:notes"/>
-          <p:cNvSpPr txBox="1"/>
+          <p:cNvSpPr txBox="1">
+            <a:spLocks noGrp="1"/>
+          </p:cNvSpPr>
           <p:nvPr>
-            <p:ph idx="1" type="body"/>
+            <p:ph type="body" idx="1"/>
           </p:nvPr>
         </p:nvSpPr>
         <p:spPr>
@@ -885,12 +913,12 @@
           </a:prstGeom>
         </p:spPr>
         <p:txBody>
-          <a:bodyPr anchorCtr="0" anchor="t" bIns="91425" lIns="91425" spcFirstLastPara="1" rIns="91425" wrap="square" tIns="91425">
+          <a:bodyPr spcFirstLastPara="1" wrap="square" lIns="91425" tIns="91425" rIns="91425" bIns="91425" anchor="t" anchorCtr="0">
             <a:noAutofit/>
           </a:bodyPr>
           <a:lstStyle/>
           <a:p>
-            <a:pPr indent="0" lvl="0" marL="0" rtl="0" algn="l">
+            <a:pPr marL="0" lvl="0" indent="0" algn="l" rtl="0">
               <a:spcBef>
                 <a:spcPts val="0"/>
               </a:spcBef>
@@ -899,9 +927,6 @@
               </a:spcAft>
               <a:buNone/>
             </a:pPr>
-            <a:r>
-              <a:t/>
-            </a:r>
             <a:endParaRPr/>
           </a:p>
         </p:txBody>
@@ -915,11 +940,11 @@
 </file>
 
 <file path=ppt/notesSlides/notesSlide2.xml><?xml version="1.0" encoding="utf-8"?>
-<p:notes xmlns:a="http://schemas.openxmlformats.org/drawingml/2006/main" xmlns:r="http://schemas.openxmlformats.org/officeDocument/2006/relationships" xmlns:mc="http://schemas.openxmlformats.org/markup-compatibility/2006" xmlns:mv="urn:schemas-microsoft-com:mac:vml" xmlns:p="http://schemas.openxmlformats.org/presentationml/2006/main" xmlns:c="http://schemas.openxmlformats.org/drawingml/2006/chart" xmlns:dgm="http://schemas.openxmlformats.org/drawingml/2006/diagram" xmlns:o="urn:schemas-microsoft-com:office:office" xmlns:v="urn:schemas-microsoft-com:vml" xmlns:pvml="urn:schemas-microsoft-com:office:powerpoint" xmlns:com="http://schemas.openxmlformats.org/drawingml/2006/compatibility" xmlns:p14="http://schemas.microsoft.com/office/powerpoint/2010/main" xmlns:p15="http://schemas.microsoft.com/office/powerpoint/2012/main" xmlns:ahyp="http://schemas.microsoft.com/office/drawing/2018/hyperlinkcolor" showMasterPhAnim="0" showMasterSp="0">
+<p:notes xmlns:a="http://schemas.openxmlformats.org/drawingml/2006/main" xmlns:r="http://schemas.openxmlformats.org/officeDocument/2006/relationships" xmlns:p="http://schemas.openxmlformats.org/presentationml/2006/main" showMasterSp="0" showMasterPhAnim="0">
   <p:cSld>
     <p:spTree>
       <p:nvGrpSpPr>
-        <p:cNvPr id="60" name="Shape 60"/>
+        <p:cNvPr id="1" name="Shape 60"/>
         <p:cNvGrpSpPr/>
         <p:nvPr/>
       </p:nvGrpSpPr>
@@ -934,9 +959,11 @@
       <p:sp>
         <p:nvSpPr>
           <p:cNvPr id="61" name="Google Shape;61;g262bcd3f3ef_0_77:notes"/>
-          <p:cNvSpPr/>
+          <p:cNvSpPr>
+            <a:spLocks noGrp="1" noRot="1" noChangeAspect="1"/>
+          </p:cNvSpPr>
           <p:nvPr>
-            <p:ph idx="2" type="sldImg"/>
+            <p:ph type="sldImg" idx="2"/>
           </p:nvPr>
         </p:nvSpPr>
         <p:spPr>
@@ -945,9 +972,13 @@
             <a:ext cx="6096000" cy="3429000"/>
           </a:xfrm>
           <a:custGeom>
-            <a:rect b="b" l="l" r="r" t="t"/>
+            <a:avLst/>
+            <a:gdLst/>
+            <a:ahLst/>
+            <a:cxnLst/>
+            <a:rect l="l" t="t" r="r" b="b"/>
             <a:pathLst>
-              <a:path extrusionOk="0" h="120000" w="120000">
+              <a:path w="120000" h="120000" extrusionOk="0">
                 <a:moveTo>
                   <a:pt x="0" y="0"/>
                 </a:moveTo>
@@ -969,9 +1000,11 @@
       <p:sp>
         <p:nvSpPr>
           <p:cNvPr id="62" name="Google Shape;62;g262bcd3f3ef_0_77:notes"/>
-          <p:cNvSpPr txBox="1"/>
+          <p:cNvSpPr txBox="1">
+            <a:spLocks noGrp="1"/>
+          </p:cNvSpPr>
           <p:nvPr>
-            <p:ph idx="1" type="body"/>
+            <p:ph type="body" idx="1"/>
           </p:nvPr>
         </p:nvSpPr>
         <p:spPr>
@@ -984,12 +1017,12 @@
           </a:prstGeom>
         </p:spPr>
         <p:txBody>
-          <a:bodyPr anchorCtr="0" anchor="t" bIns="91425" lIns="91425" spcFirstLastPara="1" rIns="91425" wrap="square" tIns="91425">
+          <a:bodyPr spcFirstLastPara="1" wrap="square" lIns="91425" tIns="91425" rIns="91425" bIns="91425" anchor="t" anchorCtr="0">
             <a:noAutofit/>
           </a:bodyPr>
           <a:lstStyle/>
           <a:p>
-            <a:pPr indent="0" lvl="0" marL="0" rtl="0" algn="l">
+            <a:pPr marL="0" lvl="0" indent="0" algn="l" rtl="0">
               <a:spcBef>
                 <a:spcPts val="0"/>
               </a:spcBef>
@@ -998,9 +1031,6 @@
               </a:spcAft>
               <a:buNone/>
             </a:pPr>
-            <a:r>
-              <a:t/>
-            </a:r>
             <a:endParaRPr/>
           </a:p>
         </p:txBody>
@@ -1014,11 +1044,11 @@
 </file>
 
 <file path=ppt/notesSlides/notesSlide3.xml><?xml version="1.0" encoding="utf-8"?>
-<p:notes xmlns:a="http://schemas.openxmlformats.org/drawingml/2006/main" xmlns:r="http://schemas.openxmlformats.org/officeDocument/2006/relationships" xmlns:mc="http://schemas.openxmlformats.org/markup-compatibility/2006" xmlns:mv="urn:schemas-microsoft-com:mac:vml" xmlns:p="http://schemas.openxmlformats.org/presentationml/2006/main" xmlns:c="http://schemas.openxmlformats.org/drawingml/2006/chart" xmlns:dgm="http://schemas.openxmlformats.org/drawingml/2006/diagram" xmlns:o="urn:schemas-microsoft-com:office:office" xmlns:v="urn:schemas-microsoft-com:vml" xmlns:pvml="urn:schemas-microsoft-com:office:powerpoint" xmlns:com="http://schemas.openxmlformats.org/drawingml/2006/compatibility" xmlns:p14="http://schemas.microsoft.com/office/powerpoint/2010/main" xmlns:p15="http://schemas.microsoft.com/office/powerpoint/2012/main" xmlns:ahyp="http://schemas.microsoft.com/office/drawing/2018/hyperlinkcolor" showMasterPhAnim="0" showMasterSp="0">
+<p:notes xmlns:a="http://schemas.openxmlformats.org/drawingml/2006/main" xmlns:r="http://schemas.openxmlformats.org/officeDocument/2006/relationships" xmlns:p="http://schemas.openxmlformats.org/presentationml/2006/main" showMasterSp="0" showMasterPhAnim="0">
   <p:cSld>
     <p:spTree>
       <p:nvGrpSpPr>
-        <p:cNvPr id="66" name="Shape 66"/>
+        <p:cNvPr id="1" name="Shape 66"/>
         <p:cNvGrpSpPr/>
         <p:nvPr/>
       </p:nvGrpSpPr>
@@ -1033,9 +1063,11 @@
       <p:sp>
         <p:nvSpPr>
           <p:cNvPr id="67" name="Google Shape;67;g262bcd3f3ef_0_463:notes"/>
-          <p:cNvSpPr/>
+          <p:cNvSpPr>
+            <a:spLocks noGrp="1" noRot="1" noChangeAspect="1"/>
+          </p:cNvSpPr>
           <p:nvPr>
-            <p:ph idx="2" type="sldImg"/>
+            <p:ph type="sldImg" idx="2"/>
           </p:nvPr>
         </p:nvSpPr>
         <p:spPr>
@@ -1044,9 +1076,13 @@
             <a:ext cx="6096000" cy="3429000"/>
           </a:xfrm>
           <a:custGeom>
-            <a:rect b="b" l="l" r="r" t="t"/>
+            <a:avLst/>
+            <a:gdLst/>
+            <a:ahLst/>
+            <a:cxnLst/>
+            <a:rect l="l" t="t" r="r" b="b"/>
             <a:pathLst>
-              <a:path extrusionOk="0" h="120000" w="120000">
+              <a:path w="120000" h="120000" extrusionOk="0">
                 <a:moveTo>
                   <a:pt x="0" y="0"/>
                 </a:moveTo>
@@ -1068,9 +1104,11 @@
       <p:sp>
         <p:nvSpPr>
           <p:cNvPr id="68" name="Google Shape;68;g262bcd3f3ef_0_463:notes"/>
-          <p:cNvSpPr txBox="1"/>
+          <p:cNvSpPr txBox="1">
+            <a:spLocks noGrp="1"/>
+          </p:cNvSpPr>
           <p:nvPr>
-            <p:ph idx="1" type="body"/>
+            <p:ph type="body" idx="1"/>
           </p:nvPr>
         </p:nvSpPr>
         <p:spPr>
@@ -1083,12 +1121,12 @@
           </a:prstGeom>
         </p:spPr>
         <p:txBody>
-          <a:bodyPr anchorCtr="0" anchor="t" bIns="91425" lIns="91425" spcFirstLastPara="1" rIns="91425" wrap="square" tIns="91425">
+          <a:bodyPr spcFirstLastPara="1" wrap="square" lIns="91425" tIns="91425" rIns="91425" bIns="91425" anchor="t" anchorCtr="0">
             <a:noAutofit/>
           </a:bodyPr>
           <a:lstStyle/>
           <a:p>
-            <a:pPr indent="0" lvl="0" marL="0" rtl="0" algn="l">
+            <a:pPr marL="0" lvl="0" indent="0" algn="l" rtl="0">
               <a:spcBef>
                 <a:spcPts val="0"/>
               </a:spcBef>
@@ -1097,9 +1135,6 @@
               </a:spcAft>
               <a:buNone/>
             </a:pPr>
-            <a:r>
-              <a:t/>
-            </a:r>
             <a:endParaRPr/>
           </a:p>
         </p:txBody>
@@ -1113,11 +1148,11 @@
 </file>
 
 <file path=ppt/notesSlides/notesSlide4.xml><?xml version="1.0" encoding="utf-8"?>
-<p:notes xmlns:a="http://schemas.openxmlformats.org/drawingml/2006/main" xmlns:r="http://schemas.openxmlformats.org/officeDocument/2006/relationships" xmlns:mc="http://schemas.openxmlformats.org/markup-compatibility/2006" xmlns:mv="urn:schemas-microsoft-com:mac:vml" xmlns:p="http://schemas.openxmlformats.org/presentationml/2006/main" xmlns:c="http://schemas.openxmlformats.org/drawingml/2006/chart" xmlns:dgm="http://schemas.openxmlformats.org/drawingml/2006/diagram" xmlns:o="urn:schemas-microsoft-com:office:office" xmlns:v="urn:schemas-microsoft-com:vml" xmlns:pvml="urn:schemas-microsoft-com:office:powerpoint" xmlns:com="http://schemas.openxmlformats.org/drawingml/2006/compatibility" xmlns:p14="http://schemas.microsoft.com/office/powerpoint/2010/main" xmlns:p15="http://schemas.microsoft.com/office/powerpoint/2012/main" xmlns:ahyp="http://schemas.microsoft.com/office/drawing/2018/hyperlinkcolor" showMasterPhAnim="0" showMasterSp="0">
+<p:notes xmlns:a="http://schemas.openxmlformats.org/drawingml/2006/main" xmlns:r="http://schemas.openxmlformats.org/officeDocument/2006/relationships" xmlns:p="http://schemas.openxmlformats.org/presentationml/2006/main" showMasterSp="0" showMasterPhAnim="0">
   <p:cSld>
     <p:spTree>
       <p:nvGrpSpPr>
-        <p:cNvPr id="72" name="Shape 72"/>
+        <p:cNvPr id="1" name="Shape 72"/>
         <p:cNvGrpSpPr/>
         <p:nvPr/>
       </p:nvGrpSpPr>
@@ -1132,9 +1167,11 @@
       <p:sp>
         <p:nvSpPr>
           <p:cNvPr id="73" name="Google Shape;73;g2a3875fd260_1_0:notes"/>
-          <p:cNvSpPr/>
+          <p:cNvSpPr>
+            <a:spLocks noGrp="1" noRot="1" noChangeAspect="1"/>
+          </p:cNvSpPr>
           <p:nvPr>
-            <p:ph idx="2" type="sldImg"/>
+            <p:ph type="sldImg" idx="2"/>
           </p:nvPr>
         </p:nvSpPr>
         <p:spPr>
@@ -1143,9 +1180,13 @@
             <a:ext cx="6096000" cy="3429000"/>
           </a:xfrm>
           <a:custGeom>
-            <a:rect b="b" l="l" r="r" t="t"/>
+            <a:avLst/>
+            <a:gdLst/>
+            <a:ahLst/>
+            <a:cxnLst/>
+            <a:rect l="l" t="t" r="r" b="b"/>
             <a:pathLst>
-              <a:path extrusionOk="0" h="120000" w="120000">
+              <a:path w="120000" h="120000" extrusionOk="0">
                 <a:moveTo>
                   <a:pt x="0" y="0"/>
                 </a:moveTo>
@@ -1167,9 +1208,11 @@
       <p:sp>
         <p:nvSpPr>
           <p:cNvPr id="74" name="Google Shape;74;g2a3875fd260_1_0:notes"/>
-          <p:cNvSpPr txBox="1"/>
+          <p:cNvSpPr txBox="1">
+            <a:spLocks noGrp="1"/>
+          </p:cNvSpPr>
           <p:nvPr>
-            <p:ph idx="1" type="body"/>
+            <p:ph type="body" idx="1"/>
           </p:nvPr>
         </p:nvSpPr>
         <p:spPr>
@@ -1182,12 +1225,12 @@
           </a:prstGeom>
         </p:spPr>
         <p:txBody>
-          <a:bodyPr anchorCtr="0" anchor="t" bIns="91425" lIns="91425" spcFirstLastPara="1" rIns="91425" wrap="square" tIns="91425">
+          <a:bodyPr spcFirstLastPara="1" wrap="square" lIns="91425" tIns="91425" rIns="91425" bIns="91425" anchor="t" anchorCtr="0">
             <a:noAutofit/>
           </a:bodyPr>
           <a:lstStyle/>
           <a:p>
-            <a:pPr indent="0" lvl="0" marL="0" rtl="0" algn="l">
+            <a:pPr marL="0" lvl="0" indent="0" algn="l" rtl="0">
               <a:spcBef>
                 <a:spcPts val="0"/>
               </a:spcBef>
@@ -1196,9 +1239,6 @@
               </a:spcAft>
               <a:buNone/>
             </a:pPr>
-            <a:r>
-              <a:t/>
-            </a:r>
             <a:endParaRPr/>
           </a:p>
         </p:txBody>
@@ -1212,11 +1252,11 @@
 </file>
 
 <file path=ppt/notesSlides/notesSlide5.xml><?xml version="1.0" encoding="utf-8"?>
-<p:notes xmlns:a="http://schemas.openxmlformats.org/drawingml/2006/main" xmlns:r="http://schemas.openxmlformats.org/officeDocument/2006/relationships" xmlns:mc="http://schemas.openxmlformats.org/markup-compatibility/2006" xmlns:mv="urn:schemas-microsoft-com:mac:vml" xmlns:p="http://schemas.openxmlformats.org/presentationml/2006/main" xmlns:c="http://schemas.openxmlformats.org/drawingml/2006/chart" xmlns:dgm="http://schemas.openxmlformats.org/drawingml/2006/diagram" xmlns:o="urn:schemas-microsoft-com:office:office" xmlns:v="urn:schemas-microsoft-com:vml" xmlns:pvml="urn:schemas-microsoft-com:office:powerpoint" xmlns:com="http://schemas.openxmlformats.org/drawingml/2006/compatibility" xmlns:p14="http://schemas.microsoft.com/office/powerpoint/2010/main" xmlns:p15="http://schemas.microsoft.com/office/powerpoint/2012/main" xmlns:ahyp="http://schemas.microsoft.com/office/drawing/2018/hyperlinkcolor" showMasterPhAnim="0" showMasterSp="0">
+<p:notes xmlns:a="http://schemas.openxmlformats.org/drawingml/2006/main" xmlns:r="http://schemas.openxmlformats.org/officeDocument/2006/relationships" xmlns:p="http://schemas.openxmlformats.org/presentationml/2006/main" showMasterSp="0" showMasterPhAnim="0">
   <p:cSld>
     <p:spTree>
       <p:nvGrpSpPr>
-        <p:cNvPr id="79" name="Shape 79"/>
+        <p:cNvPr id="1" name="Shape 79"/>
         <p:cNvGrpSpPr/>
         <p:nvPr/>
       </p:nvGrpSpPr>
@@ -1231,9 +1271,11 @@
       <p:sp>
         <p:nvSpPr>
           <p:cNvPr id="80" name="Google Shape;80;g1ba828923d2e6840_0:notes"/>
-          <p:cNvSpPr/>
+          <p:cNvSpPr>
+            <a:spLocks noGrp="1" noRot="1" noChangeAspect="1"/>
+          </p:cNvSpPr>
           <p:nvPr>
-            <p:ph idx="2" type="sldImg"/>
+            <p:ph type="sldImg" idx="2"/>
           </p:nvPr>
         </p:nvSpPr>
         <p:spPr>
@@ -1242,9 +1284,13 @@
             <a:ext cx="6096000" cy="3429000"/>
           </a:xfrm>
           <a:custGeom>
-            <a:rect b="b" l="l" r="r" t="t"/>
+            <a:avLst/>
+            <a:gdLst/>
+            <a:ahLst/>
+            <a:cxnLst/>
+            <a:rect l="l" t="t" r="r" b="b"/>
             <a:pathLst>
-              <a:path extrusionOk="0" h="120000" w="120000">
+              <a:path w="120000" h="120000" extrusionOk="0">
                 <a:moveTo>
                   <a:pt x="0" y="0"/>
                 </a:moveTo>
@@ -1266,9 +1312,11 @@
       <p:sp>
         <p:nvSpPr>
           <p:cNvPr id="81" name="Google Shape;81;g1ba828923d2e6840_0:notes"/>
-          <p:cNvSpPr txBox="1"/>
+          <p:cNvSpPr txBox="1">
+            <a:spLocks noGrp="1"/>
+          </p:cNvSpPr>
           <p:nvPr>
-            <p:ph idx="1" type="body"/>
+            <p:ph type="body" idx="1"/>
           </p:nvPr>
         </p:nvSpPr>
         <p:spPr>
@@ -1281,12 +1329,12 @@
           </a:prstGeom>
         </p:spPr>
         <p:txBody>
-          <a:bodyPr anchorCtr="0" anchor="t" bIns="91425" lIns="91425" spcFirstLastPara="1" rIns="91425" wrap="square" tIns="91425">
+          <a:bodyPr spcFirstLastPara="1" wrap="square" lIns="91425" tIns="91425" rIns="91425" bIns="91425" anchor="t" anchorCtr="0">
             <a:noAutofit/>
           </a:bodyPr>
           <a:lstStyle/>
           <a:p>
-            <a:pPr indent="0" lvl="0" marL="0" rtl="0" algn="l">
+            <a:pPr marL="0" lvl="0" indent="0" algn="l" rtl="0">
               <a:spcBef>
                 <a:spcPts val="0"/>
               </a:spcBef>
@@ -1295,9 +1343,6 @@
               </a:spcAft>
               <a:buNone/>
             </a:pPr>
-            <a:r>
-              <a:t/>
-            </a:r>
             <a:endParaRPr/>
           </a:p>
         </p:txBody>
@@ -1311,11 +1356,11 @@
 </file>
 
 <file path=ppt/notesSlides/notesSlide6.xml><?xml version="1.0" encoding="utf-8"?>
-<p:notes xmlns:a="http://schemas.openxmlformats.org/drawingml/2006/main" xmlns:r="http://schemas.openxmlformats.org/officeDocument/2006/relationships" xmlns:mc="http://schemas.openxmlformats.org/markup-compatibility/2006" xmlns:mv="urn:schemas-microsoft-com:mac:vml" xmlns:p="http://schemas.openxmlformats.org/presentationml/2006/main" xmlns:c="http://schemas.openxmlformats.org/drawingml/2006/chart" xmlns:dgm="http://schemas.openxmlformats.org/drawingml/2006/diagram" xmlns:o="urn:schemas-microsoft-com:office:office" xmlns:v="urn:schemas-microsoft-com:vml" xmlns:pvml="urn:schemas-microsoft-com:office:powerpoint" xmlns:com="http://schemas.openxmlformats.org/drawingml/2006/compatibility" xmlns:p14="http://schemas.microsoft.com/office/powerpoint/2010/main" xmlns:p15="http://schemas.microsoft.com/office/powerpoint/2012/main" xmlns:ahyp="http://schemas.microsoft.com/office/drawing/2018/hyperlinkcolor" showMasterPhAnim="0" showMasterSp="0">
+<p:notes xmlns:a="http://schemas.openxmlformats.org/drawingml/2006/main" xmlns:r="http://schemas.openxmlformats.org/officeDocument/2006/relationships" xmlns:p="http://schemas.openxmlformats.org/presentationml/2006/main" showMasterSp="0" showMasterPhAnim="0">
   <p:cSld>
     <p:spTree>
       <p:nvGrpSpPr>
-        <p:cNvPr id="90" name="Shape 90"/>
+        <p:cNvPr id="1" name="Shape 90"/>
         <p:cNvGrpSpPr/>
         <p:nvPr/>
       </p:nvGrpSpPr>
@@ -1330,9 +1375,11 @@
       <p:sp>
         <p:nvSpPr>
           <p:cNvPr id="91" name="Google Shape;91;g1ba828923d2e6840_9:notes"/>
-          <p:cNvSpPr/>
+          <p:cNvSpPr>
+            <a:spLocks noGrp="1" noRot="1" noChangeAspect="1"/>
+          </p:cNvSpPr>
           <p:nvPr>
-            <p:ph idx="2" type="sldImg"/>
+            <p:ph type="sldImg" idx="2"/>
           </p:nvPr>
         </p:nvSpPr>
         <p:spPr>
@@ -1341,9 +1388,13 @@
             <a:ext cx="6096000" cy="3429000"/>
           </a:xfrm>
           <a:custGeom>
-            <a:rect b="b" l="l" r="r" t="t"/>
+            <a:avLst/>
+            <a:gdLst/>
+            <a:ahLst/>
+            <a:cxnLst/>
+            <a:rect l="l" t="t" r="r" b="b"/>
             <a:pathLst>
-              <a:path extrusionOk="0" h="120000" w="120000">
+              <a:path w="120000" h="120000" extrusionOk="0">
                 <a:moveTo>
                   <a:pt x="0" y="0"/>
                 </a:moveTo>
@@ -1365,9 +1416,11 @@
       <p:sp>
         <p:nvSpPr>
           <p:cNvPr id="92" name="Google Shape;92;g1ba828923d2e6840_9:notes"/>
-          <p:cNvSpPr txBox="1"/>
+          <p:cNvSpPr txBox="1">
+            <a:spLocks noGrp="1"/>
+          </p:cNvSpPr>
           <p:nvPr>
-            <p:ph idx="1" type="body"/>
+            <p:ph type="body" idx="1"/>
           </p:nvPr>
         </p:nvSpPr>
         <p:spPr>
@@ -1380,12 +1433,12 @@
           </a:prstGeom>
         </p:spPr>
         <p:txBody>
-          <a:bodyPr anchorCtr="0" anchor="t" bIns="91425" lIns="91425" spcFirstLastPara="1" rIns="91425" wrap="square" tIns="91425">
+          <a:bodyPr spcFirstLastPara="1" wrap="square" lIns="91425" tIns="91425" rIns="91425" bIns="91425" anchor="t" anchorCtr="0">
             <a:noAutofit/>
           </a:bodyPr>
           <a:lstStyle/>
           <a:p>
-            <a:pPr indent="0" lvl="0" marL="0" rtl="0" algn="l">
+            <a:pPr marL="0" lvl="0" indent="0" algn="l" rtl="0">
               <a:spcBef>
                 <a:spcPts val="0"/>
               </a:spcBef>
@@ -1394,9 +1447,6 @@
               </a:spcAft>
               <a:buNone/>
             </a:pPr>
-            <a:r>
-              <a:t/>
-            </a:r>
             <a:endParaRPr/>
           </a:p>
         </p:txBody>
@@ -1410,11 +1460,11 @@
 </file>
 
 <file path=ppt/notesSlides/notesSlide7.xml><?xml version="1.0" encoding="utf-8"?>
-<p:notes xmlns:a="http://schemas.openxmlformats.org/drawingml/2006/main" xmlns:r="http://schemas.openxmlformats.org/officeDocument/2006/relationships" xmlns:mc="http://schemas.openxmlformats.org/markup-compatibility/2006" xmlns:mv="urn:schemas-microsoft-com:mac:vml" xmlns:p="http://schemas.openxmlformats.org/presentationml/2006/main" xmlns:c="http://schemas.openxmlformats.org/drawingml/2006/chart" xmlns:dgm="http://schemas.openxmlformats.org/drawingml/2006/diagram" xmlns:o="urn:schemas-microsoft-com:office:office" xmlns:v="urn:schemas-microsoft-com:vml" xmlns:pvml="urn:schemas-microsoft-com:office:powerpoint" xmlns:com="http://schemas.openxmlformats.org/drawingml/2006/compatibility" xmlns:p14="http://schemas.microsoft.com/office/powerpoint/2010/main" xmlns:p15="http://schemas.microsoft.com/office/powerpoint/2012/main" xmlns:ahyp="http://schemas.microsoft.com/office/drawing/2018/hyperlinkcolor" showMasterPhAnim="0" showMasterSp="0">
+<p:notes xmlns:a="http://schemas.openxmlformats.org/drawingml/2006/main" xmlns:r="http://schemas.openxmlformats.org/officeDocument/2006/relationships" xmlns:p="http://schemas.openxmlformats.org/presentationml/2006/main" showMasterSp="0" showMasterPhAnim="0">
   <p:cSld>
     <p:spTree>
       <p:nvGrpSpPr>
-        <p:cNvPr id="100" name="Shape 100"/>
+        <p:cNvPr id="1" name="Shape 100"/>
         <p:cNvGrpSpPr/>
         <p:nvPr/>
       </p:nvGrpSpPr>
@@ -1429,9 +1479,11 @@
       <p:sp>
         <p:nvSpPr>
           <p:cNvPr id="101" name="Google Shape;101;g1ba828923d2e6840_19:notes"/>
-          <p:cNvSpPr/>
+          <p:cNvSpPr>
+            <a:spLocks noGrp="1" noRot="1" noChangeAspect="1"/>
+          </p:cNvSpPr>
           <p:nvPr>
-            <p:ph idx="2" type="sldImg"/>
+            <p:ph type="sldImg" idx="2"/>
           </p:nvPr>
         </p:nvSpPr>
         <p:spPr>
@@ -1440,9 +1492,13 @@
             <a:ext cx="6096000" cy="3429000"/>
           </a:xfrm>
           <a:custGeom>
-            <a:rect b="b" l="l" r="r" t="t"/>
+            <a:avLst/>
+            <a:gdLst/>
+            <a:ahLst/>
+            <a:cxnLst/>
+            <a:rect l="l" t="t" r="r" b="b"/>
             <a:pathLst>
-              <a:path extrusionOk="0" h="120000" w="120000">
+              <a:path w="120000" h="120000" extrusionOk="0">
                 <a:moveTo>
                   <a:pt x="0" y="0"/>
                 </a:moveTo>
@@ -1464,9 +1520,11 @@
       <p:sp>
         <p:nvSpPr>
           <p:cNvPr id="102" name="Google Shape;102;g1ba828923d2e6840_19:notes"/>
-          <p:cNvSpPr txBox="1"/>
+          <p:cNvSpPr txBox="1">
+            <a:spLocks noGrp="1"/>
+          </p:cNvSpPr>
           <p:nvPr>
-            <p:ph idx="1" type="body"/>
+            <p:ph type="body" idx="1"/>
           </p:nvPr>
         </p:nvSpPr>
         <p:spPr>
@@ -1479,12 +1537,12 @@
           </a:prstGeom>
         </p:spPr>
         <p:txBody>
-          <a:bodyPr anchorCtr="0" anchor="t" bIns="91425" lIns="91425" spcFirstLastPara="1" rIns="91425" wrap="square" tIns="91425">
+          <a:bodyPr spcFirstLastPara="1" wrap="square" lIns="91425" tIns="91425" rIns="91425" bIns="91425" anchor="t" anchorCtr="0">
             <a:noAutofit/>
           </a:bodyPr>
           <a:lstStyle/>
           <a:p>
-            <a:pPr indent="0" lvl="0" marL="0" rtl="0" algn="l">
+            <a:pPr marL="0" lvl="0" indent="0" algn="l" rtl="0">
               <a:spcBef>
                 <a:spcPts val="0"/>
               </a:spcBef>
@@ -1493,9 +1551,6 @@
               </a:spcAft>
               <a:buNone/>
             </a:pPr>
-            <a:r>
-              <a:t/>
-            </a:r>
             <a:endParaRPr/>
           </a:p>
         </p:txBody>
@@ -1509,11 +1564,11 @@
 </file>
 
 <file path=ppt/notesSlides/notesSlide8.xml><?xml version="1.0" encoding="utf-8"?>
-<p:notes xmlns:a="http://schemas.openxmlformats.org/drawingml/2006/main" xmlns:r="http://schemas.openxmlformats.org/officeDocument/2006/relationships" xmlns:mc="http://schemas.openxmlformats.org/markup-compatibility/2006" xmlns:mv="urn:schemas-microsoft-com:mac:vml" xmlns:p="http://schemas.openxmlformats.org/presentationml/2006/main" xmlns:c="http://schemas.openxmlformats.org/drawingml/2006/chart" xmlns:dgm="http://schemas.openxmlformats.org/drawingml/2006/diagram" xmlns:o="urn:schemas-microsoft-com:office:office" xmlns:v="urn:schemas-microsoft-com:vml" xmlns:pvml="urn:schemas-microsoft-com:office:powerpoint" xmlns:com="http://schemas.openxmlformats.org/drawingml/2006/compatibility" xmlns:p14="http://schemas.microsoft.com/office/powerpoint/2010/main" xmlns:p15="http://schemas.microsoft.com/office/powerpoint/2012/main" xmlns:ahyp="http://schemas.microsoft.com/office/drawing/2018/hyperlinkcolor" showMasterPhAnim="0" showMasterSp="0">
+<p:notes xmlns:a="http://schemas.openxmlformats.org/drawingml/2006/main" xmlns:r="http://schemas.openxmlformats.org/officeDocument/2006/relationships" xmlns:p="http://schemas.openxmlformats.org/presentationml/2006/main" showMasterSp="0" showMasterPhAnim="0">
   <p:cSld>
     <p:spTree>
       <p:nvGrpSpPr>
-        <p:cNvPr id="112" name="Shape 112"/>
+        <p:cNvPr id="1" name="Shape 112"/>
         <p:cNvGrpSpPr/>
         <p:nvPr/>
       </p:nvGrpSpPr>
@@ -1528,9 +1583,11 @@
       <p:sp>
         <p:nvSpPr>
           <p:cNvPr id="113" name="Google Shape;113;g2a3875fd260_1_7:notes"/>
-          <p:cNvSpPr/>
+          <p:cNvSpPr>
+            <a:spLocks noGrp="1" noRot="1" noChangeAspect="1"/>
+          </p:cNvSpPr>
           <p:nvPr>
-            <p:ph idx="2" type="sldImg"/>
+            <p:ph type="sldImg" idx="2"/>
           </p:nvPr>
         </p:nvSpPr>
         <p:spPr>
@@ -1539,9 +1596,13 @@
             <a:ext cx="6096000" cy="3429000"/>
           </a:xfrm>
           <a:custGeom>
-            <a:rect b="b" l="l" r="r" t="t"/>
+            <a:avLst/>
+            <a:gdLst/>
+            <a:ahLst/>
+            <a:cxnLst/>
+            <a:rect l="l" t="t" r="r" b="b"/>
             <a:pathLst>
-              <a:path extrusionOk="0" h="120000" w="120000">
+              <a:path w="120000" h="120000" extrusionOk="0">
                 <a:moveTo>
                   <a:pt x="0" y="0"/>
                 </a:moveTo>
@@ -1563,9 +1624,11 @@
       <p:sp>
         <p:nvSpPr>
           <p:cNvPr id="114" name="Google Shape;114;g2a3875fd260_1_7:notes"/>
-          <p:cNvSpPr txBox="1"/>
+          <p:cNvSpPr txBox="1">
+            <a:spLocks noGrp="1"/>
+          </p:cNvSpPr>
           <p:nvPr>
-            <p:ph idx="1" type="body"/>
+            <p:ph type="body" idx="1"/>
           </p:nvPr>
         </p:nvSpPr>
         <p:spPr>
@@ -1578,12 +1641,12 @@
           </a:prstGeom>
         </p:spPr>
         <p:txBody>
-          <a:bodyPr anchorCtr="0" anchor="t" bIns="91425" lIns="91425" spcFirstLastPara="1" rIns="91425" wrap="square" tIns="91425">
+          <a:bodyPr spcFirstLastPara="1" wrap="square" lIns="91425" tIns="91425" rIns="91425" bIns="91425" anchor="t" anchorCtr="0">
             <a:noAutofit/>
           </a:bodyPr>
           <a:lstStyle/>
           <a:p>
-            <a:pPr indent="0" lvl="0" marL="0" rtl="0" algn="l">
+            <a:pPr marL="0" lvl="0" indent="0" algn="l" rtl="0">
               <a:spcBef>
                 <a:spcPts val="0"/>
               </a:spcBef>
@@ -1592,9 +1655,6 @@
               </a:spcAft>
               <a:buNone/>
             </a:pPr>
-            <a:r>
-              <a:t/>
-            </a:r>
             <a:endParaRPr/>
           </a:p>
         </p:txBody>
@@ -1608,11 +1668,11 @@
 </file>
 
 <file path=ppt/notesSlides/notesSlide9.xml><?xml version="1.0" encoding="utf-8"?>
-<p:notes xmlns:a="http://schemas.openxmlformats.org/drawingml/2006/main" xmlns:r="http://schemas.openxmlformats.org/officeDocument/2006/relationships" xmlns:mc="http://schemas.openxmlformats.org/markup-compatibility/2006" xmlns:mv="urn:schemas-microsoft-com:mac:vml" xmlns:p="http://schemas.openxmlformats.org/presentationml/2006/main" xmlns:c="http://schemas.openxmlformats.org/drawingml/2006/chart" xmlns:dgm="http://schemas.openxmlformats.org/drawingml/2006/diagram" xmlns:o="urn:schemas-microsoft-com:office:office" xmlns:v="urn:schemas-microsoft-com:vml" xmlns:pvml="urn:schemas-microsoft-com:office:powerpoint" xmlns:com="http://schemas.openxmlformats.org/drawingml/2006/compatibility" xmlns:p14="http://schemas.microsoft.com/office/powerpoint/2010/main" xmlns:p15="http://schemas.microsoft.com/office/powerpoint/2012/main" xmlns:ahyp="http://schemas.microsoft.com/office/drawing/2018/hyperlinkcolor" showMasterPhAnim="0" showMasterSp="0">
+<p:notes xmlns:a="http://schemas.openxmlformats.org/drawingml/2006/main" xmlns:r="http://schemas.openxmlformats.org/officeDocument/2006/relationships" xmlns:p="http://schemas.openxmlformats.org/presentationml/2006/main" showMasterSp="0" showMasterPhAnim="0">
   <p:cSld>
     <p:spTree>
       <p:nvGrpSpPr>
-        <p:cNvPr id="118" name="Shape 118"/>
+        <p:cNvPr id="1" name="Shape 118"/>
         <p:cNvGrpSpPr/>
         <p:nvPr/>
       </p:nvGrpSpPr>
@@ -1627,9 +1687,11 @@
       <p:sp>
         <p:nvSpPr>
           <p:cNvPr id="119" name="Google Shape;119;g1ba828923d2e6840_47:notes"/>
-          <p:cNvSpPr/>
+          <p:cNvSpPr>
+            <a:spLocks noGrp="1" noRot="1" noChangeAspect="1"/>
+          </p:cNvSpPr>
           <p:nvPr>
-            <p:ph idx="2" type="sldImg"/>
+            <p:ph type="sldImg" idx="2"/>
           </p:nvPr>
         </p:nvSpPr>
         <p:spPr>
@@ -1638,9 +1700,13 @@
             <a:ext cx="6096000" cy="3429000"/>
           </a:xfrm>
           <a:custGeom>
-            <a:rect b="b" l="l" r="r" t="t"/>
+            <a:avLst/>
+            <a:gdLst/>
+            <a:ahLst/>
+            <a:cxnLst/>
+            <a:rect l="l" t="t" r="r" b="b"/>
             <a:pathLst>
-              <a:path extrusionOk="0" h="120000" w="120000">
+              <a:path w="120000" h="120000" extrusionOk="0">
                 <a:moveTo>
                   <a:pt x="0" y="0"/>
                 </a:moveTo>
@@ -1662,9 +1728,11 @@
       <p:sp>
         <p:nvSpPr>
           <p:cNvPr id="120" name="Google Shape;120;g1ba828923d2e6840_47:notes"/>
-          <p:cNvSpPr txBox="1"/>
+          <p:cNvSpPr txBox="1">
+            <a:spLocks noGrp="1"/>
+          </p:cNvSpPr>
           <p:nvPr>
-            <p:ph idx="1" type="body"/>
+            <p:ph type="body" idx="1"/>
           </p:nvPr>
         </p:nvSpPr>
         <p:spPr>
@@ -1677,12 +1745,12 @@
           </a:prstGeom>
         </p:spPr>
         <p:txBody>
-          <a:bodyPr anchorCtr="0" anchor="t" bIns="91425" lIns="91425" spcFirstLastPara="1" rIns="91425" wrap="square" tIns="91425">
+          <a:bodyPr spcFirstLastPara="1" wrap="square" lIns="91425" tIns="91425" rIns="91425" bIns="91425" anchor="t" anchorCtr="0">
             <a:noAutofit/>
           </a:bodyPr>
           <a:lstStyle/>
           <a:p>
-            <a:pPr indent="0" lvl="0" marL="0" rtl="0" algn="l">
+            <a:pPr marL="0" lvl="0" indent="0" algn="l" rtl="0">
               <a:spcBef>
                 <a:spcPts val="0"/>
               </a:spcBef>
@@ -1691,9 +1759,6 @@
               </a:spcAft>
               <a:buNone/>
             </a:pPr>
-            <a:r>
-              <a:t/>
-            </a:r>
             <a:endParaRPr/>
           </a:p>
         </p:txBody>
@@ -1707,18 +1772,19 @@
 </file>
 
 <file path=ppt/slideLayouts/slideLayout1.xml><?xml version="1.0" encoding="utf-8"?>
-<p:sldLayout xmlns:a="http://schemas.openxmlformats.org/drawingml/2006/main" xmlns:r="http://schemas.openxmlformats.org/officeDocument/2006/relationships" xmlns:mc="http://schemas.openxmlformats.org/markup-compatibility/2006" xmlns:mv="urn:schemas-microsoft-com:mac:vml" xmlns:p="http://schemas.openxmlformats.org/presentationml/2006/main" xmlns:c="http://schemas.openxmlformats.org/drawingml/2006/chart" xmlns:dgm="http://schemas.openxmlformats.org/drawingml/2006/diagram" xmlns:o="urn:schemas-microsoft-com:office:office" xmlns:v="urn:schemas-microsoft-com:vml" xmlns:pvml="urn:schemas-microsoft-com:office:powerpoint" xmlns:com="http://schemas.openxmlformats.org/drawingml/2006/compatibility" xmlns:p14="http://schemas.microsoft.com/office/powerpoint/2010/main" xmlns:p15="http://schemas.microsoft.com/office/powerpoint/2012/main" xmlns:ahyp="http://schemas.microsoft.com/office/drawing/2018/hyperlinkcolor" matchingName="Title slide" type="title">
+<p:sldLayout xmlns:a="http://schemas.openxmlformats.org/drawingml/2006/main" xmlns:r="http://schemas.openxmlformats.org/officeDocument/2006/relationships" xmlns:p="http://schemas.openxmlformats.org/presentationml/2006/main" matchingName="Title slide" type="title">
   <p:cSld name="TITLE">
     <p:bg>
       <p:bgPr>
         <a:solidFill>
           <a:schemeClr val="dk1"/>
         </a:solidFill>
+        <a:effectLst/>
       </p:bgPr>
     </p:bg>
     <p:spTree>
       <p:nvGrpSpPr>
-        <p:cNvPr id="9" name="Shape 9"/>
+        <p:cNvPr id="1" name="Shape 9"/>
         <p:cNvGrpSpPr/>
         <p:nvPr/>
       </p:nvGrpSpPr>
@@ -1752,12 +1818,12 @@
           </a:ln>
         </p:spPr>
         <p:txBody>
-          <a:bodyPr anchorCtr="0" anchor="ctr" bIns="91425" lIns="91425" spcFirstLastPara="1" rIns="91425" wrap="square" tIns="91425">
+          <a:bodyPr spcFirstLastPara="1" wrap="square" lIns="91425" tIns="91425" rIns="91425" bIns="91425" anchor="ctr" anchorCtr="0">
             <a:noAutofit/>
           </a:bodyPr>
           <a:lstStyle/>
           <a:p>
-            <a:pPr indent="0" lvl="0" marL="0" rtl="0" algn="l">
+            <a:pPr marL="0" lvl="0" indent="0" algn="l" rtl="0">
               <a:spcBef>
                 <a:spcPts val="0"/>
               </a:spcBef>
@@ -1766,9 +1832,6 @@
               </a:spcAft>
               <a:buNone/>
             </a:pPr>
-            <a:r>
-              <a:t/>
-            </a:r>
             <a:endParaRPr/>
           </a:p>
         </p:txBody>
@@ -1795,12 +1858,12 @@
           </a:ln>
         </p:spPr>
         <p:txBody>
-          <a:bodyPr anchorCtr="0" anchor="ctr" bIns="91425" lIns="91425" spcFirstLastPara="1" rIns="91425" wrap="square" tIns="91425">
+          <a:bodyPr spcFirstLastPara="1" wrap="square" lIns="91425" tIns="91425" rIns="91425" bIns="91425" anchor="ctr" anchorCtr="0">
             <a:noAutofit/>
           </a:bodyPr>
           <a:lstStyle/>
           <a:p>
-            <a:pPr indent="0" lvl="0" marL="0" rtl="0" algn="l">
+            <a:pPr marL="0" lvl="0" indent="0" algn="l" rtl="0">
               <a:spcBef>
                 <a:spcPts val="0"/>
               </a:spcBef>
@@ -1809,9 +1872,6 @@
               </a:spcAft>
               <a:buNone/>
             </a:pPr>
-            <a:r>
-              <a:t/>
-            </a:r>
             <a:endParaRPr/>
           </a:p>
         </p:txBody>
@@ -1819,7 +1879,9 @@
       <p:sp>
         <p:nvSpPr>
           <p:cNvPr id="12" name="Google Shape;12;p2"/>
-          <p:cNvSpPr txBox="1"/>
+          <p:cNvSpPr txBox="1">
+            <a:spLocks noGrp="1"/>
+          </p:cNvSpPr>
           <p:nvPr>
             <p:ph type="ctrTitle"/>
           </p:nvPr>
@@ -1837,7 +1899,7 @@
           </a:solidFill>
         </p:spPr>
         <p:txBody>
-          <a:bodyPr anchorCtr="0" anchor="ctr" bIns="91425" lIns="91425" spcFirstLastPara="1" rIns="91425" wrap="square" tIns="91425">
+          <a:bodyPr spcFirstLastPara="1" wrap="square" lIns="91425" tIns="91425" rIns="91425" bIns="91425" anchor="ctr" anchorCtr="0">
             <a:normAutofit/>
           </a:bodyPr>
           <a:lstStyle>
@@ -1851,7 +1913,7 @@
               <a:buSzPts val="6800"/>
               <a:buFont typeface="Playfair Display"/>
               <a:buNone/>
-              <a:defRPr b="1" sz="6800">
+              <a:defRPr sz="6800" b="1">
                 <a:latin typeface="Playfair Display"/>
                 <a:ea typeface="Playfair Display"/>
                 <a:cs typeface="Playfair Display"/>
@@ -1868,7 +1930,7 @@
               <a:buSzPts val="6800"/>
               <a:buFont typeface="Playfair Display"/>
               <a:buNone/>
-              <a:defRPr b="1" sz="6800">
+              <a:defRPr sz="6800" b="1">
                 <a:latin typeface="Playfair Display"/>
                 <a:ea typeface="Playfair Display"/>
                 <a:cs typeface="Playfair Display"/>
@@ -1885,7 +1947,7 @@
               <a:buSzPts val="6800"/>
               <a:buFont typeface="Playfair Display"/>
               <a:buNone/>
-              <a:defRPr b="1" sz="6800">
+              <a:defRPr sz="6800" b="1">
                 <a:latin typeface="Playfair Display"/>
                 <a:ea typeface="Playfair Display"/>
                 <a:cs typeface="Playfair Display"/>
@@ -1902,7 +1964,7 @@
               <a:buSzPts val="6800"/>
               <a:buFont typeface="Playfair Display"/>
               <a:buNone/>
-              <a:defRPr b="1" sz="6800">
+              <a:defRPr sz="6800" b="1">
                 <a:latin typeface="Playfair Display"/>
                 <a:ea typeface="Playfair Display"/>
                 <a:cs typeface="Playfair Display"/>
@@ -1919,7 +1981,7 @@
               <a:buSzPts val="6800"/>
               <a:buFont typeface="Playfair Display"/>
               <a:buNone/>
-              <a:defRPr b="1" sz="6800">
+              <a:defRPr sz="6800" b="1">
                 <a:latin typeface="Playfair Display"/>
                 <a:ea typeface="Playfair Display"/>
                 <a:cs typeface="Playfair Display"/>
@@ -1936,7 +1998,7 @@
               <a:buSzPts val="6800"/>
               <a:buFont typeface="Playfair Display"/>
               <a:buNone/>
-              <a:defRPr b="1" sz="6800">
+              <a:defRPr sz="6800" b="1">
                 <a:latin typeface="Playfair Display"/>
                 <a:ea typeface="Playfair Display"/>
                 <a:cs typeface="Playfair Display"/>
@@ -1953,7 +2015,7 @@
               <a:buSzPts val="6800"/>
               <a:buFont typeface="Playfair Display"/>
               <a:buNone/>
-              <a:defRPr b="1" sz="6800">
+              <a:defRPr sz="6800" b="1">
                 <a:latin typeface="Playfair Display"/>
                 <a:ea typeface="Playfair Display"/>
                 <a:cs typeface="Playfair Display"/>
@@ -1970,7 +2032,7 @@
               <a:buSzPts val="6800"/>
               <a:buFont typeface="Playfair Display"/>
               <a:buNone/>
-              <a:defRPr b="1" sz="6800">
+              <a:defRPr sz="6800" b="1">
                 <a:latin typeface="Playfair Display"/>
                 <a:ea typeface="Playfair Display"/>
                 <a:cs typeface="Playfair Display"/>
@@ -1987,7 +2049,7 @@
               <a:buSzPts val="6800"/>
               <a:buFont typeface="Playfair Display"/>
               <a:buNone/>
-              <a:defRPr b="1" sz="6800">
+              <a:defRPr sz="6800" b="1">
                 <a:latin typeface="Playfair Display"/>
                 <a:ea typeface="Playfair Display"/>
                 <a:cs typeface="Playfair Display"/>
@@ -1995,15 +2057,19 @@
               </a:defRPr>
             </a:lvl9pPr>
           </a:lstStyle>
-          <a:p/>
+          <a:p>
+            <a:endParaRPr/>
+          </a:p>
         </p:txBody>
       </p:sp>
       <p:sp>
         <p:nvSpPr>
           <p:cNvPr id="13" name="Google Shape;13;p2"/>
-          <p:cNvSpPr txBox="1"/>
+          <p:cNvSpPr txBox="1">
+            <a:spLocks noGrp="1"/>
+          </p:cNvSpPr>
           <p:nvPr>
-            <p:ph idx="1" type="subTitle"/>
+            <p:ph type="subTitle" idx="1"/>
           </p:nvPr>
         </p:nvSpPr>
         <p:spPr>
@@ -2019,7 +2085,7 @@
           </a:solidFill>
         </p:spPr>
         <p:txBody>
-          <a:bodyPr anchorCtr="0" anchor="ctr" bIns="91425" lIns="91425" spcFirstLastPara="1" rIns="91425" wrap="square" tIns="91425">
+          <a:bodyPr spcFirstLastPara="1" wrap="square" lIns="91425" tIns="91425" rIns="91425" bIns="91425" anchor="ctr" anchorCtr="0">
             <a:normAutofit/>
           </a:bodyPr>
           <a:lstStyle>
@@ -2039,7 +2105,7 @@
               <a:buSzPts val="2400"/>
               <a:buFont typeface="Montserrat"/>
               <a:buNone/>
-              <a:defRPr b="1" sz="2400">
+              <a:defRPr sz="2400" b="1">
                 <a:solidFill>
                   <a:schemeClr val="lt1"/>
                 </a:solidFill>
@@ -2065,7 +2131,7 @@
               <a:buSzPts val="2400"/>
               <a:buFont typeface="Montserrat"/>
               <a:buNone/>
-              <a:defRPr b="1" sz="2400">
+              <a:defRPr sz="2400" b="1">
                 <a:solidFill>
                   <a:schemeClr val="lt1"/>
                 </a:solidFill>
@@ -2091,7 +2157,7 @@
               <a:buSzPts val="2400"/>
               <a:buFont typeface="Montserrat"/>
               <a:buNone/>
-              <a:defRPr b="1" sz="2400">
+              <a:defRPr sz="2400" b="1">
                 <a:solidFill>
                   <a:schemeClr val="lt1"/>
                 </a:solidFill>
@@ -2117,7 +2183,7 @@
               <a:buSzPts val="2400"/>
               <a:buFont typeface="Montserrat"/>
               <a:buNone/>
-              <a:defRPr b="1" sz="2400">
+              <a:defRPr sz="2400" b="1">
                 <a:solidFill>
                   <a:schemeClr val="lt1"/>
                 </a:solidFill>
@@ -2143,7 +2209,7 @@
               <a:buSzPts val="2400"/>
               <a:buFont typeface="Montserrat"/>
               <a:buNone/>
-              <a:defRPr b="1" sz="2400">
+              <a:defRPr sz="2400" b="1">
                 <a:solidFill>
                   <a:schemeClr val="lt1"/>
                 </a:solidFill>
@@ -2169,7 +2235,7 @@
               <a:buSzPts val="2400"/>
               <a:buFont typeface="Montserrat"/>
               <a:buNone/>
-              <a:defRPr b="1" sz="2400">
+              <a:defRPr sz="2400" b="1">
                 <a:solidFill>
                   <a:schemeClr val="lt1"/>
                 </a:solidFill>
@@ -2195,7 +2261,7 @@
               <a:buSzPts val="2400"/>
               <a:buFont typeface="Montserrat"/>
               <a:buNone/>
-              <a:defRPr b="1" sz="2400">
+              <a:defRPr sz="2400" b="1">
                 <a:solidFill>
                   <a:schemeClr val="lt1"/>
                 </a:solidFill>
@@ -2221,7 +2287,7 @@
               <a:buSzPts val="2400"/>
               <a:buFont typeface="Montserrat"/>
               <a:buNone/>
-              <a:defRPr b="1" sz="2400">
+              <a:defRPr sz="2400" b="1">
                 <a:solidFill>
                   <a:schemeClr val="lt1"/>
                 </a:solidFill>
@@ -2247,7 +2313,7 @@
               <a:buSzPts val="2400"/>
               <a:buFont typeface="Montserrat"/>
               <a:buNone/>
-              <a:defRPr b="1" sz="2400">
+              <a:defRPr sz="2400" b="1">
                 <a:solidFill>
                   <a:schemeClr val="lt1"/>
                 </a:solidFill>
@@ -2258,15 +2324,19 @@
               </a:defRPr>
             </a:lvl9pPr>
           </a:lstStyle>
-          <a:p/>
+          <a:p>
+            <a:endParaRPr/>
+          </a:p>
         </p:txBody>
       </p:sp>
       <p:sp>
         <p:nvSpPr>
           <p:cNvPr id="14" name="Google Shape;14;p2"/>
-          <p:cNvSpPr txBox="1"/>
+          <p:cNvSpPr txBox="1">
+            <a:spLocks noGrp="1"/>
+          </p:cNvSpPr>
           <p:nvPr>
-            <p:ph idx="12" type="sldNum"/>
+            <p:ph type="sldNum" idx="12"/>
           </p:nvPr>
         </p:nvSpPr>
         <p:spPr>
@@ -2279,7 +2349,7 @@
           </a:prstGeom>
         </p:spPr>
         <p:txBody>
-          <a:bodyPr anchorCtr="0" anchor="ctr" bIns="91425" lIns="91425" spcFirstLastPara="1" rIns="91425" wrap="square" tIns="91425">
+          <a:bodyPr spcFirstLastPara="1" wrap="square" lIns="91425" tIns="91425" rIns="91425" bIns="91425" anchor="ctr" anchorCtr="0">
             <a:normAutofit/>
           </a:bodyPr>
           <a:lstStyle>
@@ -2321,7 +2391,7 @@
             </a:lvl9pPr>
           </a:lstStyle>
           <a:p>
-            <a:pPr indent="0" lvl="0" marL="0" rtl="0" algn="r">
+            <a:pPr marL="0" lvl="0" indent="0" algn="r" rtl="0">
               <a:spcBef>
                 <a:spcPts val="0"/>
               </a:spcBef>
@@ -2347,11 +2417,11 @@
 </file>
 
 <file path=ppt/slideLayouts/slideLayout10.xml><?xml version="1.0" encoding="utf-8"?>
-<p:sldLayout xmlns:a="http://schemas.openxmlformats.org/drawingml/2006/main" xmlns:r="http://schemas.openxmlformats.org/officeDocument/2006/relationships" xmlns:mc="http://schemas.openxmlformats.org/markup-compatibility/2006" xmlns:mv="urn:schemas-microsoft-com:mac:vml" xmlns:p="http://schemas.openxmlformats.org/presentationml/2006/main" xmlns:c="http://schemas.openxmlformats.org/drawingml/2006/chart" xmlns:dgm="http://schemas.openxmlformats.org/drawingml/2006/diagram" xmlns:o="urn:schemas-microsoft-com:office:office" xmlns:v="urn:schemas-microsoft-com:vml" xmlns:pvml="urn:schemas-microsoft-com:office:powerpoint" xmlns:com="http://schemas.openxmlformats.org/drawingml/2006/compatibility" xmlns:p14="http://schemas.microsoft.com/office/powerpoint/2010/main" xmlns:p15="http://schemas.microsoft.com/office/powerpoint/2012/main" xmlns:ahyp="http://schemas.microsoft.com/office/drawing/2018/hyperlinkcolor" matchingName="Big number">
+<p:sldLayout xmlns:a="http://schemas.openxmlformats.org/drawingml/2006/main" xmlns:r="http://schemas.openxmlformats.org/officeDocument/2006/relationships" xmlns:p="http://schemas.openxmlformats.org/presentationml/2006/main" matchingName="Big number">
   <p:cSld name="BIG_NUMBER">
     <p:spTree>
       <p:nvGrpSpPr>
-        <p:cNvPr id="48" name="Shape 48"/>
+        <p:cNvPr id="1" name="Shape 48"/>
         <p:cNvGrpSpPr/>
         <p:nvPr/>
       </p:nvGrpSpPr>
@@ -2366,9 +2436,11 @@
       <p:sp>
         <p:nvSpPr>
           <p:cNvPr id="49" name="Google Shape;49;p11"/>
-          <p:cNvSpPr txBox="1"/>
+          <p:cNvSpPr txBox="1">
+            <a:spLocks noGrp="1"/>
+          </p:cNvSpPr>
           <p:nvPr>
-            <p:ph hasCustomPrompt="1" type="title"/>
+            <p:ph type="title" hasCustomPrompt="1"/>
           </p:nvPr>
         </p:nvSpPr>
         <p:spPr>
@@ -2381,7 +2453,7 @@
           </a:prstGeom>
         </p:spPr>
         <p:txBody>
-          <a:bodyPr anchorCtr="0" anchor="b" bIns="91425" lIns="91425" spcFirstLastPara="1" rIns="91425" wrap="square" tIns="91425">
+          <a:bodyPr spcFirstLastPara="1" wrap="square" lIns="91425" tIns="91425" rIns="91425" bIns="91425" anchor="b" anchorCtr="0">
             <a:normAutofit/>
           </a:bodyPr>
           <a:lstStyle>
@@ -2549,9 +2621,11 @@
       <p:sp>
         <p:nvSpPr>
           <p:cNvPr id="50" name="Google Shape;50;p11"/>
-          <p:cNvSpPr txBox="1"/>
+          <p:cNvSpPr txBox="1">
+            <a:spLocks noGrp="1"/>
+          </p:cNvSpPr>
           <p:nvPr>
-            <p:ph idx="1" type="body"/>
+            <p:ph type="body" idx="1"/>
           </p:nvPr>
         </p:nvSpPr>
         <p:spPr>
@@ -2564,11 +2638,11 @@
           </a:prstGeom>
         </p:spPr>
         <p:txBody>
-          <a:bodyPr anchorCtr="0" anchor="t" bIns="91425" lIns="91425" spcFirstLastPara="1" rIns="91425" wrap="square" tIns="91425">
+          <a:bodyPr spcFirstLastPara="1" wrap="square" lIns="91425" tIns="91425" rIns="91425" bIns="91425" anchor="t" anchorCtr="0">
             <a:normAutofit/>
           </a:bodyPr>
           <a:lstStyle>
-            <a:lvl1pPr indent="-342900" lvl="0" marL="457200" algn="ctr">
+            <a:lvl1pPr marL="457200" lvl="0" indent="-342900" algn="ctr">
               <a:spcBef>
                 <a:spcPts val="0"/>
               </a:spcBef>
@@ -2583,7 +2657,7 @@
                 </a:highlight>
               </a:defRPr>
             </a:lvl1pPr>
-            <a:lvl2pPr indent="-317500" lvl="1" marL="914400" algn="ctr">
+            <a:lvl2pPr marL="914400" lvl="1" indent="-317500" algn="ctr">
               <a:spcBef>
                 <a:spcPts val="0"/>
               </a:spcBef>
@@ -2598,7 +2672,7 @@
                 </a:highlight>
               </a:defRPr>
             </a:lvl2pPr>
-            <a:lvl3pPr indent="-317500" lvl="2" marL="1371600" algn="ctr">
+            <a:lvl3pPr marL="1371600" lvl="2" indent="-317500" algn="ctr">
               <a:spcBef>
                 <a:spcPts val="0"/>
               </a:spcBef>
@@ -2613,7 +2687,7 @@
                 </a:highlight>
               </a:defRPr>
             </a:lvl3pPr>
-            <a:lvl4pPr indent="-317500" lvl="3" marL="1828800" algn="ctr">
+            <a:lvl4pPr marL="1828800" lvl="3" indent="-317500" algn="ctr">
               <a:spcBef>
                 <a:spcPts val="0"/>
               </a:spcBef>
@@ -2628,7 +2702,7 @@
                 </a:highlight>
               </a:defRPr>
             </a:lvl4pPr>
-            <a:lvl5pPr indent="-317500" lvl="4" marL="2286000" algn="ctr">
+            <a:lvl5pPr marL="2286000" lvl="4" indent="-317500" algn="ctr">
               <a:spcBef>
                 <a:spcPts val="0"/>
               </a:spcBef>
@@ -2643,7 +2717,7 @@
                 </a:highlight>
               </a:defRPr>
             </a:lvl5pPr>
-            <a:lvl6pPr indent="-317500" lvl="5" marL="2743200" algn="ctr">
+            <a:lvl6pPr marL="2743200" lvl="5" indent="-317500" algn="ctr">
               <a:spcBef>
                 <a:spcPts val="0"/>
               </a:spcBef>
@@ -2658,7 +2732,7 @@
                 </a:highlight>
               </a:defRPr>
             </a:lvl6pPr>
-            <a:lvl7pPr indent="-317500" lvl="6" marL="3200400" algn="ctr">
+            <a:lvl7pPr marL="3200400" lvl="6" indent="-317500" algn="ctr">
               <a:spcBef>
                 <a:spcPts val="0"/>
               </a:spcBef>
@@ -2673,7 +2747,7 @@
                 </a:highlight>
               </a:defRPr>
             </a:lvl7pPr>
-            <a:lvl8pPr indent="-317500" lvl="7" marL="3657600" algn="ctr">
+            <a:lvl8pPr marL="3657600" lvl="7" indent="-317500" algn="ctr">
               <a:spcBef>
                 <a:spcPts val="0"/>
               </a:spcBef>
@@ -2688,7 +2762,7 @@
                 </a:highlight>
               </a:defRPr>
             </a:lvl8pPr>
-            <a:lvl9pPr indent="-317500" lvl="8" marL="4114800" algn="ctr">
+            <a:lvl9pPr marL="4114800" lvl="8" indent="-317500" algn="ctr">
               <a:spcBef>
                 <a:spcPts val="0"/>
               </a:spcBef>
@@ -2704,15 +2778,19 @@
               </a:defRPr>
             </a:lvl9pPr>
           </a:lstStyle>
-          <a:p/>
+          <a:p>
+            <a:endParaRPr/>
+          </a:p>
         </p:txBody>
       </p:sp>
       <p:sp>
         <p:nvSpPr>
           <p:cNvPr id="51" name="Google Shape;51;p11"/>
-          <p:cNvSpPr txBox="1"/>
+          <p:cNvSpPr txBox="1">
+            <a:spLocks noGrp="1"/>
+          </p:cNvSpPr>
           <p:nvPr>
-            <p:ph idx="12" type="sldNum"/>
+            <p:ph type="sldNum" idx="12"/>
           </p:nvPr>
         </p:nvSpPr>
         <p:spPr>
@@ -2725,7 +2803,7 @@
           </a:prstGeom>
         </p:spPr>
         <p:txBody>
-          <a:bodyPr anchorCtr="0" anchor="ctr" bIns="91425" lIns="91425" spcFirstLastPara="1" rIns="91425" wrap="square" tIns="91425">
+          <a:bodyPr spcFirstLastPara="1" wrap="square" lIns="91425" tIns="91425" rIns="91425" bIns="91425" anchor="ctr" anchorCtr="0">
             <a:normAutofit/>
           </a:bodyPr>
           <a:lstStyle>
@@ -2767,7 +2845,7 @@
             </a:lvl9pPr>
           </a:lstStyle>
           <a:p>
-            <a:pPr indent="0" lvl="0" marL="0" rtl="0" algn="r">
+            <a:pPr marL="0" lvl="0" indent="0" algn="r" rtl="0">
               <a:spcBef>
                 <a:spcPts val="0"/>
               </a:spcBef>
@@ -2793,11 +2871,11 @@
 </file>
 
 <file path=ppt/slideLayouts/slideLayout11.xml><?xml version="1.0" encoding="utf-8"?>
-<p:sldLayout xmlns:a="http://schemas.openxmlformats.org/drawingml/2006/main" xmlns:r="http://schemas.openxmlformats.org/officeDocument/2006/relationships" xmlns:mc="http://schemas.openxmlformats.org/markup-compatibility/2006" xmlns:mv="urn:schemas-microsoft-com:mac:vml" xmlns:p="http://schemas.openxmlformats.org/presentationml/2006/main" xmlns:c="http://schemas.openxmlformats.org/drawingml/2006/chart" xmlns:dgm="http://schemas.openxmlformats.org/drawingml/2006/diagram" xmlns:o="urn:schemas-microsoft-com:office:office" xmlns:v="urn:schemas-microsoft-com:vml" xmlns:pvml="urn:schemas-microsoft-com:office:powerpoint" xmlns:com="http://schemas.openxmlformats.org/drawingml/2006/compatibility" xmlns:p14="http://schemas.microsoft.com/office/powerpoint/2010/main" xmlns:p15="http://schemas.microsoft.com/office/powerpoint/2012/main" xmlns:ahyp="http://schemas.microsoft.com/office/drawing/2018/hyperlinkcolor" matchingName="Blank" type="blank">
+<p:sldLayout xmlns:a="http://schemas.openxmlformats.org/drawingml/2006/main" xmlns:r="http://schemas.openxmlformats.org/officeDocument/2006/relationships" xmlns:p="http://schemas.openxmlformats.org/presentationml/2006/main" matchingName="Blank" type="blank">
   <p:cSld name="BLANK">
     <p:spTree>
       <p:nvGrpSpPr>
-        <p:cNvPr id="52" name="Shape 52"/>
+        <p:cNvPr id="1" name="Shape 52"/>
         <p:cNvGrpSpPr/>
         <p:nvPr/>
       </p:nvGrpSpPr>
@@ -2812,9 +2890,11 @@
       <p:sp>
         <p:nvSpPr>
           <p:cNvPr id="53" name="Google Shape;53;p12"/>
-          <p:cNvSpPr txBox="1"/>
+          <p:cNvSpPr txBox="1">
+            <a:spLocks noGrp="1"/>
+          </p:cNvSpPr>
           <p:nvPr>
-            <p:ph idx="12" type="sldNum"/>
+            <p:ph type="sldNum" idx="12"/>
           </p:nvPr>
         </p:nvSpPr>
         <p:spPr>
@@ -2827,7 +2907,7 @@
           </a:prstGeom>
         </p:spPr>
         <p:txBody>
-          <a:bodyPr anchorCtr="0" anchor="ctr" bIns="91425" lIns="91425" spcFirstLastPara="1" rIns="91425" wrap="square" tIns="91425">
+          <a:bodyPr spcFirstLastPara="1" wrap="square" lIns="91425" tIns="91425" rIns="91425" bIns="91425" anchor="ctr" anchorCtr="0">
             <a:normAutofit/>
           </a:bodyPr>
           <a:lstStyle>
@@ -2869,7 +2949,7 @@
             </a:lvl9pPr>
           </a:lstStyle>
           <a:p>
-            <a:pPr indent="0" lvl="0" marL="0" rtl="0" algn="r">
+            <a:pPr marL="0" lvl="0" indent="0" algn="r" rtl="0">
               <a:spcBef>
                 <a:spcPts val="0"/>
               </a:spcBef>
@@ -2895,18 +2975,19 @@
 </file>
 
 <file path=ppt/slideLayouts/slideLayout2.xml><?xml version="1.0" encoding="utf-8"?>
-<p:sldLayout xmlns:a="http://schemas.openxmlformats.org/drawingml/2006/main" xmlns:r="http://schemas.openxmlformats.org/officeDocument/2006/relationships" xmlns:mc="http://schemas.openxmlformats.org/markup-compatibility/2006" xmlns:mv="urn:schemas-microsoft-com:mac:vml" xmlns:p="http://schemas.openxmlformats.org/presentationml/2006/main" xmlns:c="http://schemas.openxmlformats.org/drawingml/2006/chart" xmlns:dgm="http://schemas.openxmlformats.org/drawingml/2006/diagram" xmlns:o="urn:schemas-microsoft-com:office:office" xmlns:v="urn:schemas-microsoft-com:vml" xmlns:pvml="urn:schemas-microsoft-com:office:powerpoint" xmlns:com="http://schemas.openxmlformats.org/drawingml/2006/compatibility" xmlns:p14="http://schemas.microsoft.com/office/powerpoint/2010/main" xmlns:p15="http://schemas.microsoft.com/office/powerpoint/2012/main" xmlns:ahyp="http://schemas.microsoft.com/office/drawing/2018/hyperlinkcolor" matchingName="Section header" type="secHead">
+<p:sldLayout xmlns:a="http://schemas.openxmlformats.org/drawingml/2006/main" xmlns:r="http://schemas.openxmlformats.org/officeDocument/2006/relationships" xmlns:p="http://schemas.openxmlformats.org/presentationml/2006/main" matchingName="Section header" type="secHead">
   <p:cSld name="SECTION_HEADER">
     <p:bg>
       <p:bgPr>
         <a:solidFill>
           <a:schemeClr val="accent4"/>
         </a:solidFill>
+        <a:effectLst/>
       </p:bgPr>
     </p:bg>
     <p:spTree>
       <p:nvGrpSpPr>
-        <p:cNvPr id="15" name="Shape 15"/>
+        <p:cNvPr id="1" name="Shape 15"/>
         <p:cNvGrpSpPr/>
         <p:nvPr/>
       </p:nvGrpSpPr>
@@ -2940,12 +3021,12 @@
           </a:ln>
         </p:spPr>
         <p:txBody>
-          <a:bodyPr anchorCtr="0" anchor="ctr" bIns="91425" lIns="91425" spcFirstLastPara="1" rIns="91425" wrap="square" tIns="91425">
+          <a:bodyPr spcFirstLastPara="1" wrap="square" lIns="91425" tIns="91425" rIns="91425" bIns="91425" anchor="ctr" anchorCtr="0">
             <a:noAutofit/>
           </a:bodyPr>
           <a:lstStyle/>
           <a:p>
-            <a:pPr indent="0" lvl="0" marL="0" rtl="0" algn="l">
+            <a:pPr marL="0" lvl="0" indent="0" algn="l" rtl="0">
               <a:spcBef>
                 <a:spcPts val="0"/>
               </a:spcBef>
@@ -2954,9 +3035,6 @@
               </a:spcAft>
               <a:buNone/>
             </a:pPr>
-            <a:r>
-              <a:t/>
-            </a:r>
             <a:endParaRPr/>
           </a:p>
         </p:txBody>
@@ -2964,7 +3042,9 @@
       <p:sp>
         <p:nvSpPr>
           <p:cNvPr id="17" name="Google Shape;17;p3"/>
-          <p:cNvSpPr txBox="1"/>
+          <p:cNvSpPr txBox="1">
+            <a:spLocks noGrp="1"/>
+          </p:cNvSpPr>
           <p:nvPr>
             <p:ph type="title"/>
           </p:nvPr>
@@ -2982,7 +3062,7 @@
           </a:solidFill>
         </p:spPr>
         <p:txBody>
-          <a:bodyPr anchorCtr="0" anchor="ctr" bIns="91425" lIns="91425" spcFirstLastPara="1" rIns="91425" wrap="square" tIns="91425">
+          <a:bodyPr spcFirstLastPara="1" wrap="square" lIns="91425" tIns="91425" rIns="91425" bIns="91425" anchor="ctr" anchorCtr="0">
             <a:normAutofit/>
           </a:bodyPr>
           <a:lstStyle>
@@ -2996,7 +3076,7 @@
               <a:buSzPts val="4800"/>
               <a:buFont typeface="Playfair Display"/>
               <a:buNone/>
-              <a:defRPr b="1" sz="4800">
+              <a:defRPr sz="4800" b="1">
                 <a:latin typeface="Playfair Display"/>
                 <a:ea typeface="Playfair Display"/>
                 <a:cs typeface="Playfair Display"/>
@@ -3013,7 +3093,7 @@
               <a:buSzPts val="4800"/>
               <a:buFont typeface="Playfair Display"/>
               <a:buNone/>
-              <a:defRPr b="1" sz="4800">
+              <a:defRPr sz="4800" b="1">
                 <a:latin typeface="Playfair Display"/>
                 <a:ea typeface="Playfair Display"/>
                 <a:cs typeface="Playfair Display"/>
@@ -3030,7 +3110,7 @@
               <a:buSzPts val="4800"/>
               <a:buFont typeface="Playfair Display"/>
               <a:buNone/>
-              <a:defRPr b="1" sz="4800">
+              <a:defRPr sz="4800" b="1">
                 <a:latin typeface="Playfair Display"/>
                 <a:ea typeface="Playfair Display"/>
                 <a:cs typeface="Playfair Display"/>
@@ -3047,7 +3127,7 @@
               <a:buSzPts val="4800"/>
               <a:buFont typeface="Playfair Display"/>
               <a:buNone/>
-              <a:defRPr b="1" sz="4800">
+              <a:defRPr sz="4800" b="1">
                 <a:latin typeface="Playfair Display"/>
                 <a:ea typeface="Playfair Display"/>
                 <a:cs typeface="Playfair Display"/>
@@ -3064,7 +3144,7 @@
               <a:buSzPts val="4800"/>
               <a:buFont typeface="Playfair Display"/>
               <a:buNone/>
-              <a:defRPr b="1" sz="4800">
+              <a:defRPr sz="4800" b="1">
                 <a:latin typeface="Playfair Display"/>
                 <a:ea typeface="Playfair Display"/>
                 <a:cs typeface="Playfair Display"/>
@@ -3081,7 +3161,7 @@
               <a:buSzPts val="4800"/>
               <a:buFont typeface="Playfair Display"/>
               <a:buNone/>
-              <a:defRPr b="1" sz="4800">
+              <a:defRPr sz="4800" b="1">
                 <a:latin typeface="Playfair Display"/>
                 <a:ea typeface="Playfair Display"/>
                 <a:cs typeface="Playfair Display"/>
@@ -3098,7 +3178,7 @@
               <a:buSzPts val="4800"/>
               <a:buFont typeface="Playfair Display"/>
               <a:buNone/>
-              <a:defRPr b="1" sz="4800">
+              <a:defRPr sz="4800" b="1">
                 <a:latin typeface="Playfair Display"/>
                 <a:ea typeface="Playfair Display"/>
                 <a:cs typeface="Playfair Display"/>
@@ -3115,7 +3195,7 @@
               <a:buSzPts val="4800"/>
               <a:buFont typeface="Playfair Display"/>
               <a:buNone/>
-              <a:defRPr b="1" sz="4800">
+              <a:defRPr sz="4800" b="1">
                 <a:latin typeface="Playfair Display"/>
                 <a:ea typeface="Playfair Display"/>
                 <a:cs typeface="Playfair Display"/>
@@ -3132,7 +3212,7 @@
               <a:buSzPts val="4800"/>
               <a:buFont typeface="Playfair Display"/>
               <a:buNone/>
-              <a:defRPr b="1" sz="4800">
+              <a:defRPr sz="4800" b="1">
                 <a:latin typeface="Playfair Display"/>
                 <a:ea typeface="Playfair Display"/>
                 <a:cs typeface="Playfair Display"/>
@@ -3140,15 +3220,19 @@
               </a:defRPr>
             </a:lvl9pPr>
           </a:lstStyle>
-          <a:p/>
+          <a:p>
+            <a:endParaRPr/>
+          </a:p>
         </p:txBody>
       </p:sp>
       <p:sp>
         <p:nvSpPr>
           <p:cNvPr id="18" name="Google Shape;18;p3"/>
-          <p:cNvSpPr txBox="1"/>
+          <p:cNvSpPr txBox="1">
+            <a:spLocks noGrp="1"/>
+          </p:cNvSpPr>
           <p:nvPr>
-            <p:ph idx="12" type="sldNum"/>
+            <p:ph type="sldNum" idx="12"/>
           </p:nvPr>
         </p:nvSpPr>
         <p:spPr>
@@ -3161,7 +3245,7 @@
           </a:prstGeom>
         </p:spPr>
         <p:txBody>
-          <a:bodyPr anchorCtr="0" anchor="ctr" bIns="91425" lIns="91425" spcFirstLastPara="1" rIns="91425" wrap="square" tIns="91425">
+          <a:bodyPr spcFirstLastPara="1" wrap="square" lIns="91425" tIns="91425" rIns="91425" bIns="91425" anchor="ctr" anchorCtr="0">
             <a:normAutofit/>
           </a:bodyPr>
           <a:lstStyle>
@@ -3239,7 +3323,7 @@
             </a:lvl9pPr>
           </a:lstStyle>
           <a:p>
-            <a:pPr indent="0" lvl="0" marL="0" rtl="0" algn="r">
+            <a:pPr marL="0" lvl="0" indent="0" algn="r" rtl="0">
               <a:spcBef>
                 <a:spcPts val="0"/>
               </a:spcBef>
@@ -3265,11 +3349,11 @@
 </file>
 
 <file path=ppt/slideLayouts/slideLayout3.xml><?xml version="1.0" encoding="utf-8"?>
-<p:sldLayout xmlns:a="http://schemas.openxmlformats.org/drawingml/2006/main" xmlns:r="http://schemas.openxmlformats.org/officeDocument/2006/relationships" xmlns:mc="http://schemas.openxmlformats.org/markup-compatibility/2006" xmlns:mv="urn:schemas-microsoft-com:mac:vml" xmlns:p="http://schemas.openxmlformats.org/presentationml/2006/main" xmlns:c="http://schemas.openxmlformats.org/drawingml/2006/chart" xmlns:dgm="http://schemas.openxmlformats.org/drawingml/2006/diagram" xmlns:o="urn:schemas-microsoft-com:office:office" xmlns:v="urn:schemas-microsoft-com:vml" xmlns:pvml="urn:schemas-microsoft-com:office:powerpoint" xmlns:com="http://schemas.openxmlformats.org/drawingml/2006/compatibility" xmlns:p14="http://schemas.microsoft.com/office/powerpoint/2010/main" xmlns:p15="http://schemas.microsoft.com/office/powerpoint/2012/main" xmlns:ahyp="http://schemas.microsoft.com/office/drawing/2018/hyperlinkcolor" matchingName="Title and body" type="tx">
+<p:sldLayout xmlns:a="http://schemas.openxmlformats.org/drawingml/2006/main" xmlns:r="http://schemas.openxmlformats.org/officeDocument/2006/relationships" xmlns:p="http://schemas.openxmlformats.org/presentationml/2006/main" matchingName="Title and body" type="tx">
   <p:cSld name="TITLE_AND_BODY">
     <p:spTree>
       <p:nvGrpSpPr>
-        <p:cNvPr id="19" name="Shape 19"/>
+        <p:cNvPr id="1" name="Shape 19"/>
         <p:cNvGrpSpPr/>
         <p:nvPr/>
       </p:nvGrpSpPr>
@@ -3284,7 +3368,9 @@
       <p:sp>
         <p:nvSpPr>
           <p:cNvPr id="20" name="Google Shape;20;p4"/>
-          <p:cNvSpPr txBox="1"/>
+          <p:cNvSpPr txBox="1">
+            <a:spLocks noGrp="1"/>
+          </p:cNvSpPr>
           <p:nvPr>
             <p:ph type="title"/>
           </p:nvPr>
@@ -3299,7 +3385,7 @@
           </a:prstGeom>
         </p:spPr>
         <p:txBody>
-          <a:bodyPr anchorCtr="0" anchor="t" bIns="91425" lIns="91425" spcFirstLastPara="1" rIns="91425" wrap="square" tIns="91425">
+          <a:bodyPr spcFirstLastPara="1" wrap="square" lIns="91425" tIns="91425" rIns="91425" bIns="91425" anchor="t" anchorCtr="0">
             <a:normAutofit/>
           </a:bodyPr>
           <a:lstStyle>
@@ -3403,15 +3489,19 @@
               <a:defRPr/>
             </a:lvl9pPr>
           </a:lstStyle>
-          <a:p/>
+          <a:p>
+            <a:endParaRPr/>
+          </a:p>
         </p:txBody>
       </p:sp>
       <p:sp>
         <p:nvSpPr>
           <p:cNvPr id="21" name="Google Shape;21;p4"/>
-          <p:cNvSpPr txBox="1"/>
+          <p:cNvSpPr txBox="1">
+            <a:spLocks noGrp="1"/>
+          </p:cNvSpPr>
           <p:nvPr>
-            <p:ph idx="1" type="body"/>
+            <p:ph type="body" idx="1"/>
           </p:nvPr>
         </p:nvSpPr>
         <p:spPr>
@@ -3424,11 +3514,11 @@
           </a:prstGeom>
         </p:spPr>
         <p:txBody>
-          <a:bodyPr anchorCtr="0" anchor="t" bIns="91425" lIns="91425" spcFirstLastPara="1" rIns="91425" wrap="square" tIns="91425">
+          <a:bodyPr spcFirstLastPara="1" wrap="square" lIns="91425" tIns="91425" rIns="91425" bIns="91425" anchor="t" anchorCtr="0">
             <a:normAutofit/>
           </a:bodyPr>
           <a:lstStyle>
-            <a:lvl1pPr indent="-342900" lvl="0" marL="457200">
+            <a:lvl1pPr marL="457200" lvl="0" indent="-342900">
               <a:spcBef>
                 <a:spcPts val="0"/>
               </a:spcBef>
@@ -3439,7 +3529,7 @@
               <a:buChar char="●"/>
               <a:defRPr/>
             </a:lvl1pPr>
-            <a:lvl2pPr indent="-317500" lvl="1" marL="914400">
+            <a:lvl2pPr marL="914400" lvl="1" indent="-317500">
               <a:spcBef>
                 <a:spcPts val="0"/>
               </a:spcBef>
@@ -3450,7 +3540,7 @@
               <a:buChar char="○"/>
               <a:defRPr/>
             </a:lvl2pPr>
-            <a:lvl3pPr indent="-317500" lvl="2" marL="1371600">
+            <a:lvl3pPr marL="1371600" lvl="2" indent="-317500">
               <a:spcBef>
                 <a:spcPts val="0"/>
               </a:spcBef>
@@ -3461,7 +3551,7 @@
               <a:buChar char="■"/>
               <a:defRPr/>
             </a:lvl3pPr>
-            <a:lvl4pPr indent="-317500" lvl="3" marL="1828800">
+            <a:lvl4pPr marL="1828800" lvl="3" indent="-317500">
               <a:spcBef>
                 <a:spcPts val="0"/>
               </a:spcBef>
@@ -3472,7 +3562,7 @@
               <a:buChar char="●"/>
               <a:defRPr/>
             </a:lvl4pPr>
-            <a:lvl5pPr indent="-317500" lvl="4" marL="2286000">
+            <a:lvl5pPr marL="2286000" lvl="4" indent="-317500">
               <a:spcBef>
                 <a:spcPts val="0"/>
               </a:spcBef>
@@ -3483,7 +3573,7 @@
               <a:buChar char="○"/>
               <a:defRPr/>
             </a:lvl5pPr>
-            <a:lvl6pPr indent="-317500" lvl="5" marL="2743200">
+            <a:lvl6pPr marL="2743200" lvl="5" indent="-317500">
               <a:spcBef>
                 <a:spcPts val="0"/>
               </a:spcBef>
@@ -3494,7 +3584,7 @@
               <a:buChar char="■"/>
               <a:defRPr/>
             </a:lvl6pPr>
-            <a:lvl7pPr indent="-317500" lvl="6" marL="3200400">
+            <a:lvl7pPr marL="3200400" lvl="6" indent="-317500">
               <a:spcBef>
                 <a:spcPts val="0"/>
               </a:spcBef>
@@ -3505,7 +3595,7 @@
               <a:buChar char="●"/>
               <a:defRPr/>
             </a:lvl7pPr>
-            <a:lvl8pPr indent="-317500" lvl="7" marL="3657600">
+            <a:lvl8pPr marL="3657600" lvl="7" indent="-317500">
               <a:spcBef>
                 <a:spcPts val="0"/>
               </a:spcBef>
@@ -3516,7 +3606,7 @@
               <a:buChar char="○"/>
               <a:defRPr/>
             </a:lvl8pPr>
-            <a:lvl9pPr indent="-317500" lvl="8" marL="4114800">
+            <a:lvl9pPr marL="4114800" lvl="8" indent="-317500">
               <a:spcBef>
                 <a:spcPts val="0"/>
               </a:spcBef>
@@ -3528,15 +3618,19 @@
               <a:defRPr/>
             </a:lvl9pPr>
           </a:lstStyle>
-          <a:p/>
+          <a:p>
+            <a:endParaRPr/>
+          </a:p>
         </p:txBody>
       </p:sp>
       <p:sp>
         <p:nvSpPr>
           <p:cNvPr id="22" name="Google Shape;22;p4"/>
-          <p:cNvSpPr txBox="1"/>
+          <p:cNvSpPr txBox="1">
+            <a:spLocks noGrp="1"/>
+          </p:cNvSpPr>
           <p:nvPr>
-            <p:ph idx="12" type="sldNum"/>
+            <p:ph type="sldNum" idx="12"/>
           </p:nvPr>
         </p:nvSpPr>
         <p:spPr>
@@ -3549,7 +3643,7 @@
           </a:prstGeom>
         </p:spPr>
         <p:txBody>
-          <a:bodyPr anchorCtr="0" anchor="ctr" bIns="91425" lIns="91425" spcFirstLastPara="1" rIns="91425" wrap="square" tIns="91425">
+          <a:bodyPr spcFirstLastPara="1" wrap="square" lIns="91425" tIns="91425" rIns="91425" bIns="91425" anchor="ctr" anchorCtr="0">
             <a:normAutofit/>
           </a:bodyPr>
           <a:lstStyle>
@@ -3591,7 +3685,7 @@
             </a:lvl9pPr>
           </a:lstStyle>
           <a:p>
-            <a:pPr indent="0" lvl="0" marL="0" rtl="0" algn="r">
+            <a:pPr marL="0" lvl="0" indent="0" algn="r" rtl="0">
               <a:spcBef>
                 <a:spcPts val="0"/>
               </a:spcBef>
@@ -3617,11 +3711,11 @@
 </file>
 
 <file path=ppt/slideLayouts/slideLayout4.xml><?xml version="1.0" encoding="utf-8"?>
-<p:sldLayout xmlns:a="http://schemas.openxmlformats.org/drawingml/2006/main" xmlns:r="http://schemas.openxmlformats.org/officeDocument/2006/relationships" xmlns:mc="http://schemas.openxmlformats.org/markup-compatibility/2006" xmlns:mv="urn:schemas-microsoft-com:mac:vml" xmlns:p="http://schemas.openxmlformats.org/presentationml/2006/main" xmlns:c="http://schemas.openxmlformats.org/drawingml/2006/chart" xmlns:dgm="http://schemas.openxmlformats.org/drawingml/2006/diagram" xmlns:o="urn:schemas-microsoft-com:office:office" xmlns:v="urn:schemas-microsoft-com:vml" xmlns:pvml="urn:schemas-microsoft-com:office:powerpoint" xmlns:com="http://schemas.openxmlformats.org/drawingml/2006/compatibility" xmlns:p14="http://schemas.microsoft.com/office/powerpoint/2010/main" xmlns:p15="http://schemas.microsoft.com/office/powerpoint/2012/main" xmlns:ahyp="http://schemas.microsoft.com/office/drawing/2018/hyperlinkcolor" matchingName="Title and two columns" type="twoColTx">
+<p:sldLayout xmlns:a="http://schemas.openxmlformats.org/drawingml/2006/main" xmlns:r="http://schemas.openxmlformats.org/officeDocument/2006/relationships" xmlns:p="http://schemas.openxmlformats.org/presentationml/2006/main" matchingName="Title and two columns" type="twoColTx">
   <p:cSld name="TITLE_AND_TWO_COLUMNS">
     <p:spTree>
       <p:nvGrpSpPr>
-        <p:cNvPr id="23" name="Shape 23"/>
+        <p:cNvPr id="1" name="Shape 23"/>
         <p:cNvGrpSpPr/>
         <p:nvPr/>
       </p:nvGrpSpPr>
@@ -3636,7 +3730,9 @@
       <p:sp>
         <p:nvSpPr>
           <p:cNvPr id="24" name="Google Shape;24;p5"/>
-          <p:cNvSpPr txBox="1"/>
+          <p:cNvSpPr txBox="1">
+            <a:spLocks noGrp="1"/>
+          </p:cNvSpPr>
           <p:nvPr>
             <p:ph type="title"/>
           </p:nvPr>
@@ -3651,7 +3747,7 @@
           </a:prstGeom>
         </p:spPr>
         <p:txBody>
-          <a:bodyPr anchorCtr="0" anchor="t" bIns="91425" lIns="91425" spcFirstLastPara="1" rIns="91425" wrap="square" tIns="91425">
+          <a:bodyPr spcFirstLastPara="1" wrap="square" lIns="91425" tIns="91425" rIns="91425" bIns="91425" anchor="t" anchorCtr="0">
             <a:normAutofit/>
           </a:bodyPr>
           <a:lstStyle>
@@ -3755,15 +3851,19 @@
               <a:defRPr/>
             </a:lvl9pPr>
           </a:lstStyle>
-          <a:p/>
+          <a:p>
+            <a:endParaRPr/>
+          </a:p>
         </p:txBody>
       </p:sp>
       <p:sp>
         <p:nvSpPr>
           <p:cNvPr id="25" name="Google Shape;25;p5"/>
-          <p:cNvSpPr txBox="1"/>
+          <p:cNvSpPr txBox="1">
+            <a:spLocks noGrp="1"/>
+          </p:cNvSpPr>
           <p:nvPr>
-            <p:ph idx="1" type="body"/>
+            <p:ph type="body" idx="1"/>
           </p:nvPr>
         </p:nvSpPr>
         <p:spPr>
@@ -3776,11 +3876,11 @@
           </a:prstGeom>
         </p:spPr>
         <p:txBody>
-          <a:bodyPr anchorCtr="0" anchor="t" bIns="91425" lIns="91425" spcFirstLastPara="1" rIns="91425" wrap="square" tIns="91425">
+          <a:bodyPr spcFirstLastPara="1" wrap="square" lIns="91425" tIns="91425" rIns="91425" bIns="91425" anchor="t" anchorCtr="0">
             <a:normAutofit/>
           </a:bodyPr>
           <a:lstStyle>
-            <a:lvl1pPr indent="-317500" lvl="0" marL="457200">
+            <a:lvl1pPr marL="457200" lvl="0" indent="-317500">
               <a:spcBef>
                 <a:spcPts val="0"/>
               </a:spcBef>
@@ -3791,7 +3891,7 @@
               <a:buChar char="●"/>
               <a:defRPr sz="1400"/>
             </a:lvl1pPr>
-            <a:lvl2pPr indent="-304800" lvl="1" marL="914400">
+            <a:lvl2pPr marL="914400" lvl="1" indent="-304800">
               <a:spcBef>
                 <a:spcPts val="0"/>
               </a:spcBef>
@@ -3802,7 +3902,7 @@
               <a:buChar char="○"/>
               <a:defRPr sz="1200"/>
             </a:lvl2pPr>
-            <a:lvl3pPr indent="-304800" lvl="2" marL="1371600">
+            <a:lvl3pPr marL="1371600" lvl="2" indent="-304800">
               <a:spcBef>
                 <a:spcPts val="0"/>
               </a:spcBef>
@@ -3813,7 +3913,7 @@
               <a:buChar char="■"/>
               <a:defRPr sz="1200"/>
             </a:lvl3pPr>
-            <a:lvl4pPr indent="-304800" lvl="3" marL="1828800">
+            <a:lvl4pPr marL="1828800" lvl="3" indent="-304800">
               <a:spcBef>
                 <a:spcPts val="0"/>
               </a:spcBef>
@@ -3824,7 +3924,7 @@
               <a:buChar char="●"/>
               <a:defRPr sz="1200"/>
             </a:lvl4pPr>
-            <a:lvl5pPr indent="-304800" lvl="4" marL="2286000">
+            <a:lvl5pPr marL="2286000" lvl="4" indent="-304800">
               <a:spcBef>
                 <a:spcPts val="0"/>
               </a:spcBef>
@@ -3835,7 +3935,7 @@
               <a:buChar char="○"/>
               <a:defRPr sz="1200"/>
             </a:lvl5pPr>
-            <a:lvl6pPr indent="-304800" lvl="5" marL="2743200">
+            <a:lvl6pPr marL="2743200" lvl="5" indent="-304800">
               <a:spcBef>
                 <a:spcPts val="0"/>
               </a:spcBef>
@@ -3846,7 +3946,7 @@
               <a:buChar char="■"/>
               <a:defRPr sz="1200"/>
             </a:lvl6pPr>
-            <a:lvl7pPr indent="-304800" lvl="6" marL="3200400">
+            <a:lvl7pPr marL="3200400" lvl="6" indent="-304800">
               <a:spcBef>
                 <a:spcPts val="0"/>
               </a:spcBef>
@@ -3857,7 +3957,7 @@
               <a:buChar char="●"/>
               <a:defRPr sz="1200"/>
             </a:lvl7pPr>
-            <a:lvl8pPr indent="-304800" lvl="7" marL="3657600">
+            <a:lvl8pPr marL="3657600" lvl="7" indent="-304800">
               <a:spcBef>
                 <a:spcPts val="0"/>
               </a:spcBef>
@@ -3868,7 +3968,7 @@
               <a:buChar char="○"/>
               <a:defRPr sz="1200"/>
             </a:lvl8pPr>
-            <a:lvl9pPr indent="-304800" lvl="8" marL="4114800">
+            <a:lvl9pPr marL="4114800" lvl="8" indent="-304800">
               <a:spcBef>
                 <a:spcPts val="0"/>
               </a:spcBef>
@@ -3880,15 +3980,19 @@
               <a:defRPr sz="1200"/>
             </a:lvl9pPr>
           </a:lstStyle>
-          <a:p/>
+          <a:p>
+            <a:endParaRPr/>
+          </a:p>
         </p:txBody>
       </p:sp>
       <p:sp>
         <p:nvSpPr>
           <p:cNvPr id="26" name="Google Shape;26;p5"/>
-          <p:cNvSpPr txBox="1"/>
+          <p:cNvSpPr txBox="1">
+            <a:spLocks noGrp="1"/>
+          </p:cNvSpPr>
           <p:nvPr>
-            <p:ph idx="2" type="body"/>
+            <p:ph type="body" idx="2"/>
           </p:nvPr>
         </p:nvSpPr>
         <p:spPr>
@@ -3901,11 +4005,11 @@
           </a:prstGeom>
         </p:spPr>
         <p:txBody>
-          <a:bodyPr anchorCtr="0" anchor="t" bIns="91425" lIns="91425" spcFirstLastPara="1" rIns="91425" wrap="square" tIns="91425">
+          <a:bodyPr spcFirstLastPara="1" wrap="square" lIns="91425" tIns="91425" rIns="91425" bIns="91425" anchor="t" anchorCtr="0">
             <a:normAutofit/>
           </a:bodyPr>
           <a:lstStyle>
-            <a:lvl1pPr indent="-317500" lvl="0" marL="457200">
+            <a:lvl1pPr marL="457200" lvl="0" indent="-317500">
               <a:spcBef>
                 <a:spcPts val="0"/>
               </a:spcBef>
@@ -3916,7 +4020,7 @@
               <a:buChar char="●"/>
               <a:defRPr sz="1400"/>
             </a:lvl1pPr>
-            <a:lvl2pPr indent="-304800" lvl="1" marL="914400">
+            <a:lvl2pPr marL="914400" lvl="1" indent="-304800">
               <a:spcBef>
                 <a:spcPts val="0"/>
               </a:spcBef>
@@ -3927,7 +4031,7 @@
               <a:buChar char="○"/>
               <a:defRPr sz="1200"/>
             </a:lvl2pPr>
-            <a:lvl3pPr indent="-304800" lvl="2" marL="1371600">
+            <a:lvl3pPr marL="1371600" lvl="2" indent="-304800">
               <a:spcBef>
                 <a:spcPts val="0"/>
               </a:spcBef>
@@ -3938,7 +4042,7 @@
               <a:buChar char="■"/>
               <a:defRPr sz="1200"/>
             </a:lvl3pPr>
-            <a:lvl4pPr indent="-304800" lvl="3" marL="1828800">
+            <a:lvl4pPr marL="1828800" lvl="3" indent="-304800">
               <a:spcBef>
                 <a:spcPts val="0"/>
               </a:spcBef>
@@ -3949,7 +4053,7 @@
               <a:buChar char="●"/>
               <a:defRPr sz="1200"/>
             </a:lvl4pPr>
-            <a:lvl5pPr indent="-304800" lvl="4" marL="2286000">
+            <a:lvl5pPr marL="2286000" lvl="4" indent="-304800">
               <a:spcBef>
                 <a:spcPts val="0"/>
               </a:spcBef>
@@ -3960,7 +4064,7 @@
               <a:buChar char="○"/>
               <a:defRPr sz="1200"/>
             </a:lvl5pPr>
-            <a:lvl6pPr indent="-304800" lvl="5" marL="2743200">
+            <a:lvl6pPr marL="2743200" lvl="5" indent="-304800">
               <a:spcBef>
                 <a:spcPts val="0"/>
               </a:spcBef>
@@ -3971,7 +4075,7 @@
               <a:buChar char="■"/>
               <a:defRPr sz="1200"/>
             </a:lvl6pPr>
-            <a:lvl7pPr indent="-304800" lvl="6" marL="3200400">
+            <a:lvl7pPr marL="3200400" lvl="6" indent="-304800">
               <a:spcBef>
                 <a:spcPts val="0"/>
               </a:spcBef>
@@ -3982,7 +4086,7 @@
               <a:buChar char="●"/>
               <a:defRPr sz="1200"/>
             </a:lvl7pPr>
-            <a:lvl8pPr indent="-304800" lvl="7" marL="3657600">
+            <a:lvl8pPr marL="3657600" lvl="7" indent="-304800">
               <a:spcBef>
                 <a:spcPts val="0"/>
               </a:spcBef>
@@ -3993,7 +4097,7 @@
               <a:buChar char="○"/>
               <a:defRPr sz="1200"/>
             </a:lvl8pPr>
-            <a:lvl9pPr indent="-304800" lvl="8" marL="4114800">
+            <a:lvl9pPr marL="4114800" lvl="8" indent="-304800">
               <a:spcBef>
                 <a:spcPts val="0"/>
               </a:spcBef>
@@ -4005,15 +4109,19 @@
               <a:defRPr sz="1200"/>
             </a:lvl9pPr>
           </a:lstStyle>
-          <a:p/>
+          <a:p>
+            <a:endParaRPr/>
+          </a:p>
         </p:txBody>
       </p:sp>
       <p:sp>
         <p:nvSpPr>
           <p:cNvPr id="27" name="Google Shape;27;p5"/>
-          <p:cNvSpPr txBox="1"/>
+          <p:cNvSpPr txBox="1">
+            <a:spLocks noGrp="1"/>
+          </p:cNvSpPr>
           <p:nvPr>
-            <p:ph idx="12" type="sldNum"/>
+            <p:ph type="sldNum" idx="12"/>
           </p:nvPr>
         </p:nvSpPr>
         <p:spPr>
@@ -4026,7 +4134,7 @@
           </a:prstGeom>
         </p:spPr>
         <p:txBody>
-          <a:bodyPr anchorCtr="0" anchor="ctr" bIns="91425" lIns="91425" spcFirstLastPara="1" rIns="91425" wrap="square" tIns="91425">
+          <a:bodyPr spcFirstLastPara="1" wrap="square" lIns="91425" tIns="91425" rIns="91425" bIns="91425" anchor="ctr" anchorCtr="0">
             <a:normAutofit/>
           </a:bodyPr>
           <a:lstStyle>
@@ -4068,7 +4176,7 @@
             </a:lvl9pPr>
           </a:lstStyle>
           <a:p>
-            <a:pPr indent="0" lvl="0" marL="0" rtl="0" algn="r">
+            <a:pPr marL="0" lvl="0" indent="0" algn="r" rtl="0">
               <a:spcBef>
                 <a:spcPts val="0"/>
               </a:spcBef>
@@ -4094,11 +4202,11 @@
 </file>
 
 <file path=ppt/slideLayouts/slideLayout5.xml><?xml version="1.0" encoding="utf-8"?>
-<p:sldLayout xmlns:a="http://schemas.openxmlformats.org/drawingml/2006/main" xmlns:r="http://schemas.openxmlformats.org/officeDocument/2006/relationships" xmlns:mc="http://schemas.openxmlformats.org/markup-compatibility/2006" xmlns:mv="urn:schemas-microsoft-com:mac:vml" xmlns:p="http://schemas.openxmlformats.org/presentationml/2006/main" xmlns:c="http://schemas.openxmlformats.org/drawingml/2006/chart" xmlns:dgm="http://schemas.openxmlformats.org/drawingml/2006/diagram" xmlns:o="urn:schemas-microsoft-com:office:office" xmlns:v="urn:schemas-microsoft-com:vml" xmlns:pvml="urn:schemas-microsoft-com:office:powerpoint" xmlns:com="http://schemas.openxmlformats.org/drawingml/2006/compatibility" xmlns:p14="http://schemas.microsoft.com/office/powerpoint/2010/main" xmlns:p15="http://schemas.microsoft.com/office/powerpoint/2012/main" xmlns:ahyp="http://schemas.microsoft.com/office/drawing/2018/hyperlinkcolor" matchingName="Title only" type="titleOnly">
+<p:sldLayout xmlns:a="http://schemas.openxmlformats.org/drawingml/2006/main" xmlns:r="http://schemas.openxmlformats.org/officeDocument/2006/relationships" xmlns:p="http://schemas.openxmlformats.org/presentationml/2006/main" matchingName="Title only" type="titleOnly">
   <p:cSld name="TITLE_ONLY">
     <p:spTree>
       <p:nvGrpSpPr>
-        <p:cNvPr id="28" name="Shape 28"/>
+        <p:cNvPr id="1" name="Shape 28"/>
         <p:cNvGrpSpPr/>
         <p:nvPr/>
       </p:nvGrpSpPr>
@@ -4113,7 +4221,9 @@
       <p:sp>
         <p:nvSpPr>
           <p:cNvPr id="29" name="Google Shape;29;p6"/>
-          <p:cNvSpPr txBox="1"/>
+          <p:cNvSpPr txBox="1">
+            <a:spLocks noGrp="1"/>
+          </p:cNvSpPr>
           <p:nvPr>
             <p:ph type="title"/>
           </p:nvPr>
@@ -4128,7 +4238,7 @@
           </a:prstGeom>
         </p:spPr>
         <p:txBody>
-          <a:bodyPr anchorCtr="0" anchor="t" bIns="91425" lIns="91425" spcFirstLastPara="1" rIns="91425" wrap="square" tIns="91425">
+          <a:bodyPr spcFirstLastPara="1" wrap="square" lIns="91425" tIns="91425" rIns="91425" bIns="91425" anchor="t" anchorCtr="0">
             <a:normAutofit/>
           </a:bodyPr>
           <a:lstStyle>
@@ -4232,15 +4342,19 @@
               <a:defRPr/>
             </a:lvl9pPr>
           </a:lstStyle>
-          <a:p/>
+          <a:p>
+            <a:endParaRPr/>
+          </a:p>
         </p:txBody>
       </p:sp>
       <p:sp>
         <p:nvSpPr>
           <p:cNvPr id="30" name="Google Shape;30;p6"/>
-          <p:cNvSpPr txBox="1"/>
+          <p:cNvSpPr txBox="1">
+            <a:spLocks noGrp="1"/>
+          </p:cNvSpPr>
           <p:nvPr>
-            <p:ph idx="12" type="sldNum"/>
+            <p:ph type="sldNum" idx="12"/>
           </p:nvPr>
         </p:nvSpPr>
         <p:spPr>
@@ -4253,7 +4367,7 @@
           </a:prstGeom>
         </p:spPr>
         <p:txBody>
-          <a:bodyPr anchorCtr="0" anchor="ctr" bIns="91425" lIns="91425" spcFirstLastPara="1" rIns="91425" wrap="square" tIns="91425">
+          <a:bodyPr spcFirstLastPara="1" wrap="square" lIns="91425" tIns="91425" rIns="91425" bIns="91425" anchor="ctr" anchorCtr="0">
             <a:normAutofit/>
           </a:bodyPr>
           <a:lstStyle>
@@ -4295,7 +4409,7 @@
             </a:lvl9pPr>
           </a:lstStyle>
           <a:p>
-            <a:pPr indent="0" lvl="0" marL="0" rtl="0" algn="r">
+            <a:pPr marL="0" lvl="0" indent="0" algn="r" rtl="0">
               <a:spcBef>
                 <a:spcPts val="0"/>
               </a:spcBef>
@@ -4321,11 +4435,11 @@
 </file>
 
 <file path=ppt/slideLayouts/slideLayout6.xml><?xml version="1.0" encoding="utf-8"?>
-<p:sldLayout xmlns:a="http://schemas.openxmlformats.org/drawingml/2006/main" xmlns:r="http://schemas.openxmlformats.org/officeDocument/2006/relationships" xmlns:mc="http://schemas.openxmlformats.org/markup-compatibility/2006" xmlns:mv="urn:schemas-microsoft-com:mac:vml" xmlns:p="http://schemas.openxmlformats.org/presentationml/2006/main" xmlns:c="http://schemas.openxmlformats.org/drawingml/2006/chart" xmlns:dgm="http://schemas.openxmlformats.org/drawingml/2006/diagram" xmlns:o="urn:schemas-microsoft-com:office:office" xmlns:v="urn:schemas-microsoft-com:vml" xmlns:pvml="urn:schemas-microsoft-com:office:powerpoint" xmlns:com="http://schemas.openxmlformats.org/drawingml/2006/compatibility" xmlns:p14="http://schemas.microsoft.com/office/powerpoint/2010/main" xmlns:p15="http://schemas.microsoft.com/office/powerpoint/2012/main" xmlns:ahyp="http://schemas.microsoft.com/office/drawing/2018/hyperlinkcolor" matchingName="One column text">
+<p:sldLayout xmlns:a="http://schemas.openxmlformats.org/drawingml/2006/main" xmlns:r="http://schemas.openxmlformats.org/officeDocument/2006/relationships" xmlns:p="http://schemas.openxmlformats.org/presentationml/2006/main" matchingName="One column text">
   <p:cSld name="ONE_COLUMN_TEXT">
     <p:spTree>
       <p:nvGrpSpPr>
-        <p:cNvPr id="31" name="Shape 31"/>
+        <p:cNvPr id="1" name="Shape 31"/>
         <p:cNvGrpSpPr/>
         <p:nvPr/>
       </p:nvGrpSpPr>
@@ -4340,7 +4454,9 @@
       <p:sp>
         <p:nvSpPr>
           <p:cNvPr id="32" name="Google Shape;32;p7"/>
-          <p:cNvSpPr txBox="1"/>
+          <p:cNvSpPr txBox="1">
+            <a:spLocks noGrp="1"/>
+          </p:cNvSpPr>
           <p:nvPr>
             <p:ph type="title"/>
           </p:nvPr>
@@ -4355,7 +4471,7 @@
           </a:prstGeom>
         </p:spPr>
         <p:txBody>
-          <a:bodyPr anchorCtr="0" anchor="b" bIns="91425" lIns="91425" spcFirstLastPara="1" rIns="91425" wrap="square" tIns="91425">
+          <a:bodyPr spcFirstLastPara="1" wrap="square" lIns="91425" tIns="91425" rIns="91425" bIns="91425" anchor="b" anchorCtr="0">
             <a:normAutofit/>
           </a:bodyPr>
           <a:lstStyle>
@@ -4459,15 +4575,19 @@
               <a:defRPr sz="2400"/>
             </a:lvl9pPr>
           </a:lstStyle>
-          <a:p/>
+          <a:p>
+            <a:endParaRPr/>
+          </a:p>
         </p:txBody>
       </p:sp>
       <p:sp>
         <p:nvSpPr>
           <p:cNvPr id="33" name="Google Shape;33;p7"/>
-          <p:cNvSpPr txBox="1"/>
+          <p:cNvSpPr txBox="1">
+            <a:spLocks noGrp="1"/>
+          </p:cNvSpPr>
           <p:nvPr>
-            <p:ph idx="1" type="body"/>
+            <p:ph type="body" idx="1"/>
           </p:nvPr>
         </p:nvSpPr>
         <p:spPr>
@@ -4480,11 +4600,11 @@
           </a:prstGeom>
         </p:spPr>
         <p:txBody>
-          <a:bodyPr anchorCtr="0" anchor="t" bIns="91425" lIns="91425" spcFirstLastPara="1" rIns="91425" wrap="square" tIns="91425">
+          <a:bodyPr spcFirstLastPara="1" wrap="square" lIns="91425" tIns="91425" rIns="91425" bIns="91425" anchor="t" anchorCtr="0">
             <a:normAutofit/>
           </a:bodyPr>
           <a:lstStyle>
-            <a:lvl1pPr indent="-304800" lvl="0" marL="457200">
+            <a:lvl1pPr marL="457200" lvl="0" indent="-304800">
               <a:spcBef>
                 <a:spcPts val="0"/>
               </a:spcBef>
@@ -4495,7 +4615,7 @@
               <a:buChar char="●"/>
               <a:defRPr sz="1200"/>
             </a:lvl1pPr>
-            <a:lvl2pPr indent="-304800" lvl="1" marL="914400">
+            <a:lvl2pPr marL="914400" lvl="1" indent="-304800">
               <a:spcBef>
                 <a:spcPts val="0"/>
               </a:spcBef>
@@ -4506,7 +4626,7 @@
               <a:buChar char="○"/>
               <a:defRPr sz="1200"/>
             </a:lvl2pPr>
-            <a:lvl3pPr indent="-304800" lvl="2" marL="1371600">
+            <a:lvl3pPr marL="1371600" lvl="2" indent="-304800">
               <a:spcBef>
                 <a:spcPts val="0"/>
               </a:spcBef>
@@ -4517,7 +4637,7 @@
               <a:buChar char="■"/>
               <a:defRPr sz="1200"/>
             </a:lvl3pPr>
-            <a:lvl4pPr indent="-304800" lvl="3" marL="1828800">
+            <a:lvl4pPr marL="1828800" lvl="3" indent="-304800">
               <a:spcBef>
                 <a:spcPts val="0"/>
               </a:spcBef>
@@ -4528,7 +4648,7 @@
               <a:buChar char="●"/>
               <a:defRPr sz="1200"/>
             </a:lvl4pPr>
-            <a:lvl5pPr indent="-304800" lvl="4" marL="2286000">
+            <a:lvl5pPr marL="2286000" lvl="4" indent="-304800">
               <a:spcBef>
                 <a:spcPts val="0"/>
               </a:spcBef>
@@ -4539,7 +4659,7 @@
               <a:buChar char="○"/>
               <a:defRPr sz="1200"/>
             </a:lvl5pPr>
-            <a:lvl6pPr indent="-304800" lvl="5" marL="2743200">
+            <a:lvl6pPr marL="2743200" lvl="5" indent="-304800">
               <a:spcBef>
                 <a:spcPts val="0"/>
               </a:spcBef>
@@ -4550,7 +4670,7 @@
               <a:buChar char="■"/>
               <a:defRPr sz="1200"/>
             </a:lvl6pPr>
-            <a:lvl7pPr indent="-304800" lvl="6" marL="3200400">
+            <a:lvl7pPr marL="3200400" lvl="6" indent="-304800">
               <a:spcBef>
                 <a:spcPts val="0"/>
               </a:spcBef>
@@ -4561,7 +4681,7 @@
               <a:buChar char="●"/>
               <a:defRPr sz="1200"/>
             </a:lvl7pPr>
-            <a:lvl8pPr indent="-304800" lvl="7" marL="3657600">
+            <a:lvl8pPr marL="3657600" lvl="7" indent="-304800">
               <a:spcBef>
                 <a:spcPts val="0"/>
               </a:spcBef>
@@ -4572,7 +4692,7 @@
               <a:buChar char="○"/>
               <a:defRPr sz="1200"/>
             </a:lvl8pPr>
-            <a:lvl9pPr indent="-304800" lvl="8" marL="4114800">
+            <a:lvl9pPr marL="4114800" lvl="8" indent="-304800">
               <a:spcBef>
                 <a:spcPts val="0"/>
               </a:spcBef>
@@ -4584,15 +4704,19 @@
               <a:defRPr sz="1200"/>
             </a:lvl9pPr>
           </a:lstStyle>
-          <a:p/>
+          <a:p>
+            <a:endParaRPr/>
+          </a:p>
         </p:txBody>
       </p:sp>
       <p:sp>
         <p:nvSpPr>
           <p:cNvPr id="34" name="Google Shape;34;p7"/>
-          <p:cNvSpPr txBox="1"/>
+          <p:cNvSpPr txBox="1">
+            <a:spLocks noGrp="1"/>
+          </p:cNvSpPr>
           <p:nvPr>
-            <p:ph idx="12" type="sldNum"/>
+            <p:ph type="sldNum" idx="12"/>
           </p:nvPr>
         </p:nvSpPr>
         <p:spPr>
@@ -4605,7 +4729,7 @@
           </a:prstGeom>
         </p:spPr>
         <p:txBody>
-          <a:bodyPr anchorCtr="0" anchor="ctr" bIns="91425" lIns="91425" spcFirstLastPara="1" rIns="91425" wrap="square" tIns="91425">
+          <a:bodyPr spcFirstLastPara="1" wrap="square" lIns="91425" tIns="91425" rIns="91425" bIns="91425" anchor="ctr" anchorCtr="0">
             <a:normAutofit/>
           </a:bodyPr>
           <a:lstStyle>
@@ -4647,7 +4771,7 @@
             </a:lvl9pPr>
           </a:lstStyle>
           <a:p>
-            <a:pPr indent="0" lvl="0" marL="0" rtl="0" algn="r">
+            <a:pPr marL="0" lvl="0" indent="0" algn="r" rtl="0">
               <a:spcBef>
                 <a:spcPts val="0"/>
               </a:spcBef>
@@ -4673,18 +4797,19 @@
 </file>
 
 <file path=ppt/slideLayouts/slideLayout7.xml><?xml version="1.0" encoding="utf-8"?>
-<p:sldLayout xmlns:a="http://schemas.openxmlformats.org/drawingml/2006/main" xmlns:r="http://schemas.openxmlformats.org/officeDocument/2006/relationships" xmlns:mc="http://schemas.openxmlformats.org/markup-compatibility/2006" xmlns:mv="urn:schemas-microsoft-com:mac:vml" xmlns:p="http://schemas.openxmlformats.org/presentationml/2006/main" xmlns:c="http://schemas.openxmlformats.org/drawingml/2006/chart" xmlns:dgm="http://schemas.openxmlformats.org/drawingml/2006/diagram" xmlns:o="urn:schemas-microsoft-com:office:office" xmlns:v="urn:schemas-microsoft-com:vml" xmlns:pvml="urn:schemas-microsoft-com:office:powerpoint" xmlns:com="http://schemas.openxmlformats.org/drawingml/2006/compatibility" xmlns:p14="http://schemas.microsoft.com/office/powerpoint/2010/main" xmlns:p15="http://schemas.microsoft.com/office/powerpoint/2012/main" xmlns:ahyp="http://schemas.microsoft.com/office/drawing/2018/hyperlinkcolor" matchingName="Main point">
+<p:sldLayout xmlns:a="http://schemas.openxmlformats.org/drawingml/2006/main" xmlns:r="http://schemas.openxmlformats.org/officeDocument/2006/relationships" xmlns:p="http://schemas.openxmlformats.org/presentationml/2006/main" matchingName="Main point">
   <p:cSld name="MAIN_POINT">
     <p:bg>
       <p:bgPr>
         <a:solidFill>
           <a:schemeClr val="accent3"/>
         </a:solidFill>
+        <a:effectLst/>
       </p:bgPr>
     </p:bg>
     <p:spTree>
       <p:nvGrpSpPr>
-        <p:cNvPr id="35" name="Shape 35"/>
+        <p:cNvPr id="1" name="Shape 35"/>
         <p:cNvGrpSpPr/>
         <p:nvPr/>
       </p:nvGrpSpPr>
@@ -4699,7 +4824,9 @@
       <p:sp>
         <p:nvSpPr>
           <p:cNvPr id="36" name="Google Shape;36;p8"/>
-          <p:cNvSpPr txBox="1"/>
+          <p:cNvSpPr txBox="1">
+            <a:spLocks noGrp="1"/>
+          </p:cNvSpPr>
           <p:nvPr>
             <p:ph type="title"/>
           </p:nvPr>
@@ -4714,7 +4841,7 @@
           </a:prstGeom>
         </p:spPr>
         <p:txBody>
-          <a:bodyPr anchorCtr="0" anchor="ctr" bIns="91425" lIns="91425" spcFirstLastPara="1" rIns="91425" wrap="square" tIns="91425">
+          <a:bodyPr spcFirstLastPara="1" wrap="square" lIns="91425" tIns="91425" rIns="91425" bIns="91425" anchor="ctr" anchorCtr="0">
             <a:normAutofit/>
           </a:bodyPr>
           <a:lstStyle>
@@ -4926,15 +5053,19 @@
               </a:defRPr>
             </a:lvl9pPr>
           </a:lstStyle>
-          <a:p/>
+          <a:p>
+            <a:endParaRPr/>
+          </a:p>
         </p:txBody>
       </p:sp>
       <p:sp>
         <p:nvSpPr>
           <p:cNvPr id="37" name="Google Shape;37;p8"/>
-          <p:cNvSpPr txBox="1"/>
+          <p:cNvSpPr txBox="1">
+            <a:spLocks noGrp="1"/>
+          </p:cNvSpPr>
           <p:nvPr>
-            <p:ph idx="12" type="sldNum"/>
+            <p:ph type="sldNum" idx="12"/>
           </p:nvPr>
         </p:nvSpPr>
         <p:spPr>
@@ -4947,7 +5078,7 @@
           </a:prstGeom>
         </p:spPr>
         <p:txBody>
-          <a:bodyPr anchorCtr="0" anchor="ctr" bIns="91425" lIns="91425" spcFirstLastPara="1" rIns="91425" wrap="square" tIns="91425">
+          <a:bodyPr spcFirstLastPara="1" wrap="square" lIns="91425" tIns="91425" rIns="91425" bIns="91425" anchor="ctr" anchorCtr="0">
             <a:normAutofit/>
           </a:bodyPr>
           <a:lstStyle>
@@ -5025,7 +5156,7 @@
             </a:lvl9pPr>
           </a:lstStyle>
           <a:p>
-            <a:pPr indent="0" lvl="0" marL="0" rtl="0" algn="r">
+            <a:pPr marL="0" lvl="0" indent="0" algn="r" rtl="0">
               <a:spcBef>
                 <a:spcPts val="0"/>
               </a:spcBef>
@@ -5051,11 +5182,11 @@
 </file>
 
 <file path=ppt/slideLayouts/slideLayout8.xml><?xml version="1.0" encoding="utf-8"?>
-<p:sldLayout xmlns:a="http://schemas.openxmlformats.org/drawingml/2006/main" xmlns:r="http://schemas.openxmlformats.org/officeDocument/2006/relationships" xmlns:mc="http://schemas.openxmlformats.org/markup-compatibility/2006" xmlns:mv="urn:schemas-microsoft-com:mac:vml" xmlns:p="http://schemas.openxmlformats.org/presentationml/2006/main" xmlns:c="http://schemas.openxmlformats.org/drawingml/2006/chart" xmlns:dgm="http://schemas.openxmlformats.org/drawingml/2006/diagram" xmlns:o="urn:schemas-microsoft-com:office:office" xmlns:v="urn:schemas-microsoft-com:vml" xmlns:pvml="urn:schemas-microsoft-com:office:powerpoint" xmlns:com="http://schemas.openxmlformats.org/drawingml/2006/compatibility" xmlns:p14="http://schemas.microsoft.com/office/powerpoint/2010/main" xmlns:p15="http://schemas.microsoft.com/office/powerpoint/2012/main" xmlns:ahyp="http://schemas.microsoft.com/office/drawing/2018/hyperlinkcolor" matchingName="Section title and description">
+<p:sldLayout xmlns:a="http://schemas.openxmlformats.org/drawingml/2006/main" xmlns:r="http://schemas.openxmlformats.org/officeDocument/2006/relationships" xmlns:p="http://schemas.openxmlformats.org/presentationml/2006/main" matchingName="Section title and description">
   <p:cSld name="SECTION_TITLE_AND_DESCRIPTION">
     <p:spTree>
       <p:nvGrpSpPr>
-        <p:cNvPr id="38" name="Shape 38"/>
+        <p:cNvPr id="1" name="Shape 38"/>
         <p:cNvGrpSpPr/>
         <p:nvPr/>
       </p:nvGrpSpPr>
@@ -5089,12 +5220,12 @@
           </a:ln>
         </p:spPr>
         <p:txBody>
-          <a:bodyPr anchorCtr="0" anchor="ctr" bIns="91425" lIns="91425" spcFirstLastPara="1" rIns="91425" wrap="square" tIns="91425">
+          <a:bodyPr spcFirstLastPara="1" wrap="square" lIns="91425" tIns="91425" rIns="91425" bIns="91425" anchor="ctr" anchorCtr="0">
             <a:noAutofit/>
           </a:bodyPr>
           <a:lstStyle/>
           <a:p>
-            <a:pPr indent="0" lvl="0" marL="0" rtl="0" algn="l">
+            <a:pPr marL="0" lvl="0" indent="0" algn="l" rtl="0">
               <a:spcBef>
                 <a:spcPts val="0"/>
               </a:spcBef>
@@ -5103,9 +5234,6 @@
               </a:spcAft>
               <a:buNone/>
             </a:pPr>
-            <a:r>
-              <a:t/>
-            </a:r>
             <a:endParaRPr/>
           </a:p>
         </p:txBody>
@@ -5125,21 +5253,23 @@
             <a:avLst/>
           </a:prstGeom>
           <a:noFill/>
-          <a:ln cap="flat" cmpd="sng" w="19050">
+          <a:ln w="19050" cap="flat" cmpd="sng">
             <a:solidFill>
               <a:schemeClr val="dk2"/>
             </a:solidFill>
             <a:prstDash val="solid"/>
             <a:round/>
-            <a:headEnd len="sm" w="sm" type="none"/>
-            <a:tailEnd len="sm" w="sm" type="none"/>
+            <a:headEnd type="none" w="sm" len="sm"/>
+            <a:tailEnd type="none" w="sm" len="sm"/>
           </a:ln>
         </p:spPr>
       </p:cxnSp>
       <p:sp>
         <p:nvSpPr>
           <p:cNvPr id="41" name="Google Shape;41;p9"/>
-          <p:cNvSpPr txBox="1"/>
+          <p:cNvSpPr txBox="1">
+            <a:spLocks noGrp="1"/>
+          </p:cNvSpPr>
           <p:nvPr>
             <p:ph type="title"/>
           </p:nvPr>
@@ -5154,7 +5284,7 @@
           </a:prstGeom>
         </p:spPr>
         <p:txBody>
-          <a:bodyPr anchorCtr="0" anchor="b" bIns="91425" lIns="91425" spcFirstLastPara="1" rIns="91425" wrap="square" tIns="91425">
+          <a:bodyPr spcFirstLastPara="1" wrap="square" lIns="91425" tIns="91425" rIns="91425" bIns="91425" anchor="b" anchorCtr="0">
             <a:normAutofit/>
           </a:bodyPr>
           <a:lstStyle>
@@ -5258,15 +5388,19 @@
               <a:defRPr sz="4200"/>
             </a:lvl9pPr>
           </a:lstStyle>
-          <a:p/>
+          <a:p>
+            <a:endParaRPr/>
+          </a:p>
         </p:txBody>
       </p:sp>
       <p:sp>
         <p:nvSpPr>
           <p:cNvPr id="42" name="Google Shape;42;p9"/>
-          <p:cNvSpPr txBox="1"/>
+          <p:cNvSpPr txBox="1">
+            <a:spLocks noGrp="1"/>
+          </p:cNvSpPr>
           <p:nvPr>
-            <p:ph idx="1" type="subTitle"/>
+            <p:ph type="subTitle" idx="1"/>
           </p:nvPr>
         </p:nvSpPr>
         <p:spPr>
@@ -5279,7 +5413,7 @@
           </a:prstGeom>
         </p:spPr>
         <p:txBody>
-          <a:bodyPr anchorCtr="0" anchor="t" bIns="91425" lIns="91425" spcFirstLastPara="1" rIns="91425" wrap="square" tIns="91425">
+          <a:bodyPr spcFirstLastPara="1" wrap="square" lIns="91425" tIns="91425" rIns="91425" bIns="91425" anchor="t" anchorCtr="0">
             <a:normAutofit/>
           </a:bodyPr>
           <a:lstStyle>
@@ -5410,15 +5544,19 @@
               <a:defRPr sz="2100"/>
             </a:lvl9pPr>
           </a:lstStyle>
-          <a:p/>
+          <a:p>
+            <a:endParaRPr/>
+          </a:p>
         </p:txBody>
       </p:sp>
       <p:sp>
         <p:nvSpPr>
           <p:cNvPr id="43" name="Google Shape;43;p9"/>
-          <p:cNvSpPr txBox="1"/>
+          <p:cNvSpPr txBox="1">
+            <a:spLocks noGrp="1"/>
+          </p:cNvSpPr>
           <p:nvPr>
-            <p:ph idx="2" type="body"/>
+            <p:ph type="body" idx="2"/>
           </p:nvPr>
         </p:nvSpPr>
         <p:spPr>
@@ -5431,11 +5569,11 @@
           </a:prstGeom>
         </p:spPr>
         <p:txBody>
-          <a:bodyPr anchorCtr="0" anchor="ctr" bIns="91425" lIns="91425" spcFirstLastPara="1" rIns="91425" wrap="square" tIns="91425">
+          <a:bodyPr spcFirstLastPara="1" wrap="square" lIns="91425" tIns="91425" rIns="91425" bIns="91425" anchor="ctr" anchorCtr="0">
             <a:normAutofit/>
           </a:bodyPr>
           <a:lstStyle>
-            <a:lvl1pPr indent="-342900" lvl="0" marL="457200">
+            <a:lvl1pPr marL="457200" lvl="0" indent="-342900">
               <a:spcBef>
                 <a:spcPts val="0"/>
               </a:spcBef>
@@ -5450,7 +5588,7 @@
                 </a:highlight>
               </a:defRPr>
             </a:lvl1pPr>
-            <a:lvl2pPr indent="-317500" lvl="1" marL="914400">
+            <a:lvl2pPr marL="914400" lvl="1" indent="-317500">
               <a:spcBef>
                 <a:spcPts val="0"/>
               </a:spcBef>
@@ -5465,7 +5603,7 @@
                 </a:highlight>
               </a:defRPr>
             </a:lvl2pPr>
-            <a:lvl3pPr indent="-317500" lvl="2" marL="1371600">
+            <a:lvl3pPr marL="1371600" lvl="2" indent="-317500">
               <a:spcBef>
                 <a:spcPts val="0"/>
               </a:spcBef>
@@ -5480,7 +5618,7 @@
                 </a:highlight>
               </a:defRPr>
             </a:lvl3pPr>
-            <a:lvl4pPr indent="-317500" lvl="3" marL="1828800">
+            <a:lvl4pPr marL="1828800" lvl="3" indent="-317500">
               <a:spcBef>
                 <a:spcPts val="0"/>
               </a:spcBef>
@@ -5495,7 +5633,7 @@
                 </a:highlight>
               </a:defRPr>
             </a:lvl4pPr>
-            <a:lvl5pPr indent="-317500" lvl="4" marL="2286000">
+            <a:lvl5pPr marL="2286000" lvl="4" indent="-317500">
               <a:spcBef>
                 <a:spcPts val="0"/>
               </a:spcBef>
@@ -5510,7 +5648,7 @@
                 </a:highlight>
               </a:defRPr>
             </a:lvl5pPr>
-            <a:lvl6pPr indent="-317500" lvl="5" marL="2743200">
+            <a:lvl6pPr marL="2743200" lvl="5" indent="-317500">
               <a:spcBef>
                 <a:spcPts val="0"/>
               </a:spcBef>
@@ -5525,7 +5663,7 @@
                 </a:highlight>
               </a:defRPr>
             </a:lvl6pPr>
-            <a:lvl7pPr indent="-317500" lvl="6" marL="3200400">
+            <a:lvl7pPr marL="3200400" lvl="6" indent="-317500">
               <a:spcBef>
                 <a:spcPts val="0"/>
               </a:spcBef>
@@ -5540,7 +5678,7 @@
                 </a:highlight>
               </a:defRPr>
             </a:lvl7pPr>
-            <a:lvl8pPr indent="-317500" lvl="7" marL="3657600">
+            <a:lvl8pPr marL="3657600" lvl="7" indent="-317500">
               <a:spcBef>
                 <a:spcPts val="0"/>
               </a:spcBef>
@@ -5555,7 +5693,7 @@
                 </a:highlight>
               </a:defRPr>
             </a:lvl8pPr>
-            <a:lvl9pPr indent="-317500" lvl="8" marL="4114800">
+            <a:lvl9pPr marL="4114800" lvl="8" indent="-317500">
               <a:spcBef>
                 <a:spcPts val="0"/>
               </a:spcBef>
@@ -5571,15 +5709,19 @@
               </a:defRPr>
             </a:lvl9pPr>
           </a:lstStyle>
-          <a:p/>
+          <a:p>
+            <a:endParaRPr/>
+          </a:p>
         </p:txBody>
       </p:sp>
       <p:sp>
         <p:nvSpPr>
           <p:cNvPr id="44" name="Google Shape;44;p9"/>
-          <p:cNvSpPr txBox="1"/>
+          <p:cNvSpPr txBox="1">
+            <a:spLocks noGrp="1"/>
+          </p:cNvSpPr>
           <p:nvPr>
-            <p:ph idx="12" type="sldNum"/>
+            <p:ph type="sldNum" idx="12"/>
           </p:nvPr>
         </p:nvSpPr>
         <p:spPr>
@@ -5592,7 +5734,7 @@
           </a:prstGeom>
         </p:spPr>
         <p:txBody>
-          <a:bodyPr anchorCtr="0" anchor="ctr" bIns="91425" lIns="91425" spcFirstLastPara="1" rIns="91425" wrap="square" tIns="91425">
+          <a:bodyPr spcFirstLastPara="1" wrap="square" lIns="91425" tIns="91425" rIns="91425" bIns="91425" anchor="ctr" anchorCtr="0">
             <a:normAutofit/>
           </a:bodyPr>
           <a:lstStyle>
@@ -5634,7 +5776,7 @@
             </a:lvl9pPr>
           </a:lstStyle>
           <a:p>
-            <a:pPr indent="0" lvl="0" marL="0" rtl="0" algn="r">
+            <a:pPr marL="0" lvl="0" indent="0" algn="r" rtl="0">
               <a:spcBef>
                 <a:spcPts val="0"/>
               </a:spcBef>
@@ -5660,11 +5802,11 @@
 </file>
 
 <file path=ppt/slideLayouts/slideLayout9.xml><?xml version="1.0" encoding="utf-8"?>
-<p:sldLayout xmlns:a="http://schemas.openxmlformats.org/drawingml/2006/main" xmlns:r="http://schemas.openxmlformats.org/officeDocument/2006/relationships" xmlns:mc="http://schemas.openxmlformats.org/markup-compatibility/2006" xmlns:mv="urn:schemas-microsoft-com:mac:vml" xmlns:p="http://schemas.openxmlformats.org/presentationml/2006/main" xmlns:c="http://schemas.openxmlformats.org/drawingml/2006/chart" xmlns:dgm="http://schemas.openxmlformats.org/drawingml/2006/diagram" xmlns:o="urn:schemas-microsoft-com:office:office" xmlns:v="urn:schemas-microsoft-com:vml" xmlns:pvml="urn:schemas-microsoft-com:office:powerpoint" xmlns:com="http://schemas.openxmlformats.org/drawingml/2006/compatibility" xmlns:p14="http://schemas.microsoft.com/office/powerpoint/2010/main" xmlns:p15="http://schemas.microsoft.com/office/powerpoint/2012/main" xmlns:ahyp="http://schemas.microsoft.com/office/drawing/2018/hyperlinkcolor" matchingName="Caption">
+<p:sldLayout xmlns:a="http://schemas.openxmlformats.org/drawingml/2006/main" xmlns:r="http://schemas.openxmlformats.org/officeDocument/2006/relationships" xmlns:p="http://schemas.openxmlformats.org/presentationml/2006/main" matchingName="Caption">
   <p:cSld name="CAPTION_ONLY">
     <p:spTree>
       <p:nvGrpSpPr>
-        <p:cNvPr id="45" name="Shape 45"/>
+        <p:cNvPr id="1" name="Shape 45"/>
         <p:cNvGrpSpPr/>
         <p:nvPr/>
       </p:nvGrpSpPr>
@@ -5679,9 +5821,11 @@
       <p:sp>
         <p:nvSpPr>
           <p:cNvPr id="46" name="Google Shape;46;p10"/>
-          <p:cNvSpPr txBox="1"/>
+          <p:cNvSpPr txBox="1">
+            <a:spLocks noGrp="1"/>
+          </p:cNvSpPr>
           <p:nvPr>
-            <p:ph idx="1" type="body"/>
+            <p:ph type="body" idx="1"/>
           </p:nvPr>
         </p:nvSpPr>
         <p:spPr>
@@ -5694,11 +5838,11 @@
           </a:prstGeom>
         </p:spPr>
         <p:txBody>
-          <a:bodyPr anchorCtr="0" anchor="ctr" bIns="91425" lIns="91425" spcFirstLastPara="1" rIns="91425" wrap="square" tIns="91425">
+          <a:bodyPr spcFirstLastPara="1" wrap="square" lIns="91425" tIns="91425" rIns="91425" bIns="91425" anchor="ctr" anchorCtr="0">
             <a:normAutofit/>
           </a:bodyPr>
           <a:lstStyle>
-            <a:lvl1pPr indent="-228600" lvl="0" marL="457200">
+            <a:lvl1pPr marL="457200" lvl="0" indent="-228600">
               <a:lnSpc>
                 <a:spcPct val="100000"/>
               </a:lnSpc>
@@ -5717,15 +5861,19 @@
               </a:defRPr>
             </a:lvl1pPr>
           </a:lstStyle>
-          <a:p/>
+          <a:p>
+            <a:endParaRPr/>
+          </a:p>
         </p:txBody>
       </p:sp>
       <p:sp>
         <p:nvSpPr>
           <p:cNvPr id="47" name="Google Shape;47;p10"/>
-          <p:cNvSpPr txBox="1"/>
+          <p:cNvSpPr txBox="1">
+            <a:spLocks noGrp="1"/>
+          </p:cNvSpPr>
           <p:nvPr>
-            <p:ph idx="12" type="sldNum"/>
+            <p:ph type="sldNum" idx="12"/>
           </p:nvPr>
         </p:nvSpPr>
         <p:spPr>
@@ -5738,7 +5886,7 @@
           </a:prstGeom>
         </p:spPr>
         <p:txBody>
-          <a:bodyPr anchorCtr="0" anchor="ctr" bIns="91425" lIns="91425" spcFirstLastPara="1" rIns="91425" wrap="square" tIns="91425">
+          <a:bodyPr spcFirstLastPara="1" wrap="square" lIns="91425" tIns="91425" rIns="91425" bIns="91425" anchor="ctr" anchorCtr="0">
             <a:normAutofit/>
           </a:bodyPr>
           <a:lstStyle>
@@ -5780,7 +5928,7 @@
             </a:lvl9pPr>
           </a:lstStyle>
           <a:p>
-            <a:pPr indent="0" lvl="0" marL="0" rtl="0" algn="r">
+            <a:pPr marL="0" lvl="0" indent="0" algn="r" rtl="0">
               <a:spcBef>
                 <a:spcPts val="0"/>
               </a:spcBef>
@@ -5806,18 +5954,19 @@
 </file>
 
 <file path=ppt/slideMasters/slideMaster1.xml><?xml version="1.0" encoding="utf-8"?>
-<p:sldMaster xmlns:a="http://schemas.openxmlformats.org/drawingml/2006/main" xmlns:r="http://schemas.openxmlformats.org/officeDocument/2006/relationships" xmlns:mc="http://schemas.openxmlformats.org/markup-compatibility/2006" xmlns:mv="urn:schemas-microsoft-com:mac:vml" xmlns:p="http://schemas.openxmlformats.org/presentationml/2006/main" xmlns:c="http://schemas.openxmlformats.org/drawingml/2006/chart" xmlns:dgm="http://schemas.openxmlformats.org/drawingml/2006/diagram" xmlns:o="urn:schemas-microsoft-com:office:office" xmlns:v="urn:schemas-microsoft-com:vml" xmlns:pvml="urn:schemas-microsoft-com:office:powerpoint" xmlns:com="http://schemas.openxmlformats.org/drawingml/2006/compatibility" xmlns:p14="http://schemas.microsoft.com/office/powerpoint/2010/main" xmlns:p15="http://schemas.microsoft.com/office/powerpoint/2012/main" xmlns:ahyp="http://schemas.microsoft.com/office/drawing/2018/hyperlinkcolor">
+<p:sldMaster xmlns:a="http://schemas.openxmlformats.org/drawingml/2006/main" xmlns:r="http://schemas.openxmlformats.org/officeDocument/2006/relationships" xmlns:p="http://schemas.openxmlformats.org/presentationml/2006/main">
   <p:cSld name="pop">
     <p:bg>
       <p:bgPr>
         <a:solidFill>
           <a:schemeClr val="lt1"/>
         </a:solidFill>
+        <a:effectLst/>
       </p:bgPr>
     </p:bg>
     <p:spTree>
       <p:nvGrpSpPr>
-        <p:cNvPr id="5" name="Shape 5"/>
+        <p:cNvPr id="1" name="Shape 5"/>
         <p:cNvGrpSpPr/>
         <p:nvPr/>
       </p:nvGrpSpPr>
@@ -5832,7 +5981,9 @@
       <p:sp>
         <p:nvSpPr>
           <p:cNvPr id="6" name="Google Shape;6;p1"/>
-          <p:cNvSpPr txBox="1"/>
+          <p:cNvSpPr txBox="1">
+            <a:spLocks noGrp="1"/>
+          </p:cNvSpPr>
           <p:nvPr>
             <p:ph type="title"/>
           </p:nvPr>
@@ -5851,7 +6002,7 @@
           </a:ln>
         </p:spPr>
         <p:txBody>
-          <a:bodyPr anchorCtr="0" anchor="t" bIns="91425" lIns="91425" spcFirstLastPara="1" rIns="91425" wrap="square" tIns="91425">
+          <a:bodyPr spcFirstLastPara="1" wrap="square" lIns="91425" tIns="91425" rIns="91425" bIns="91425" anchor="t" anchorCtr="0">
             <a:normAutofit/>
           </a:bodyPr>
           <a:lstStyle>
@@ -6090,15 +6241,19 @@
               </a:defRPr>
             </a:lvl9pPr>
           </a:lstStyle>
-          <a:p/>
+          <a:p>
+            <a:endParaRPr/>
+          </a:p>
         </p:txBody>
       </p:sp>
       <p:sp>
         <p:nvSpPr>
           <p:cNvPr id="7" name="Google Shape;7;p1"/>
-          <p:cNvSpPr txBox="1"/>
+          <p:cNvSpPr txBox="1">
+            <a:spLocks noGrp="1"/>
+          </p:cNvSpPr>
           <p:nvPr>
-            <p:ph idx="1" type="body"/>
+            <p:ph type="body" idx="1"/>
           </p:nvPr>
         </p:nvSpPr>
         <p:spPr>
@@ -6115,11 +6270,11 @@
           </a:ln>
         </p:spPr>
         <p:txBody>
-          <a:bodyPr anchorCtr="0" anchor="t" bIns="91425" lIns="91425" spcFirstLastPara="1" rIns="91425" wrap="square" tIns="91425">
+          <a:bodyPr spcFirstLastPara="1" wrap="square" lIns="91425" tIns="91425" rIns="91425" bIns="91425" anchor="t" anchorCtr="0">
             <a:normAutofit/>
           </a:bodyPr>
           <a:lstStyle>
-            <a:lvl1pPr indent="-342900" lvl="0" marL="457200">
+            <a:lvl1pPr marL="457200" lvl="0" indent="-342900">
               <a:lnSpc>
                 <a:spcPct val="115000"/>
               </a:lnSpc>
@@ -6145,7 +6300,7 @@
                 <a:sym typeface="Playfair Display"/>
               </a:defRPr>
             </a:lvl1pPr>
-            <a:lvl2pPr indent="-317500" lvl="1" marL="914400">
+            <a:lvl2pPr marL="914400" lvl="1" indent="-317500">
               <a:lnSpc>
                 <a:spcPct val="115000"/>
               </a:lnSpc>
@@ -6171,7 +6326,7 @@
                 <a:sym typeface="Playfair Display"/>
               </a:defRPr>
             </a:lvl2pPr>
-            <a:lvl3pPr indent="-317500" lvl="2" marL="1371600">
+            <a:lvl3pPr marL="1371600" lvl="2" indent="-317500">
               <a:lnSpc>
                 <a:spcPct val="115000"/>
               </a:lnSpc>
@@ -6197,7 +6352,7 @@
                 <a:sym typeface="Playfair Display"/>
               </a:defRPr>
             </a:lvl3pPr>
-            <a:lvl4pPr indent="-317500" lvl="3" marL="1828800">
+            <a:lvl4pPr marL="1828800" lvl="3" indent="-317500">
               <a:lnSpc>
                 <a:spcPct val="115000"/>
               </a:lnSpc>
@@ -6223,7 +6378,7 @@
                 <a:sym typeface="Playfair Display"/>
               </a:defRPr>
             </a:lvl4pPr>
-            <a:lvl5pPr indent="-317500" lvl="4" marL="2286000">
+            <a:lvl5pPr marL="2286000" lvl="4" indent="-317500">
               <a:lnSpc>
                 <a:spcPct val="115000"/>
               </a:lnSpc>
@@ -6249,7 +6404,7 @@
                 <a:sym typeface="Playfair Display"/>
               </a:defRPr>
             </a:lvl5pPr>
-            <a:lvl6pPr indent="-317500" lvl="5" marL="2743200">
+            <a:lvl6pPr marL="2743200" lvl="5" indent="-317500">
               <a:lnSpc>
                 <a:spcPct val="115000"/>
               </a:lnSpc>
@@ -6275,7 +6430,7 @@
                 <a:sym typeface="Playfair Display"/>
               </a:defRPr>
             </a:lvl6pPr>
-            <a:lvl7pPr indent="-317500" lvl="6" marL="3200400">
+            <a:lvl7pPr marL="3200400" lvl="6" indent="-317500">
               <a:lnSpc>
                 <a:spcPct val="115000"/>
               </a:lnSpc>
@@ -6301,7 +6456,7 @@
                 <a:sym typeface="Playfair Display"/>
               </a:defRPr>
             </a:lvl7pPr>
-            <a:lvl8pPr indent="-317500" lvl="7" marL="3657600">
+            <a:lvl8pPr marL="3657600" lvl="7" indent="-317500">
               <a:lnSpc>
                 <a:spcPct val="115000"/>
               </a:lnSpc>
@@ -6327,7 +6482,7 @@
                 <a:sym typeface="Playfair Display"/>
               </a:defRPr>
             </a:lvl8pPr>
-            <a:lvl9pPr indent="-317500" lvl="8" marL="4114800">
+            <a:lvl9pPr marL="4114800" lvl="8" indent="-317500">
               <a:lnSpc>
                 <a:spcPct val="115000"/>
               </a:lnSpc>
@@ -6354,15 +6509,19 @@
               </a:defRPr>
             </a:lvl9pPr>
           </a:lstStyle>
-          <a:p/>
+          <a:p>
+            <a:endParaRPr/>
+          </a:p>
         </p:txBody>
       </p:sp>
       <p:sp>
         <p:nvSpPr>
           <p:cNvPr id="8" name="Google Shape;8;p1"/>
-          <p:cNvSpPr txBox="1"/>
+          <p:cNvSpPr txBox="1">
+            <a:spLocks noGrp="1"/>
+          </p:cNvSpPr>
           <p:nvPr>
-            <p:ph idx="12" type="sldNum"/>
+            <p:ph type="sldNum" idx="12"/>
           </p:nvPr>
         </p:nvSpPr>
         <p:spPr>
@@ -6379,7 +6538,7 @@
           </a:ln>
         </p:spPr>
         <p:txBody>
-          <a:bodyPr anchorCtr="0" anchor="ctr" bIns="91425" lIns="91425" spcFirstLastPara="1" rIns="91425" wrap="square" tIns="91425">
+          <a:bodyPr spcFirstLastPara="1" wrap="square" lIns="91425" tIns="91425" rIns="91425" bIns="91425" anchor="ctr" anchorCtr="0">
             <a:normAutofit/>
           </a:bodyPr>
           <a:lstStyle>
@@ -6493,7 +6652,7 @@
             </a:lvl9pPr>
           </a:lstStyle>
           <a:p>
-            <a:pPr indent="0" lvl="0" marL="0" rtl="0" algn="r">
+            <a:pPr marL="0" lvl="0" indent="0" algn="r" rtl="0">
               <a:spcBef>
                 <a:spcPts val="0"/>
               </a:spcBef>
@@ -6512,7 +6671,7 @@
       </p:sp>
     </p:spTree>
   </p:cSld>
-  <p:clrMap accent1="accent1" accent2="accent2" accent3="accent3" accent4="accent4" accent5="accent5" accent6="accent6" bg1="lt1" bg2="dk2" tx1="dk1" tx2="lt2" folHlink="folHlink" hlink="hlink"/>
+  <p:clrMap bg1="lt1" tx1="dk1" bg2="dk2" tx2="lt2" accent1="accent1" accent2="accent2" accent3="accent3" accent4="accent4" accent5="accent5" accent6="accent6" hlink="hlink" folHlink="folHlink"/>
   <p:sldLayoutIdLst>
     <p:sldLayoutId id="2147483648" r:id="rId1"/>
     <p:sldLayoutId id="2147483649" r:id="rId2"/>
@@ -6526,10 +6685,10 @@
     <p:sldLayoutId id="2147483657" r:id="rId10"/>
     <p:sldLayoutId id="2147483658" r:id="rId11"/>
   </p:sldLayoutIdLst>
-  <p:hf dt="0" ftr="0" hdr="0" sldNum="0"/>
+  <p:hf sldNum="0" hdr="0" ftr="0" dt="0"/>
   <p:txStyles>
     <p:titleStyle>
-      <a:defPPr lvl="0" marR="0" rtl="0" algn="l">
+      <a:defPPr marR="0" lvl="0" algn="l" rtl="0">
         <a:lnSpc>
           <a:spcPct val="100000"/>
         </a:lnSpc>
@@ -6540,7 +6699,7 @@
           <a:spcPts val="0"/>
         </a:spcAft>
       </a:defPPr>
-      <a:lvl1pPr lvl="0" marR="0" rtl="0" algn="l">
+      <a:lvl1pPr marR="0" lvl="0" algn="l" rtl="0">
         <a:lnSpc>
           <a:spcPct val="100000"/>
         </a:lnSpc>
@@ -6554,7 +6713,7 @@
           <a:srgbClr val="000000"/>
         </a:buClr>
         <a:buFont typeface="Arial"/>
-        <a:defRPr b="0" i="0" sz="1400" u="none" cap="none" strike="noStrike">
+        <a:defRPr sz="1400" b="0" i="0" u="none" strike="noStrike" cap="none">
           <a:solidFill>
             <a:srgbClr val="000000"/>
           </a:solidFill>
@@ -6564,7 +6723,7 @@
           <a:sym typeface="Arial"/>
         </a:defRPr>
       </a:lvl1pPr>
-      <a:lvl2pPr lvl="1" marR="0" rtl="0" algn="l">
+      <a:lvl2pPr marR="0" lvl="1" algn="l" rtl="0">
         <a:lnSpc>
           <a:spcPct val="100000"/>
         </a:lnSpc>
@@ -6578,7 +6737,7 @@
           <a:srgbClr val="000000"/>
         </a:buClr>
         <a:buFont typeface="Arial"/>
-        <a:defRPr b="0" i="0" sz="1400" u="none" cap="none" strike="noStrike">
+        <a:defRPr sz="1400" b="0" i="0" u="none" strike="noStrike" cap="none">
           <a:solidFill>
             <a:srgbClr val="000000"/>
           </a:solidFill>
@@ -6588,7 +6747,7 @@
           <a:sym typeface="Arial"/>
         </a:defRPr>
       </a:lvl2pPr>
-      <a:lvl3pPr lvl="2" marR="0" rtl="0" algn="l">
+      <a:lvl3pPr marR="0" lvl="2" algn="l" rtl="0">
         <a:lnSpc>
           <a:spcPct val="100000"/>
         </a:lnSpc>
@@ -6602,7 +6761,7 @@
           <a:srgbClr val="000000"/>
         </a:buClr>
         <a:buFont typeface="Arial"/>
-        <a:defRPr b="0" i="0" sz="1400" u="none" cap="none" strike="noStrike">
+        <a:defRPr sz="1400" b="0" i="0" u="none" strike="noStrike" cap="none">
           <a:solidFill>
             <a:srgbClr val="000000"/>
           </a:solidFill>
@@ -6612,7 +6771,7 @@
           <a:sym typeface="Arial"/>
         </a:defRPr>
       </a:lvl3pPr>
-      <a:lvl4pPr lvl="3" marR="0" rtl="0" algn="l">
+      <a:lvl4pPr marR="0" lvl="3" algn="l" rtl="0">
         <a:lnSpc>
           <a:spcPct val="100000"/>
         </a:lnSpc>
@@ -6626,7 +6785,7 @@
           <a:srgbClr val="000000"/>
         </a:buClr>
         <a:buFont typeface="Arial"/>
-        <a:defRPr b="0" i="0" sz="1400" u="none" cap="none" strike="noStrike">
+        <a:defRPr sz="1400" b="0" i="0" u="none" strike="noStrike" cap="none">
           <a:solidFill>
             <a:srgbClr val="000000"/>
           </a:solidFill>
@@ -6636,7 +6795,7 @@
           <a:sym typeface="Arial"/>
         </a:defRPr>
       </a:lvl4pPr>
-      <a:lvl5pPr lvl="4" marR="0" rtl="0" algn="l">
+      <a:lvl5pPr marR="0" lvl="4" algn="l" rtl="0">
         <a:lnSpc>
           <a:spcPct val="100000"/>
         </a:lnSpc>
@@ -6650,7 +6809,7 @@
           <a:srgbClr val="000000"/>
         </a:buClr>
         <a:buFont typeface="Arial"/>
-        <a:defRPr b="0" i="0" sz="1400" u="none" cap="none" strike="noStrike">
+        <a:defRPr sz="1400" b="0" i="0" u="none" strike="noStrike" cap="none">
           <a:solidFill>
             <a:srgbClr val="000000"/>
           </a:solidFill>
@@ -6660,7 +6819,7 @@
           <a:sym typeface="Arial"/>
         </a:defRPr>
       </a:lvl5pPr>
-      <a:lvl6pPr lvl="5" marR="0" rtl="0" algn="l">
+      <a:lvl6pPr marR="0" lvl="5" algn="l" rtl="0">
         <a:lnSpc>
           <a:spcPct val="100000"/>
         </a:lnSpc>
@@ -6674,7 +6833,7 @@
           <a:srgbClr val="000000"/>
         </a:buClr>
         <a:buFont typeface="Arial"/>
-        <a:defRPr b="0" i="0" sz="1400" u="none" cap="none" strike="noStrike">
+        <a:defRPr sz="1400" b="0" i="0" u="none" strike="noStrike" cap="none">
           <a:solidFill>
             <a:srgbClr val="000000"/>
           </a:solidFill>
@@ -6684,7 +6843,7 @@
           <a:sym typeface="Arial"/>
         </a:defRPr>
       </a:lvl6pPr>
-      <a:lvl7pPr lvl="6" marR="0" rtl="0" algn="l">
+      <a:lvl7pPr marR="0" lvl="6" algn="l" rtl="0">
         <a:lnSpc>
           <a:spcPct val="100000"/>
         </a:lnSpc>
@@ -6698,7 +6857,7 @@
           <a:srgbClr val="000000"/>
         </a:buClr>
         <a:buFont typeface="Arial"/>
-        <a:defRPr b="0" i="0" sz="1400" u="none" cap="none" strike="noStrike">
+        <a:defRPr sz="1400" b="0" i="0" u="none" strike="noStrike" cap="none">
           <a:solidFill>
             <a:srgbClr val="000000"/>
           </a:solidFill>
@@ -6708,7 +6867,7 @@
           <a:sym typeface="Arial"/>
         </a:defRPr>
       </a:lvl7pPr>
-      <a:lvl8pPr lvl="7" marR="0" rtl="0" algn="l">
+      <a:lvl8pPr marR="0" lvl="7" algn="l" rtl="0">
         <a:lnSpc>
           <a:spcPct val="100000"/>
         </a:lnSpc>
@@ -6722,7 +6881,7 @@
           <a:srgbClr val="000000"/>
         </a:buClr>
         <a:buFont typeface="Arial"/>
-        <a:defRPr b="0" i="0" sz="1400" u="none" cap="none" strike="noStrike">
+        <a:defRPr sz="1400" b="0" i="0" u="none" strike="noStrike" cap="none">
           <a:solidFill>
             <a:srgbClr val="000000"/>
           </a:solidFill>
@@ -6732,7 +6891,7 @@
           <a:sym typeface="Arial"/>
         </a:defRPr>
       </a:lvl8pPr>
-      <a:lvl9pPr lvl="8" marR="0" rtl="0" algn="l">
+      <a:lvl9pPr marR="0" lvl="8" algn="l" rtl="0">
         <a:lnSpc>
           <a:spcPct val="100000"/>
         </a:lnSpc>
@@ -6746,7 +6905,7 @@
           <a:srgbClr val="000000"/>
         </a:buClr>
         <a:buFont typeface="Arial"/>
-        <a:defRPr b="0" i="0" sz="1400" u="none" cap="none" strike="noStrike">
+        <a:defRPr sz="1400" b="0" i="0" u="none" strike="noStrike" cap="none">
           <a:solidFill>
             <a:srgbClr val="000000"/>
           </a:solidFill>
@@ -6758,7 +6917,7 @@
       </a:lvl9pPr>
     </p:titleStyle>
     <p:bodyStyle>
-      <a:defPPr lvl="0" marR="0" rtl="0" algn="l">
+      <a:defPPr marR="0" lvl="0" algn="l" rtl="0">
         <a:lnSpc>
           <a:spcPct val="100000"/>
         </a:lnSpc>
@@ -6769,7 +6928,7 @@
           <a:spcPts val="0"/>
         </a:spcAft>
       </a:defPPr>
-      <a:lvl1pPr lvl="0" marR="0" rtl="0" algn="l">
+      <a:lvl1pPr marR="0" lvl="0" algn="l" rtl="0">
         <a:lnSpc>
           <a:spcPct val="100000"/>
         </a:lnSpc>
@@ -6783,7 +6942,7 @@
           <a:srgbClr val="000000"/>
         </a:buClr>
         <a:buFont typeface="Arial"/>
-        <a:defRPr b="0" i="0" sz="1400" u="none" cap="none" strike="noStrike">
+        <a:defRPr sz="1400" b="0" i="0" u="none" strike="noStrike" cap="none">
           <a:solidFill>
             <a:srgbClr val="000000"/>
           </a:solidFill>
@@ -6793,7 +6952,7 @@
           <a:sym typeface="Arial"/>
         </a:defRPr>
       </a:lvl1pPr>
-      <a:lvl2pPr lvl="1" marR="0" rtl="0" algn="l">
+      <a:lvl2pPr marR="0" lvl="1" algn="l" rtl="0">
         <a:lnSpc>
           <a:spcPct val="100000"/>
         </a:lnSpc>
@@ -6807,7 +6966,7 @@
           <a:srgbClr val="000000"/>
         </a:buClr>
         <a:buFont typeface="Arial"/>
-        <a:defRPr b="0" i="0" sz="1400" u="none" cap="none" strike="noStrike">
+        <a:defRPr sz="1400" b="0" i="0" u="none" strike="noStrike" cap="none">
           <a:solidFill>
             <a:srgbClr val="000000"/>
           </a:solidFill>
@@ -6817,7 +6976,7 @@
           <a:sym typeface="Arial"/>
         </a:defRPr>
       </a:lvl2pPr>
-      <a:lvl3pPr lvl="2" marR="0" rtl="0" algn="l">
+      <a:lvl3pPr marR="0" lvl="2" algn="l" rtl="0">
         <a:lnSpc>
           <a:spcPct val="100000"/>
         </a:lnSpc>
@@ -6831,7 +6990,7 @@
           <a:srgbClr val="000000"/>
         </a:buClr>
         <a:buFont typeface="Arial"/>
-        <a:defRPr b="0" i="0" sz="1400" u="none" cap="none" strike="noStrike">
+        <a:defRPr sz="1400" b="0" i="0" u="none" strike="noStrike" cap="none">
           <a:solidFill>
             <a:srgbClr val="000000"/>
           </a:solidFill>
@@ -6841,7 +7000,7 @@
           <a:sym typeface="Arial"/>
         </a:defRPr>
       </a:lvl3pPr>
-      <a:lvl4pPr lvl="3" marR="0" rtl="0" algn="l">
+      <a:lvl4pPr marR="0" lvl="3" algn="l" rtl="0">
         <a:lnSpc>
           <a:spcPct val="100000"/>
         </a:lnSpc>
@@ -6855,7 +7014,7 @@
           <a:srgbClr val="000000"/>
         </a:buClr>
         <a:buFont typeface="Arial"/>
-        <a:defRPr b="0" i="0" sz="1400" u="none" cap="none" strike="noStrike">
+        <a:defRPr sz="1400" b="0" i="0" u="none" strike="noStrike" cap="none">
           <a:solidFill>
             <a:srgbClr val="000000"/>
           </a:solidFill>
@@ -6865,7 +7024,7 @@
           <a:sym typeface="Arial"/>
         </a:defRPr>
       </a:lvl4pPr>
-      <a:lvl5pPr lvl="4" marR="0" rtl="0" algn="l">
+      <a:lvl5pPr marR="0" lvl="4" algn="l" rtl="0">
         <a:lnSpc>
           <a:spcPct val="100000"/>
         </a:lnSpc>
@@ -6879,7 +7038,7 @@
           <a:srgbClr val="000000"/>
         </a:buClr>
         <a:buFont typeface="Arial"/>
-        <a:defRPr b="0" i="0" sz="1400" u="none" cap="none" strike="noStrike">
+        <a:defRPr sz="1400" b="0" i="0" u="none" strike="noStrike" cap="none">
           <a:solidFill>
             <a:srgbClr val="000000"/>
           </a:solidFill>
@@ -6889,7 +7048,7 @@
           <a:sym typeface="Arial"/>
         </a:defRPr>
       </a:lvl5pPr>
-      <a:lvl6pPr lvl="5" marR="0" rtl="0" algn="l">
+      <a:lvl6pPr marR="0" lvl="5" algn="l" rtl="0">
         <a:lnSpc>
           <a:spcPct val="100000"/>
         </a:lnSpc>
@@ -6903,7 +7062,7 @@
           <a:srgbClr val="000000"/>
         </a:buClr>
         <a:buFont typeface="Arial"/>
-        <a:defRPr b="0" i="0" sz="1400" u="none" cap="none" strike="noStrike">
+        <a:defRPr sz="1400" b="0" i="0" u="none" strike="noStrike" cap="none">
           <a:solidFill>
             <a:srgbClr val="000000"/>
           </a:solidFill>
@@ -6913,7 +7072,7 @@
           <a:sym typeface="Arial"/>
         </a:defRPr>
       </a:lvl6pPr>
-      <a:lvl7pPr lvl="6" marR="0" rtl="0" algn="l">
+      <a:lvl7pPr marR="0" lvl="6" algn="l" rtl="0">
         <a:lnSpc>
           <a:spcPct val="100000"/>
         </a:lnSpc>
@@ -6927,7 +7086,7 @@
           <a:srgbClr val="000000"/>
         </a:buClr>
         <a:buFont typeface="Arial"/>
-        <a:defRPr b="0" i="0" sz="1400" u="none" cap="none" strike="noStrike">
+        <a:defRPr sz="1400" b="0" i="0" u="none" strike="noStrike" cap="none">
           <a:solidFill>
             <a:srgbClr val="000000"/>
           </a:solidFill>
@@ -6937,7 +7096,7 @@
           <a:sym typeface="Arial"/>
         </a:defRPr>
       </a:lvl7pPr>
-      <a:lvl8pPr lvl="7" marR="0" rtl="0" algn="l">
+      <a:lvl8pPr marR="0" lvl="7" algn="l" rtl="0">
         <a:lnSpc>
           <a:spcPct val="100000"/>
         </a:lnSpc>
@@ -6951,7 +7110,7 @@
           <a:srgbClr val="000000"/>
         </a:buClr>
         <a:buFont typeface="Arial"/>
-        <a:defRPr b="0" i="0" sz="1400" u="none" cap="none" strike="noStrike">
+        <a:defRPr sz="1400" b="0" i="0" u="none" strike="noStrike" cap="none">
           <a:solidFill>
             <a:srgbClr val="000000"/>
           </a:solidFill>
@@ -6961,7 +7120,7 @@
           <a:sym typeface="Arial"/>
         </a:defRPr>
       </a:lvl8pPr>
-      <a:lvl9pPr lvl="8" marR="0" rtl="0" algn="l">
+      <a:lvl9pPr marR="0" lvl="8" algn="l" rtl="0">
         <a:lnSpc>
           <a:spcPct val="100000"/>
         </a:lnSpc>
@@ -6975,7 +7134,7 @@
           <a:srgbClr val="000000"/>
         </a:buClr>
         <a:buFont typeface="Arial"/>
-        <a:defRPr b="0" i="0" sz="1400" u="none" cap="none" strike="noStrike">
+        <a:defRPr sz="1400" b="0" i="0" u="none" strike="noStrike" cap="none">
           <a:solidFill>
             <a:srgbClr val="000000"/>
           </a:solidFill>
@@ -6987,7 +7146,7 @@
       </a:lvl9pPr>
     </p:bodyStyle>
     <p:otherStyle>
-      <a:defPPr lvl="0" marR="0" rtl="0" algn="l">
+      <a:defPPr marR="0" lvl="0" algn="l" rtl="0">
         <a:lnSpc>
           <a:spcPct val="100000"/>
         </a:lnSpc>
@@ -6998,7 +7157,7 @@
           <a:spcPts val="0"/>
         </a:spcAft>
       </a:defPPr>
-      <a:lvl1pPr lvl="0" marR="0" rtl="0" algn="l">
+      <a:lvl1pPr marR="0" lvl="0" algn="l" rtl="0">
         <a:lnSpc>
           <a:spcPct val="100000"/>
         </a:lnSpc>
@@ -7012,7 +7171,7 @@
           <a:srgbClr val="000000"/>
         </a:buClr>
         <a:buFont typeface="Arial"/>
-        <a:defRPr b="0" i="0" sz="1400" u="none" cap="none" strike="noStrike">
+        <a:defRPr sz="1400" b="0" i="0" u="none" strike="noStrike" cap="none">
           <a:solidFill>
             <a:srgbClr val="000000"/>
           </a:solidFill>
@@ -7022,7 +7181,7 @@
           <a:sym typeface="Arial"/>
         </a:defRPr>
       </a:lvl1pPr>
-      <a:lvl2pPr lvl="1" marR="0" rtl="0" algn="l">
+      <a:lvl2pPr marR="0" lvl="1" algn="l" rtl="0">
         <a:lnSpc>
           <a:spcPct val="100000"/>
         </a:lnSpc>
@@ -7036,7 +7195,7 @@
           <a:srgbClr val="000000"/>
         </a:buClr>
         <a:buFont typeface="Arial"/>
-        <a:defRPr b="0" i="0" sz="1400" u="none" cap="none" strike="noStrike">
+        <a:defRPr sz="1400" b="0" i="0" u="none" strike="noStrike" cap="none">
           <a:solidFill>
             <a:srgbClr val="000000"/>
           </a:solidFill>
@@ -7046,7 +7205,7 @@
           <a:sym typeface="Arial"/>
         </a:defRPr>
       </a:lvl2pPr>
-      <a:lvl3pPr lvl="2" marR="0" rtl="0" algn="l">
+      <a:lvl3pPr marR="0" lvl="2" algn="l" rtl="0">
         <a:lnSpc>
           <a:spcPct val="100000"/>
         </a:lnSpc>
@@ -7060,7 +7219,7 @@
           <a:srgbClr val="000000"/>
         </a:buClr>
         <a:buFont typeface="Arial"/>
-        <a:defRPr b="0" i="0" sz="1400" u="none" cap="none" strike="noStrike">
+        <a:defRPr sz="1400" b="0" i="0" u="none" strike="noStrike" cap="none">
           <a:solidFill>
             <a:srgbClr val="000000"/>
           </a:solidFill>
@@ -7070,7 +7229,7 @@
           <a:sym typeface="Arial"/>
         </a:defRPr>
       </a:lvl3pPr>
-      <a:lvl4pPr lvl="3" marR="0" rtl="0" algn="l">
+      <a:lvl4pPr marR="0" lvl="3" algn="l" rtl="0">
         <a:lnSpc>
           <a:spcPct val="100000"/>
         </a:lnSpc>
@@ -7084,7 +7243,7 @@
           <a:srgbClr val="000000"/>
         </a:buClr>
         <a:buFont typeface="Arial"/>
-        <a:defRPr b="0" i="0" sz="1400" u="none" cap="none" strike="noStrike">
+        <a:defRPr sz="1400" b="0" i="0" u="none" strike="noStrike" cap="none">
           <a:solidFill>
             <a:srgbClr val="000000"/>
           </a:solidFill>
@@ -7094,7 +7253,7 @@
           <a:sym typeface="Arial"/>
         </a:defRPr>
       </a:lvl4pPr>
-      <a:lvl5pPr lvl="4" marR="0" rtl="0" algn="l">
+      <a:lvl5pPr marR="0" lvl="4" algn="l" rtl="0">
         <a:lnSpc>
           <a:spcPct val="100000"/>
         </a:lnSpc>
@@ -7108,7 +7267,7 @@
           <a:srgbClr val="000000"/>
         </a:buClr>
         <a:buFont typeface="Arial"/>
-        <a:defRPr b="0" i="0" sz="1400" u="none" cap="none" strike="noStrike">
+        <a:defRPr sz="1400" b="0" i="0" u="none" strike="noStrike" cap="none">
           <a:solidFill>
             <a:srgbClr val="000000"/>
           </a:solidFill>
@@ -7118,7 +7277,7 @@
           <a:sym typeface="Arial"/>
         </a:defRPr>
       </a:lvl5pPr>
-      <a:lvl6pPr lvl="5" marR="0" rtl="0" algn="l">
+      <a:lvl6pPr marR="0" lvl="5" algn="l" rtl="0">
         <a:lnSpc>
           <a:spcPct val="100000"/>
         </a:lnSpc>
@@ -7132,7 +7291,7 @@
           <a:srgbClr val="000000"/>
         </a:buClr>
         <a:buFont typeface="Arial"/>
-        <a:defRPr b="0" i="0" sz="1400" u="none" cap="none" strike="noStrike">
+        <a:defRPr sz="1400" b="0" i="0" u="none" strike="noStrike" cap="none">
           <a:solidFill>
             <a:srgbClr val="000000"/>
           </a:solidFill>
@@ -7142,7 +7301,7 @@
           <a:sym typeface="Arial"/>
         </a:defRPr>
       </a:lvl6pPr>
-      <a:lvl7pPr lvl="6" marR="0" rtl="0" algn="l">
+      <a:lvl7pPr marR="0" lvl="6" algn="l" rtl="0">
         <a:lnSpc>
           <a:spcPct val="100000"/>
         </a:lnSpc>
@@ -7156,7 +7315,7 @@
           <a:srgbClr val="000000"/>
         </a:buClr>
         <a:buFont typeface="Arial"/>
-        <a:defRPr b="0" i="0" sz="1400" u="none" cap="none" strike="noStrike">
+        <a:defRPr sz="1400" b="0" i="0" u="none" strike="noStrike" cap="none">
           <a:solidFill>
             <a:srgbClr val="000000"/>
           </a:solidFill>
@@ -7166,7 +7325,7 @@
           <a:sym typeface="Arial"/>
         </a:defRPr>
       </a:lvl7pPr>
-      <a:lvl8pPr lvl="7" marR="0" rtl="0" algn="l">
+      <a:lvl8pPr marR="0" lvl="7" algn="l" rtl="0">
         <a:lnSpc>
           <a:spcPct val="100000"/>
         </a:lnSpc>
@@ -7180,7 +7339,7 @@
           <a:srgbClr val="000000"/>
         </a:buClr>
         <a:buFont typeface="Arial"/>
-        <a:defRPr b="0" i="0" sz="1400" u="none" cap="none" strike="noStrike">
+        <a:defRPr sz="1400" b="0" i="0" u="none" strike="noStrike" cap="none">
           <a:solidFill>
             <a:srgbClr val="000000"/>
           </a:solidFill>
@@ -7190,7 +7349,7 @@
           <a:sym typeface="Arial"/>
         </a:defRPr>
       </a:lvl8pPr>
-      <a:lvl9pPr lvl="8" marR="0" rtl="0" algn="l">
+      <a:lvl9pPr marR="0" lvl="8" algn="l" rtl="0">
         <a:lnSpc>
           <a:spcPct val="100000"/>
         </a:lnSpc>
@@ -7204,7 +7363,7 @@
           <a:srgbClr val="000000"/>
         </a:buClr>
         <a:buFont typeface="Arial"/>
-        <a:defRPr b="0" i="0" sz="1400" u="none" cap="none" strike="noStrike">
+        <a:defRPr sz="1400" b="0" i="0" u="none" strike="noStrike" cap="none">
           <a:solidFill>
             <a:srgbClr val="000000"/>
           </a:solidFill>
@@ -7220,11 +7379,11 @@
 </file>
 
 <file path=ppt/slides/slide1.xml><?xml version="1.0" encoding="utf-8"?>
-<p:sld xmlns:a="http://schemas.openxmlformats.org/drawingml/2006/main" xmlns:r="http://schemas.openxmlformats.org/officeDocument/2006/relationships" xmlns:mc="http://schemas.openxmlformats.org/markup-compatibility/2006" xmlns:mv="urn:schemas-microsoft-com:mac:vml" xmlns:p="http://schemas.openxmlformats.org/presentationml/2006/main" xmlns:c="http://schemas.openxmlformats.org/drawingml/2006/chart" xmlns:dgm="http://schemas.openxmlformats.org/drawingml/2006/diagram" xmlns:o="urn:schemas-microsoft-com:office:office" xmlns:v="urn:schemas-microsoft-com:vml" xmlns:pvml="urn:schemas-microsoft-com:office:powerpoint" xmlns:com="http://schemas.openxmlformats.org/drawingml/2006/compatibility" xmlns:p14="http://schemas.microsoft.com/office/powerpoint/2010/main" xmlns:p15="http://schemas.microsoft.com/office/powerpoint/2012/main" xmlns:ahyp="http://schemas.microsoft.com/office/drawing/2018/hyperlinkcolor">
+<p:sld xmlns:a="http://schemas.openxmlformats.org/drawingml/2006/main" xmlns:r="http://schemas.openxmlformats.org/officeDocument/2006/relationships" xmlns:p="http://schemas.openxmlformats.org/presentationml/2006/main">
   <p:cSld>
     <p:spTree>
       <p:nvGrpSpPr>
-        <p:cNvPr id="57" name="Shape 57"/>
+        <p:cNvPr id="1" name="Shape 57"/>
         <p:cNvGrpSpPr/>
         <p:nvPr/>
       </p:nvGrpSpPr>
@@ -7239,7 +7398,9 @@
       <p:sp>
         <p:nvSpPr>
           <p:cNvPr id="58" name="Google Shape;58;p13"/>
-          <p:cNvSpPr txBox="1"/>
+          <p:cNvSpPr txBox="1">
+            <a:spLocks noGrp="1"/>
+          </p:cNvSpPr>
           <p:nvPr>
             <p:ph type="ctrTitle"/>
           </p:nvPr>
@@ -7254,12 +7415,12 @@
           </a:prstGeom>
         </p:spPr>
         <p:txBody>
-          <a:bodyPr anchorCtr="0" anchor="ctr" bIns="91425" lIns="91425" spcFirstLastPara="1" rIns="91425" wrap="square" tIns="91425">
+          <a:bodyPr spcFirstLastPara="1" wrap="square" lIns="91425" tIns="91425" rIns="91425" bIns="91425" anchor="ctr" anchorCtr="0">
             <a:noAutofit/>
           </a:bodyPr>
           <a:lstStyle/>
           <a:p>
-            <a:pPr indent="0" lvl="0" marL="0" rtl="0" algn="ctr">
+            <a:pPr marL="0" lvl="0" indent="0" algn="ctr" rtl="0">
               <a:spcBef>
                 <a:spcPts val="0"/>
               </a:spcBef>
@@ -7270,13 +7431,13 @@
               <a:buNone/>
             </a:pPr>
             <a:r>
-              <a:rPr lang="en" sz="3420"/>
+              <a:rPr lang="en" sz="3420" dirty="0"/>
               <a:t>Cross Platform Application Development </a:t>
             </a:r>
-            <a:endParaRPr sz="3420"/>
-          </a:p>
-          <a:p>
-            <a:pPr indent="0" lvl="0" marL="0" rtl="0" algn="ctr">
+            <a:endParaRPr sz="3420" dirty="0"/>
+          </a:p>
+          <a:p>
+            <a:pPr marL="0" lvl="0" indent="0" algn="ctr" rtl="0">
               <a:lnSpc>
                 <a:spcPct val="150000"/>
               </a:lnSpc>
@@ -7290,13 +7451,13 @@
               <a:buNone/>
             </a:pPr>
             <a:r>
-              <a:rPr lang="en" sz="4320"/>
+              <a:rPr lang="en" sz="4320" dirty="0"/>
               <a:t>Assignment</a:t>
             </a:r>
-            <a:endParaRPr sz="4320"/>
-          </a:p>
-          <a:p>
-            <a:pPr indent="0" lvl="0" marL="0" rtl="0" algn="ctr">
+            <a:endParaRPr sz="4320" dirty="0"/>
+          </a:p>
+          <a:p>
+            <a:pPr marL="0" lvl="0" indent="0" algn="ctr" rtl="0">
               <a:lnSpc>
                 <a:spcPct val="150000"/>
               </a:lnSpc>
@@ -7310,19 +7471,21 @@
               <a:buNone/>
             </a:pPr>
             <a:r>
-              <a:rPr lang="en" sz="2620"/>
+              <a:rPr lang="en" sz="2620" dirty="0"/>
               <a:t>Title: Laundry Application</a:t>
             </a:r>
-            <a:endParaRPr sz="2620"/>
+            <a:endParaRPr sz="2620" dirty="0"/>
           </a:p>
         </p:txBody>
       </p:sp>
       <p:sp>
         <p:nvSpPr>
           <p:cNvPr id="59" name="Google Shape;59;p13"/>
-          <p:cNvSpPr txBox="1"/>
+          <p:cNvSpPr txBox="1">
+            <a:spLocks noGrp="1"/>
+          </p:cNvSpPr>
           <p:nvPr>
-            <p:ph idx="1" type="subTitle"/>
+            <p:ph type="subTitle" idx="1"/>
           </p:nvPr>
         </p:nvSpPr>
         <p:spPr>
@@ -7335,12 +7498,12 @@
           </a:prstGeom>
         </p:spPr>
         <p:txBody>
-          <a:bodyPr anchorCtr="0" anchor="ctr" bIns="91425" lIns="91425" spcFirstLastPara="1" rIns="91425" wrap="square" tIns="91425">
+          <a:bodyPr spcFirstLastPara="1" wrap="square" lIns="91425" tIns="91425" rIns="91425" bIns="91425" anchor="ctr" anchorCtr="0">
             <a:normAutofit/>
           </a:bodyPr>
           <a:lstStyle/>
           <a:p>
-            <a:pPr indent="0" lvl="0" marL="0" rtl="0" algn="ctr">
+            <a:pPr marL="0" lvl="0" indent="0" algn="ctr" rtl="0">
               <a:lnSpc>
                 <a:spcPct val="150000"/>
               </a:lnSpc>
@@ -7359,7 +7522,7 @@
             <a:endParaRPr sz="2000"/>
           </a:p>
           <a:p>
-            <a:pPr indent="0" lvl="0" marL="0" rtl="0" algn="l">
+            <a:pPr marL="0" lvl="0" indent="0" algn="l" rtl="0">
               <a:lnSpc>
                 <a:spcPct val="150000"/>
               </a:lnSpc>
@@ -7378,7 +7541,7 @@
             <a:endParaRPr sz="2000"/>
           </a:p>
           <a:p>
-            <a:pPr indent="0" lvl="0" marL="0" rtl="0" algn="l">
+            <a:pPr marL="0" lvl="0" indent="0" algn="l" rtl="0">
               <a:lnSpc>
                 <a:spcPct val="150000"/>
               </a:lnSpc>
@@ -7397,7 +7560,7 @@
             <a:endParaRPr sz="2000"/>
           </a:p>
           <a:p>
-            <a:pPr indent="0" lvl="0" marL="0" rtl="0" algn="l">
+            <a:pPr marL="0" lvl="0" indent="0" algn="l" rtl="0">
               <a:lnSpc>
                 <a:spcPct val="150000"/>
               </a:lnSpc>
@@ -7426,11 +7589,11 @@
 </file>
 
 <file path=ppt/slides/slide10.xml><?xml version="1.0" encoding="utf-8"?>
-<p:sld xmlns:a="http://schemas.openxmlformats.org/drawingml/2006/main" xmlns:r="http://schemas.openxmlformats.org/officeDocument/2006/relationships" xmlns:mc="http://schemas.openxmlformats.org/markup-compatibility/2006" xmlns:mv="urn:schemas-microsoft-com:mac:vml" xmlns:p="http://schemas.openxmlformats.org/presentationml/2006/main" xmlns:c="http://schemas.openxmlformats.org/drawingml/2006/chart" xmlns:dgm="http://schemas.openxmlformats.org/drawingml/2006/diagram" xmlns:o="urn:schemas-microsoft-com:office:office" xmlns:v="urn:schemas-microsoft-com:vml" xmlns:pvml="urn:schemas-microsoft-com:office:powerpoint" xmlns:com="http://schemas.openxmlformats.org/drawingml/2006/compatibility" xmlns:p14="http://schemas.microsoft.com/office/powerpoint/2010/main" xmlns:p15="http://schemas.microsoft.com/office/powerpoint/2012/main" xmlns:ahyp="http://schemas.microsoft.com/office/drawing/2018/hyperlinkcolor">
+<p:sld xmlns:a="http://schemas.openxmlformats.org/drawingml/2006/main" xmlns:r="http://schemas.openxmlformats.org/officeDocument/2006/relationships" xmlns:p="http://schemas.openxmlformats.org/presentationml/2006/main">
   <p:cSld>
     <p:spTree>
       <p:nvGrpSpPr>
-        <p:cNvPr id="127" name="Shape 127"/>
+        <p:cNvPr id="1" name="Shape 127"/>
         <p:cNvGrpSpPr/>
         <p:nvPr/>
       </p:nvGrpSpPr>
@@ -7445,9 +7608,11 @@
       <p:sp>
         <p:nvSpPr>
           <p:cNvPr id="128" name="Google Shape;128;p22"/>
-          <p:cNvSpPr txBox="1"/>
+          <p:cNvSpPr txBox="1">
+            <a:spLocks noGrp="1"/>
+          </p:cNvSpPr>
           <p:nvPr>
-            <p:ph idx="1" type="body"/>
+            <p:ph type="body" idx="1"/>
           </p:nvPr>
         </p:nvSpPr>
         <p:spPr>
@@ -7460,40 +7625,37 @@
           </a:prstGeom>
         </p:spPr>
         <p:txBody>
-          <a:bodyPr anchorCtr="0" anchor="t" bIns="91425" lIns="91425" spcFirstLastPara="1" rIns="91425" wrap="square" tIns="91425">
+          <a:bodyPr spcFirstLastPara="1" wrap="square" lIns="91425" tIns="91425" rIns="91425" bIns="91425" anchor="t" anchorCtr="0">
             <a:normAutofit/>
           </a:bodyPr>
           <a:lstStyle/>
           <a:p>
-            <a:pPr indent="0" lvl="0" marL="457200" rtl="0" algn="l">
-              <a:spcBef>
-                <a:spcPts val="0"/>
-              </a:spcBef>
-              <a:spcAft>
-                <a:spcPts val="0"/>
+            <a:pPr marL="457200" lvl="0" indent="0" algn="l" rtl="0">
+              <a:spcBef>
+                <a:spcPts val="0"/>
+              </a:spcBef>
+              <a:spcAft>
+                <a:spcPts val="0"/>
+              </a:spcAft>
+              <a:buNone/>
+            </a:pPr>
+            <a:endParaRPr/>
+          </a:p>
+          <a:p>
+            <a:pPr marL="0" lvl="0" indent="0" algn="ctr" rtl="0">
+              <a:spcBef>
+                <a:spcPts val="1200"/>
+              </a:spcBef>
+              <a:spcAft>
+                <a:spcPts val="1200"/>
               </a:spcAft>
               <a:buNone/>
             </a:pPr>
             <a:r>
-              <a:t/>
-            </a:r>
-            <a:endParaRPr/>
-          </a:p>
-          <a:p>
-            <a:pPr indent="0" lvl="0" marL="0" rtl="0" algn="ctr">
-              <a:spcBef>
-                <a:spcPts val="1200"/>
-              </a:spcBef>
-              <a:spcAft>
-                <a:spcPts val="1200"/>
-              </a:spcAft>
-              <a:buNone/>
-            </a:pPr>
-            <a:r>
-              <a:rPr b="1" lang="en" sz="4600"/>
+              <a:rPr lang="en" sz="4600" b="1"/>
               <a:t>THANK YOU</a:t>
             </a:r>
-            <a:endParaRPr b="1" sz="4600"/>
+            <a:endParaRPr sz="4600" b="1"/>
           </a:p>
         </p:txBody>
       </p:sp>
@@ -7506,11 +7668,11 @@
 </file>
 
 <file path=ppt/slides/slide2.xml><?xml version="1.0" encoding="utf-8"?>
-<p:sld xmlns:a="http://schemas.openxmlformats.org/drawingml/2006/main" xmlns:r="http://schemas.openxmlformats.org/officeDocument/2006/relationships" xmlns:mc="http://schemas.openxmlformats.org/markup-compatibility/2006" xmlns:mv="urn:schemas-microsoft-com:mac:vml" xmlns:p="http://schemas.openxmlformats.org/presentationml/2006/main" xmlns:c="http://schemas.openxmlformats.org/drawingml/2006/chart" xmlns:dgm="http://schemas.openxmlformats.org/drawingml/2006/diagram" xmlns:o="urn:schemas-microsoft-com:office:office" xmlns:v="urn:schemas-microsoft-com:vml" xmlns:pvml="urn:schemas-microsoft-com:office:powerpoint" xmlns:com="http://schemas.openxmlformats.org/drawingml/2006/compatibility" xmlns:p14="http://schemas.microsoft.com/office/powerpoint/2010/main" xmlns:p15="http://schemas.microsoft.com/office/powerpoint/2012/main" xmlns:ahyp="http://schemas.microsoft.com/office/drawing/2018/hyperlinkcolor">
+<p:sld xmlns:a="http://schemas.openxmlformats.org/drawingml/2006/main" xmlns:r="http://schemas.openxmlformats.org/officeDocument/2006/relationships" xmlns:p="http://schemas.openxmlformats.org/presentationml/2006/main">
   <p:cSld>
     <p:spTree>
       <p:nvGrpSpPr>
-        <p:cNvPr id="63" name="Shape 63"/>
+        <p:cNvPr id="1" name="Shape 63"/>
         <p:cNvGrpSpPr/>
         <p:nvPr/>
       </p:nvGrpSpPr>
@@ -7525,7 +7687,9 @@
       <p:sp>
         <p:nvSpPr>
           <p:cNvPr id="64" name="Google Shape;64;p14"/>
-          <p:cNvSpPr txBox="1"/>
+          <p:cNvSpPr txBox="1">
+            <a:spLocks noGrp="1"/>
+          </p:cNvSpPr>
           <p:nvPr>
             <p:ph type="title"/>
           </p:nvPr>
@@ -7540,12 +7704,12 @@
           </a:prstGeom>
         </p:spPr>
         <p:txBody>
-          <a:bodyPr anchorCtr="0" anchor="t" bIns="91425" lIns="91425" spcFirstLastPara="1" rIns="91425" wrap="square" tIns="91425">
+          <a:bodyPr spcFirstLastPara="1" wrap="square" lIns="91425" tIns="91425" rIns="91425" bIns="91425" anchor="t" anchorCtr="0">
             <a:normAutofit fontScale="90000"/>
           </a:bodyPr>
           <a:lstStyle/>
           <a:p>
-            <a:pPr indent="0" lvl="0" marL="0" rtl="0" algn="l">
+            <a:pPr marL="0" lvl="0" indent="0" algn="l" rtl="0">
               <a:spcBef>
                 <a:spcPts val="0"/>
               </a:spcBef>
@@ -7565,9 +7729,11 @@
       <p:sp>
         <p:nvSpPr>
           <p:cNvPr id="65" name="Google Shape;65;p14"/>
-          <p:cNvSpPr txBox="1"/>
+          <p:cNvSpPr txBox="1">
+            <a:spLocks noGrp="1"/>
+          </p:cNvSpPr>
           <p:nvPr>
-            <p:ph idx="1" type="body"/>
+            <p:ph type="body" idx="1"/>
           </p:nvPr>
         </p:nvSpPr>
         <p:spPr>
@@ -7580,12 +7746,12 @@
           </a:prstGeom>
         </p:spPr>
         <p:txBody>
-          <a:bodyPr anchorCtr="0" anchor="t" bIns="91425" lIns="91425" spcFirstLastPara="1" rIns="91425" wrap="square" tIns="91425">
+          <a:bodyPr spcFirstLastPara="1" wrap="square" lIns="91425" tIns="91425" rIns="91425" bIns="91425" anchor="t" anchorCtr="0">
             <a:normAutofit/>
           </a:bodyPr>
           <a:lstStyle/>
           <a:p>
-            <a:pPr indent="0" lvl="0" marL="0" rtl="0" algn="l">
+            <a:pPr marL="0" lvl="0" indent="0" algn="l" rtl="0">
               <a:spcBef>
                 <a:spcPts val="0"/>
               </a:spcBef>
@@ -7596,35 +7762,19 @@
             </a:pPr>
             <a:r>
               <a:rPr lang="en"/>
-              <a:t>Our </a:t>
-            </a:r>
-            <a:r>
-              <a:rPr lang="en"/>
-              <a:t>laundry</a:t>
-            </a:r>
-            <a:r>
-              <a:rPr lang="en"/>
-              <a:t> app is itself an unique app as in the market it has very less competitors with limited features. </a:t>
+              <a:t>Our laundry app is itself an unique app as in the market it has very less competitors with limited features. </a:t>
             </a:r>
             <a:br>
               <a:rPr lang="en"/>
             </a:br>
             <a:r>
               <a:rPr lang="en"/>
-              <a:t>It’s a react native app which is currently </a:t>
-            </a:r>
-            <a:r>
-              <a:rPr lang="en"/>
-              <a:t>running seamlessly</a:t>
-            </a:r>
-            <a:r>
-              <a:rPr lang="en"/>
-              <a:t> on both Android and ios.</a:t>
+              <a:t>It’s a react native app which is currently running seamlessly on both Android and ios.</a:t>
             </a:r>
             <a:endParaRPr/>
           </a:p>
           <a:p>
-            <a:pPr indent="0" lvl="0" marL="0" rtl="0" algn="l">
+            <a:pPr marL="0" lvl="0" indent="0" algn="l" rtl="0">
               <a:spcBef>
                 <a:spcPts val="1200"/>
               </a:spcBef>
@@ -7640,7 +7790,7 @@
             <a:endParaRPr/>
           </a:p>
           <a:p>
-            <a:pPr indent="0" lvl="0" marL="0" rtl="0" algn="l">
+            <a:pPr marL="0" lvl="0" indent="0" algn="l" rtl="0">
               <a:spcBef>
                 <a:spcPts val="1200"/>
               </a:spcBef>
@@ -7651,20 +7801,12 @@
             </a:pPr>
             <a:r>
               <a:rPr lang="en"/>
-              <a:t>In this app we can easily login with our credentials and avail the laundry services and book our </a:t>
-            </a:r>
-            <a:r>
-              <a:rPr lang="en"/>
-              <a:t>orders</a:t>
-            </a:r>
-            <a:r>
-              <a:rPr lang="en"/>
-              <a:t> with proper pick-up details and suitable instructions.</a:t>
+              <a:t>In this app we can easily login with our credentials and avail the laundry services and book our orders with proper pick-up details and suitable instructions.</a:t>
             </a:r>
             <a:endParaRPr/>
           </a:p>
           <a:p>
-            <a:pPr indent="0" lvl="0" marL="0" rtl="0" algn="l">
+            <a:pPr marL="0" lvl="0" indent="0" algn="l" rtl="0">
               <a:spcBef>
                 <a:spcPts val="1200"/>
               </a:spcBef>
@@ -7673,9 +7815,6 @@
               </a:spcAft>
               <a:buNone/>
             </a:pPr>
-            <a:r>
-              <a:t/>
-            </a:r>
             <a:endParaRPr/>
           </a:p>
         </p:txBody>
@@ -7689,11 +7828,11 @@
 </file>
 
 <file path=ppt/slides/slide3.xml><?xml version="1.0" encoding="utf-8"?>
-<p:sld xmlns:a="http://schemas.openxmlformats.org/drawingml/2006/main" xmlns:r="http://schemas.openxmlformats.org/officeDocument/2006/relationships" xmlns:mc="http://schemas.openxmlformats.org/markup-compatibility/2006" xmlns:mv="urn:schemas-microsoft-com:mac:vml" xmlns:p="http://schemas.openxmlformats.org/presentationml/2006/main" xmlns:c="http://schemas.openxmlformats.org/drawingml/2006/chart" xmlns:dgm="http://schemas.openxmlformats.org/drawingml/2006/diagram" xmlns:o="urn:schemas-microsoft-com:office:office" xmlns:v="urn:schemas-microsoft-com:vml" xmlns:pvml="urn:schemas-microsoft-com:office:powerpoint" xmlns:com="http://schemas.openxmlformats.org/drawingml/2006/compatibility" xmlns:p14="http://schemas.microsoft.com/office/powerpoint/2010/main" xmlns:p15="http://schemas.microsoft.com/office/powerpoint/2012/main" xmlns:ahyp="http://schemas.microsoft.com/office/drawing/2018/hyperlinkcolor">
+<p:sld xmlns:a="http://schemas.openxmlformats.org/drawingml/2006/main" xmlns:r="http://schemas.openxmlformats.org/officeDocument/2006/relationships" xmlns:p="http://schemas.openxmlformats.org/presentationml/2006/main">
   <p:cSld>
     <p:spTree>
       <p:nvGrpSpPr>
-        <p:cNvPr id="69" name="Shape 69"/>
+        <p:cNvPr id="1" name="Shape 69"/>
         <p:cNvGrpSpPr/>
         <p:nvPr/>
       </p:nvGrpSpPr>
@@ -7708,7 +7847,9 @@
       <p:sp>
         <p:nvSpPr>
           <p:cNvPr id="70" name="Google Shape;70;p15"/>
-          <p:cNvSpPr txBox="1"/>
+          <p:cNvSpPr txBox="1">
+            <a:spLocks noGrp="1"/>
+          </p:cNvSpPr>
           <p:nvPr>
             <p:ph type="title"/>
           </p:nvPr>
@@ -7723,12 +7864,12 @@
           </a:prstGeom>
         </p:spPr>
         <p:txBody>
-          <a:bodyPr anchorCtr="0" anchor="t" bIns="91425" lIns="91425" spcFirstLastPara="1" rIns="91425" wrap="square" tIns="91425">
+          <a:bodyPr spcFirstLastPara="1" wrap="square" lIns="91425" tIns="91425" rIns="91425" bIns="91425" anchor="t" anchorCtr="0">
             <a:normAutofit fontScale="90000"/>
           </a:bodyPr>
           <a:lstStyle/>
           <a:p>
-            <a:pPr indent="0" lvl="0" marL="0" rtl="0" algn="l">
+            <a:pPr marL="0" lvl="0" indent="0" algn="l" rtl="0">
               <a:spcBef>
                 <a:spcPts val="0"/>
               </a:spcBef>
@@ -7748,9 +7889,11 @@
       <p:sp>
         <p:nvSpPr>
           <p:cNvPr id="71" name="Google Shape;71;p15"/>
-          <p:cNvSpPr txBox="1"/>
+          <p:cNvSpPr txBox="1">
+            <a:spLocks noGrp="1"/>
+          </p:cNvSpPr>
           <p:nvPr>
-            <p:ph idx="1" type="body"/>
+            <p:ph type="body" idx="1"/>
           </p:nvPr>
         </p:nvSpPr>
         <p:spPr>
@@ -7763,12 +7906,12 @@
           </a:prstGeom>
         </p:spPr>
         <p:txBody>
-          <a:bodyPr anchorCtr="0" anchor="t" bIns="91425" lIns="91425" spcFirstLastPara="1" rIns="91425" wrap="square" tIns="91425">
+          <a:bodyPr spcFirstLastPara="1" wrap="square" lIns="91425" tIns="91425" rIns="91425" bIns="91425" anchor="t" anchorCtr="0">
             <a:normAutofit lnSpcReduction="20000"/>
           </a:bodyPr>
           <a:lstStyle/>
           <a:p>
-            <a:pPr indent="-342900" lvl="0" marL="457200" rtl="0" algn="l">
+            <a:pPr marL="457200" lvl="0" indent="-342900" algn="l" rtl="0">
               <a:spcBef>
                 <a:spcPts val="0"/>
               </a:spcBef>
@@ -7785,7 +7928,7 @@
             <a:endParaRPr/>
           </a:p>
           <a:p>
-            <a:pPr indent="-342900" lvl="0" marL="457200" rtl="0" algn="l">
+            <a:pPr marL="457200" lvl="0" indent="-342900" algn="l" rtl="0">
               <a:spcBef>
                 <a:spcPts val="0"/>
               </a:spcBef>
@@ -7802,7 +7945,7 @@
             <a:endParaRPr/>
           </a:p>
           <a:p>
-            <a:pPr indent="-342900" lvl="0" marL="457200" rtl="0" algn="l">
+            <a:pPr marL="457200" lvl="0" indent="-342900" algn="l" rtl="0">
               <a:spcBef>
                 <a:spcPts val="0"/>
               </a:spcBef>
@@ -7819,7 +7962,7 @@
             <a:endParaRPr/>
           </a:p>
           <a:p>
-            <a:pPr indent="-342900" lvl="0" marL="457200" rtl="0" algn="l">
+            <a:pPr marL="457200" lvl="0" indent="-342900" algn="l" rtl="0">
               <a:spcBef>
                 <a:spcPts val="0"/>
               </a:spcBef>
@@ -7831,20 +7974,12 @@
             </a:pPr>
             <a:r>
               <a:rPr lang="en"/>
-              <a:t>Search </a:t>
-            </a:r>
-            <a:r>
-              <a:rPr lang="en"/>
-              <a:t>functionality</a:t>
-            </a:r>
-            <a:r>
-              <a:rPr lang="en"/>
-              <a:t>.</a:t>
+              <a:t>Search functionality.</a:t>
             </a:r>
             <a:endParaRPr/>
           </a:p>
           <a:p>
-            <a:pPr indent="-342900" lvl="0" marL="457200" rtl="0" algn="l">
+            <a:pPr marL="457200" lvl="0" indent="-342900" algn="l" rtl="0">
               <a:spcBef>
                 <a:spcPts val="0"/>
               </a:spcBef>
@@ -7861,7 +7996,7 @@
             <a:endParaRPr/>
           </a:p>
           <a:p>
-            <a:pPr indent="-342900" lvl="0" marL="457200" rtl="0" algn="l">
+            <a:pPr marL="457200" lvl="0" indent="-342900" algn="l" rtl="0">
               <a:spcBef>
                 <a:spcPts val="0"/>
               </a:spcBef>
@@ -7878,7 +8013,7 @@
             <a:endParaRPr/>
           </a:p>
           <a:p>
-            <a:pPr indent="-342900" lvl="0" marL="457200" rtl="0" algn="l">
+            <a:pPr marL="457200" lvl="0" indent="-342900" algn="l" rtl="0">
               <a:spcBef>
                 <a:spcPts val="0"/>
               </a:spcBef>
@@ -7895,7 +8030,7 @@
             <a:endParaRPr/>
           </a:p>
           <a:p>
-            <a:pPr indent="-342900" lvl="0" marL="457200" rtl="0" algn="l">
+            <a:pPr marL="457200" lvl="0" indent="-342900" algn="l" rtl="0">
               <a:spcBef>
                 <a:spcPts val="0"/>
               </a:spcBef>
@@ -7912,7 +8047,7 @@
             <a:endParaRPr/>
           </a:p>
           <a:p>
-            <a:pPr indent="-342900" lvl="0" marL="457200" rtl="0" algn="l">
+            <a:pPr marL="457200" lvl="0" indent="-342900" algn="l" rtl="0">
               <a:spcBef>
                 <a:spcPts val="0"/>
               </a:spcBef>
@@ -7929,7 +8064,7 @@
             <a:endParaRPr/>
           </a:p>
           <a:p>
-            <a:pPr indent="-342900" lvl="0" marL="457200" rtl="0" algn="l">
+            <a:pPr marL="457200" lvl="0" indent="-342900" algn="l" rtl="0">
               <a:spcBef>
                 <a:spcPts val="0"/>
               </a:spcBef>
@@ -7946,7 +8081,7 @@
             <a:endParaRPr/>
           </a:p>
           <a:p>
-            <a:pPr indent="-342900" lvl="0" marL="457200" rtl="0" algn="l">
+            <a:pPr marL="457200" lvl="0" indent="-342900" algn="l" rtl="0">
               <a:spcBef>
                 <a:spcPts val="0"/>
               </a:spcBef>
@@ -7963,7 +8098,7 @@
             <a:endParaRPr/>
           </a:p>
           <a:p>
-            <a:pPr indent="-342900" lvl="0" marL="457200" rtl="0" algn="l">
+            <a:pPr marL="457200" lvl="0" indent="-342900" algn="l" rtl="0">
               <a:spcBef>
                 <a:spcPts val="0"/>
               </a:spcBef>
@@ -7980,7 +8115,7 @@
             <a:endParaRPr/>
           </a:p>
           <a:p>
-            <a:pPr indent="-342900" lvl="0" marL="457200" rtl="0" algn="l">
+            <a:pPr marL="457200" lvl="0" indent="-342900" algn="l" rtl="0">
               <a:spcBef>
                 <a:spcPts val="0"/>
               </a:spcBef>
@@ -8007,11 +8142,11 @@
 </file>
 
 <file path=ppt/slides/slide4.xml><?xml version="1.0" encoding="utf-8"?>
-<p:sld xmlns:a="http://schemas.openxmlformats.org/drawingml/2006/main" xmlns:r="http://schemas.openxmlformats.org/officeDocument/2006/relationships" xmlns:mc="http://schemas.openxmlformats.org/markup-compatibility/2006" xmlns:mv="urn:schemas-microsoft-com:mac:vml" xmlns:p="http://schemas.openxmlformats.org/presentationml/2006/main" xmlns:c="http://schemas.openxmlformats.org/drawingml/2006/chart" xmlns:dgm="http://schemas.openxmlformats.org/drawingml/2006/diagram" xmlns:o="urn:schemas-microsoft-com:office:office" xmlns:v="urn:schemas-microsoft-com:vml" xmlns:pvml="urn:schemas-microsoft-com:office:powerpoint" xmlns:com="http://schemas.openxmlformats.org/drawingml/2006/compatibility" xmlns:p14="http://schemas.microsoft.com/office/powerpoint/2010/main" xmlns:p15="http://schemas.microsoft.com/office/powerpoint/2012/main" xmlns:ahyp="http://schemas.microsoft.com/office/drawing/2018/hyperlinkcolor">
+<p:sld xmlns:a="http://schemas.openxmlformats.org/drawingml/2006/main" xmlns:r="http://schemas.openxmlformats.org/officeDocument/2006/relationships" xmlns:p="http://schemas.openxmlformats.org/presentationml/2006/main">
   <p:cSld>
     <p:spTree>
       <p:nvGrpSpPr>
-        <p:cNvPr id="75" name="Shape 75"/>
+        <p:cNvPr id="1" name="Shape 75"/>
         <p:cNvGrpSpPr/>
         <p:nvPr/>
       </p:nvGrpSpPr>
@@ -8026,7 +8161,9 @@
       <p:sp>
         <p:nvSpPr>
           <p:cNvPr id="76" name="Google Shape;76;p16"/>
-          <p:cNvSpPr txBox="1"/>
+          <p:cNvSpPr txBox="1">
+            <a:spLocks noGrp="1"/>
+          </p:cNvSpPr>
           <p:nvPr>
             <p:ph type="title"/>
           </p:nvPr>
@@ -8041,12 +8178,12 @@
           </a:prstGeom>
         </p:spPr>
         <p:txBody>
-          <a:bodyPr anchorCtr="0" anchor="t" bIns="91425" lIns="91425" spcFirstLastPara="1" rIns="91425" wrap="square" tIns="91425">
+          <a:bodyPr spcFirstLastPara="1" wrap="square" lIns="91425" tIns="91425" rIns="91425" bIns="91425" anchor="t" anchorCtr="0">
             <a:normAutofit fontScale="90000"/>
           </a:bodyPr>
           <a:lstStyle/>
           <a:p>
-            <a:pPr indent="0" lvl="0" marL="0" rtl="0" algn="l">
+            <a:pPr marL="0" lvl="0" indent="0" algn="l" rtl="0">
               <a:spcBef>
                 <a:spcPts val="0"/>
               </a:spcBef>
@@ -8066,9 +8203,11 @@
       <p:sp>
         <p:nvSpPr>
           <p:cNvPr id="77" name="Google Shape;77;p16"/>
-          <p:cNvSpPr txBox="1"/>
+          <p:cNvSpPr txBox="1">
+            <a:spLocks noGrp="1"/>
+          </p:cNvSpPr>
           <p:nvPr>
-            <p:ph idx="1" type="body"/>
+            <p:ph type="body" idx="1"/>
           </p:nvPr>
         </p:nvSpPr>
         <p:spPr>
@@ -8081,12 +8220,12 @@
           </a:prstGeom>
         </p:spPr>
         <p:txBody>
-          <a:bodyPr anchorCtr="0" anchor="t" bIns="91425" lIns="91425" spcFirstLastPara="1" rIns="91425" wrap="square" tIns="91425">
+          <a:bodyPr spcFirstLastPara="1" wrap="square" lIns="91425" tIns="91425" rIns="91425" bIns="91425" anchor="t" anchorCtr="0">
             <a:noAutofit/>
           </a:bodyPr>
           <a:lstStyle/>
           <a:p>
-            <a:pPr indent="0" lvl="0" marL="0" rtl="0" algn="l">
+            <a:pPr marL="0" lvl="0" indent="0" algn="l" rtl="0">
               <a:lnSpc>
                 <a:spcPct val="95000"/>
               </a:lnSpc>
@@ -8104,7 +8243,7 @@
               <a:buNone/>
             </a:pPr>
             <a:r>
-              <a:rPr b="1" lang="en" sz="1175">
+              <a:rPr lang="en" sz="1175" b="1">
                 <a:latin typeface="Arial"/>
                 <a:ea typeface="Arial"/>
                 <a:cs typeface="Arial"/>
@@ -8112,7 +8251,7 @@
               </a:rPr>
               <a:t>User Interface(UI): </a:t>
             </a:r>
-            <a:endParaRPr b="1" sz="1175">
+            <a:endParaRPr sz="1175" b="1">
               <a:latin typeface="Arial"/>
               <a:ea typeface="Arial"/>
               <a:cs typeface="Arial"/>
@@ -8120,7 +8259,7 @@
             </a:endParaRPr>
           </a:p>
           <a:p>
-            <a:pPr indent="0" lvl="0" marL="0" rtl="0" algn="l">
+            <a:pPr marL="0" lvl="0" indent="0" algn="l" rtl="0">
               <a:lnSpc>
                 <a:spcPct val="95000"/>
               </a:lnSpc>
@@ -8150,7 +8289,7 @@
             </a:endParaRPr>
           </a:p>
           <a:p>
-            <a:pPr indent="0" lvl="0" marL="0" rtl="0" algn="l">
+            <a:pPr marL="0" lvl="0" indent="0" algn="l" rtl="0">
               <a:lnSpc>
                 <a:spcPct val="95000"/>
               </a:lnSpc>
@@ -8164,7 +8303,7 @@
               <a:buNone/>
             </a:pPr>
             <a:r>
-              <a:rPr b="1" lang="en" sz="1175">
+              <a:rPr lang="en" sz="1175" b="1">
                 <a:latin typeface="Arial"/>
                 <a:ea typeface="Arial"/>
                 <a:cs typeface="Arial"/>
@@ -8172,7 +8311,7 @@
               </a:rPr>
               <a:t>Routing:</a:t>
             </a:r>
-            <a:endParaRPr b="1" sz="1175">
+            <a:endParaRPr sz="1175" b="1">
               <a:latin typeface="Arial"/>
               <a:ea typeface="Arial"/>
               <a:cs typeface="Arial"/>
@@ -8180,7 +8319,7 @@
             </a:endParaRPr>
           </a:p>
           <a:p>
-            <a:pPr indent="0" lvl="0" marL="0" rtl="0" algn="l">
+            <a:pPr marL="0" lvl="0" indent="0" algn="l" rtl="0">
               <a:lnSpc>
                 <a:spcPct val="95000"/>
               </a:lnSpc>
@@ -8214,7 +8353,7 @@
             </a:endParaRPr>
           </a:p>
           <a:p>
-            <a:pPr indent="0" lvl="0" marL="0" rtl="0" algn="l">
+            <a:pPr marL="0" lvl="0" indent="0" algn="l" rtl="0">
               <a:lnSpc>
                 <a:spcPct val="95000"/>
               </a:lnSpc>
@@ -8232,7 +8371,7 @@
               <a:buNone/>
             </a:pPr>
             <a:r>
-              <a:rPr b="1" lang="en" sz="1175">
+              <a:rPr lang="en" sz="1175" b="1">
                 <a:latin typeface="Arial"/>
                 <a:ea typeface="Arial"/>
                 <a:cs typeface="Arial"/>
@@ -8240,7 +8379,7 @@
               </a:rPr>
               <a:t>Authentication: </a:t>
             </a:r>
-            <a:endParaRPr b="1" sz="1175">
+            <a:endParaRPr sz="1175" b="1">
               <a:latin typeface="Arial"/>
               <a:ea typeface="Arial"/>
               <a:cs typeface="Arial"/>
@@ -8248,7 +8387,7 @@
             </a:endParaRPr>
           </a:p>
           <a:p>
-            <a:pPr indent="0" lvl="0" marL="0" rtl="0" algn="l">
+            <a:pPr marL="0" lvl="0" indent="0" algn="l" rtl="0">
               <a:lnSpc>
                 <a:spcPct val="95000"/>
               </a:lnSpc>
@@ -8282,7 +8421,7 @@
             </a:endParaRPr>
           </a:p>
           <a:p>
-            <a:pPr indent="0" lvl="0" marL="0" rtl="0" algn="l">
+            <a:pPr marL="0" lvl="0" indent="0" algn="l" rtl="0">
               <a:lnSpc>
                 <a:spcPct val="95000"/>
               </a:lnSpc>
@@ -8300,7 +8439,7 @@
               <a:buNone/>
             </a:pPr>
             <a:r>
-              <a:rPr b="1" lang="en" sz="1175">
+              <a:rPr lang="en" sz="1175" b="1">
                 <a:latin typeface="Arial"/>
                 <a:ea typeface="Arial"/>
                 <a:cs typeface="Arial"/>
@@ -8308,7 +8447,7 @@
               </a:rPr>
               <a:t>Database:</a:t>
             </a:r>
-            <a:endParaRPr b="1" sz="1175">
+            <a:endParaRPr sz="1175" b="1">
               <a:latin typeface="Arial"/>
               <a:ea typeface="Arial"/>
               <a:cs typeface="Arial"/>
@@ -8316,7 +8455,7 @@
             </a:endParaRPr>
           </a:p>
           <a:p>
-            <a:pPr indent="0" lvl="0" marL="0" rtl="0" algn="l">
+            <a:pPr marL="0" lvl="0" indent="0" algn="l" rtl="0">
               <a:lnSpc>
                 <a:spcPct val="95000"/>
               </a:lnSpc>
@@ -8350,7 +8489,7 @@
             </a:endParaRPr>
           </a:p>
           <a:p>
-            <a:pPr indent="0" lvl="0" marL="0" rtl="0" algn="l">
+            <a:pPr marL="0" lvl="0" indent="0" algn="l" rtl="0">
               <a:lnSpc>
                 <a:spcPct val="95000"/>
               </a:lnSpc>
@@ -8368,7 +8507,7 @@
               <a:buNone/>
             </a:pPr>
             <a:r>
-              <a:rPr b="1" lang="en" sz="1175">
+              <a:rPr lang="en" sz="1175" b="1">
                 <a:latin typeface="Arial"/>
                 <a:ea typeface="Arial"/>
                 <a:cs typeface="Arial"/>
@@ -8376,7 +8515,7 @@
               </a:rPr>
               <a:t>Cloud storage for images:</a:t>
             </a:r>
-            <a:endParaRPr b="1" sz="1175">
+            <a:endParaRPr sz="1175" b="1">
               <a:latin typeface="Arial"/>
               <a:ea typeface="Arial"/>
               <a:cs typeface="Arial"/>
@@ -8384,7 +8523,7 @@
             </a:endParaRPr>
           </a:p>
           <a:p>
-            <a:pPr indent="0" lvl="0" marL="0" rtl="0" algn="l">
+            <a:pPr marL="0" lvl="0" indent="0" algn="l" rtl="0">
               <a:lnSpc>
                 <a:spcPct val="95000"/>
               </a:lnSpc>
@@ -8418,7 +8557,7 @@
             </a:endParaRPr>
           </a:p>
           <a:p>
-            <a:pPr indent="0" lvl="0" marL="0" rtl="0" algn="l">
+            <a:pPr marL="0" lvl="0" indent="0" algn="l" rtl="0">
               <a:lnSpc>
                 <a:spcPct val="95000"/>
               </a:lnSpc>
@@ -8436,7 +8575,7 @@
               <a:buNone/>
             </a:pPr>
             <a:r>
-              <a:rPr b="1" lang="en" sz="1175">
+              <a:rPr lang="en" sz="1175" b="1">
                 <a:latin typeface="Arial"/>
                 <a:ea typeface="Arial"/>
                 <a:cs typeface="Arial"/>
@@ -8444,7 +8583,7 @@
               </a:rPr>
               <a:t>Hosting:</a:t>
             </a:r>
-            <a:endParaRPr b="1" sz="1175">
+            <a:endParaRPr sz="1175" b="1">
               <a:latin typeface="Arial"/>
               <a:ea typeface="Arial"/>
               <a:cs typeface="Arial"/>
@@ -8452,7 +8591,7 @@
             </a:endParaRPr>
           </a:p>
           <a:p>
-            <a:pPr indent="0" lvl="0" marL="0" rtl="0" algn="l">
+            <a:pPr marL="0" lvl="0" indent="0" algn="l" rtl="0">
               <a:lnSpc>
                 <a:spcPct val="95000"/>
               </a:lnSpc>
@@ -8486,7 +8625,7 @@
             </a:endParaRPr>
           </a:p>
           <a:p>
-            <a:pPr indent="0" lvl="0" marL="0" rtl="0" algn="l">
+            <a:pPr marL="0" lvl="0" indent="0" algn="l" rtl="0">
               <a:lnSpc>
                 <a:spcPct val="95000"/>
               </a:lnSpc>
@@ -8499,9 +8638,6 @@
               <a:buSzPts val="275"/>
               <a:buNone/>
             </a:pPr>
-            <a:r>
-              <a:t/>
-            </a:r>
             <a:endParaRPr sz="550"/>
           </a:p>
         </p:txBody>
@@ -8543,11 +8679,11 @@
 </file>
 
 <file path=ppt/slides/slide5.xml><?xml version="1.0" encoding="utf-8"?>
-<p:sld xmlns:a="http://schemas.openxmlformats.org/drawingml/2006/main" xmlns:r="http://schemas.openxmlformats.org/officeDocument/2006/relationships" xmlns:mc="http://schemas.openxmlformats.org/markup-compatibility/2006" xmlns:mv="urn:schemas-microsoft-com:mac:vml" xmlns:p="http://schemas.openxmlformats.org/presentationml/2006/main" xmlns:c="http://schemas.openxmlformats.org/drawingml/2006/chart" xmlns:dgm="http://schemas.openxmlformats.org/drawingml/2006/diagram" xmlns:o="urn:schemas-microsoft-com:office:office" xmlns:v="urn:schemas-microsoft-com:vml" xmlns:pvml="urn:schemas-microsoft-com:office:powerpoint" xmlns:com="http://schemas.openxmlformats.org/drawingml/2006/compatibility" xmlns:p14="http://schemas.microsoft.com/office/powerpoint/2010/main" xmlns:p15="http://schemas.microsoft.com/office/powerpoint/2012/main" xmlns:ahyp="http://schemas.microsoft.com/office/drawing/2018/hyperlinkcolor">
+<p:sld xmlns:a="http://schemas.openxmlformats.org/drawingml/2006/main" xmlns:r="http://schemas.openxmlformats.org/officeDocument/2006/relationships" xmlns:p="http://schemas.openxmlformats.org/presentationml/2006/main">
   <p:cSld>
     <p:spTree>
       <p:nvGrpSpPr>
-        <p:cNvPr id="82" name="Shape 82"/>
+        <p:cNvPr id="1" name="Shape 82"/>
         <p:cNvGrpSpPr/>
         <p:nvPr/>
       </p:nvGrpSpPr>
@@ -8562,7 +8698,9 @@
       <p:sp>
         <p:nvSpPr>
           <p:cNvPr id="83" name="Google Shape;83;p17"/>
-          <p:cNvSpPr txBox="1"/>
+          <p:cNvSpPr txBox="1">
+            <a:spLocks noGrp="1"/>
+          </p:cNvSpPr>
           <p:nvPr>
             <p:ph type="title"/>
           </p:nvPr>
@@ -8577,12 +8715,12 @@
           </a:prstGeom>
         </p:spPr>
         <p:txBody>
-          <a:bodyPr anchorCtr="0" anchor="t" bIns="91425" lIns="91425" spcFirstLastPara="1" rIns="91425" wrap="square" tIns="91425">
+          <a:bodyPr spcFirstLastPara="1" wrap="square" lIns="91425" tIns="91425" rIns="91425" bIns="91425" anchor="t" anchorCtr="0">
             <a:normAutofit fontScale="90000"/>
           </a:bodyPr>
           <a:lstStyle/>
           <a:p>
-            <a:pPr indent="0" lvl="0" marL="0" rtl="0" algn="l">
+            <a:pPr marL="0" lvl="0" indent="0" algn="l" rtl="0">
               <a:spcBef>
                 <a:spcPts val="0"/>
               </a:spcBef>
@@ -8609,7 +8747,7 @@
           <a:blip r:embed="rId3">
             <a:alphaModFix/>
           </a:blip>
-          <a:srcRect b="2393" l="3053" r="2133" t="6257"/>
+          <a:srcRect l="3053" t="6257" r="2133" b="2393"/>
           <a:stretch/>
         </p:blipFill>
         <p:spPr>
@@ -8702,12 +8840,12 @@
           </a:ln>
         </p:spPr>
         <p:txBody>
-          <a:bodyPr anchorCtr="0" anchor="t" bIns="91425" lIns="91425" spcFirstLastPara="1" rIns="91425" wrap="square" tIns="91425">
+          <a:bodyPr spcFirstLastPara="1" wrap="square" lIns="91425" tIns="91425" rIns="91425" bIns="91425" anchor="t" anchorCtr="0">
             <a:spAutoFit/>
           </a:bodyPr>
           <a:lstStyle/>
           <a:p>
-            <a:pPr indent="0" lvl="0" marL="0" rtl="0" algn="l">
+            <a:pPr marL="0" lvl="0" indent="0" algn="l" rtl="0">
               <a:spcBef>
                 <a:spcPts val="0"/>
               </a:spcBef>
@@ -8760,12 +8898,12 @@
           </a:ln>
         </p:spPr>
         <p:txBody>
-          <a:bodyPr anchorCtr="0" anchor="t" bIns="91425" lIns="91425" spcFirstLastPara="1" rIns="91425" wrap="square" tIns="91425">
+          <a:bodyPr spcFirstLastPara="1" wrap="square" lIns="91425" tIns="91425" rIns="91425" bIns="91425" anchor="t" anchorCtr="0">
             <a:spAutoFit/>
           </a:bodyPr>
           <a:lstStyle/>
           <a:p>
-            <a:pPr indent="0" lvl="0" marL="0" rtl="0" algn="l">
+            <a:pPr marL="0" lvl="0" indent="0" algn="l" rtl="0">
               <a:spcBef>
                 <a:spcPts val="0"/>
               </a:spcBef>
@@ -8818,12 +8956,12 @@
           </a:ln>
         </p:spPr>
         <p:txBody>
-          <a:bodyPr anchorCtr="0" anchor="t" bIns="91425" lIns="91425" spcFirstLastPara="1" rIns="91425" wrap="square" tIns="91425">
+          <a:bodyPr spcFirstLastPara="1" wrap="square" lIns="91425" tIns="91425" rIns="91425" bIns="91425" anchor="t" anchorCtr="0">
             <a:spAutoFit/>
           </a:bodyPr>
           <a:lstStyle/>
           <a:p>
-            <a:pPr indent="0" lvl="0" marL="0" rtl="0" algn="l">
+            <a:pPr marL="0" lvl="0" indent="0" algn="l" rtl="0">
               <a:spcBef>
                 <a:spcPts val="0"/>
               </a:spcBef>
@@ -8865,11 +9003,11 @@
 </file>
 
 <file path=ppt/slides/slide6.xml><?xml version="1.0" encoding="utf-8"?>
-<p:sld xmlns:a="http://schemas.openxmlformats.org/drawingml/2006/main" xmlns:r="http://schemas.openxmlformats.org/officeDocument/2006/relationships" xmlns:mc="http://schemas.openxmlformats.org/markup-compatibility/2006" xmlns:mv="urn:schemas-microsoft-com:mac:vml" xmlns:p="http://schemas.openxmlformats.org/presentationml/2006/main" xmlns:c="http://schemas.openxmlformats.org/drawingml/2006/chart" xmlns:dgm="http://schemas.openxmlformats.org/drawingml/2006/diagram" xmlns:o="urn:schemas-microsoft-com:office:office" xmlns:v="urn:schemas-microsoft-com:vml" xmlns:pvml="urn:schemas-microsoft-com:office:powerpoint" xmlns:com="http://schemas.openxmlformats.org/drawingml/2006/compatibility" xmlns:p14="http://schemas.microsoft.com/office/powerpoint/2010/main" xmlns:p15="http://schemas.microsoft.com/office/powerpoint/2012/main" xmlns:ahyp="http://schemas.microsoft.com/office/drawing/2018/hyperlinkcolor">
+<p:sld xmlns:a="http://schemas.openxmlformats.org/drawingml/2006/main" xmlns:r="http://schemas.openxmlformats.org/officeDocument/2006/relationships" xmlns:p="http://schemas.openxmlformats.org/presentationml/2006/main">
   <p:cSld>
     <p:spTree>
       <p:nvGrpSpPr>
-        <p:cNvPr id="93" name="Shape 93"/>
+        <p:cNvPr id="1" name="Shape 93"/>
         <p:cNvGrpSpPr/>
         <p:nvPr/>
       </p:nvGrpSpPr>
@@ -8985,12 +9123,12 @@
           </a:ln>
         </p:spPr>
         <p:txBody>
-          <a:bodyPr anchorCtr="0" anchor="t" bIns="91425" lIns="91425" spcFirstLastPara="1" rIns="91425" wrap="square" tIns="91425">
+          <a:bodyPr spcFirstLastPara="1" wrap="square" lIns="91425" tIns="91425" rIns="91425" bIns="91425" anchor="t" anchorCtr="0">
             <a:spAutoFit/>
           </a:bodyPr>
           <a:lstStyle/>
           <a:p>
-            <a:pPr indent="0" lvl="0" marL="0" rtl="0" algn="l">
+            <a:pPr marL="0" lvl="0" indent="0" algn="l" rtl="0">
               <a:spcBef>
                 <a:spcPts val="0"/>
               </a:spcBef>
@@ -9043,12 +9181,12 @@
           </a:ln>
         </p:spPr>
         <p:txBody>
-          <a:bodyPr anchorCtr="0" anchor="t" bIns="91425" lIns="91425" spcFirstLastPara="1" rIns="91425" wrap="square" tIns="91425">
+          <a:bodyPr spcFirstLastPara="1" wrap="square" lIns="91425" tIns="91425" rIns="91425" bIns="91425" anchor="t" anchorCtr="0">
             <a:spAutoFit/>
           </a:bodyPr>
           <a:lstStyle/>
           <a:p>
-            <a:pPr indent="0" lvl="0" marL="0" rtl="0" algn="l">
+            <a:pPr marL="0" lvl="0" indent="0" algn="l" rtl="0">
               <a:spcBef>
                 <a:spcPts val="0"/>
               </a:spcBef>
@@ -9101,12 +9239,12 @@
           </a:ln>
         </p:spPr>
         <p:txBody>
-          <a:bodyPr anchorCtr="0" anchor="t" bIns="91425" lIns="91425" spcFirstLastPara="1" rIns="91425" wrap="square" tIns="91425">
+          <a:bodyPr spcFirstLastPara="1" wrap="square" lIns="91425" tIns="91425" rIns="91425" bIns="91425" anchor="t" anchorCtr="0">
             <a:spAutoFit/>
           </a:bodyPr>
           <a:lstStyle/>
           <a:p>
-            <a:pPr indent="0" lvl="0" marL="0" rtl="0" algn="l">
+            <a:pPr marL="0" lvl="0" indent="0" algn="l" rtl="0">
               <a:spcBef>
                 <a:spcPts val="0"/>
               </a:spcBef>
@@ -9148,11 +9286,11 @@
 </file>
 
 <file path=ppt/slides/slide7.xml><?xml version="1.0" encoding="utf-8"?>
-<p:sld xmlns:a="http://schemas.openxmlformats.org/drawingml/2006/main" xmlns:r="http://schemas.openxmlformats.org/officeDocument/2006/relationships" xmlns:mc="http://schemas.openxmlformats.org/markup-compatibility/2006" xmlns:mv="urn:schemas-microsoft-com:mac:vml" xmlns:p="http://schemas.openxmlformats.org/presentationml/2006/main" xmlns:c="http://schemas.openxmlformats.org/drawingml/2006/chart" xmlns:dgm="http://schemas.openxmlformats.org/drawingml/2006/diagram" xmlns:o="urn:schemas-microsoft-com:office:office" xmlns:v="urn:schemas-microsoft-com:vml" xmlns:pvml="urn:schemas-microsoft-com:office:powerpoint" xmlns:com="http://schemas.openxmlformats.org/drawingml/2006/compatibility" xmlns:p14="http://schemas.microsoft.com/office/powerpoint/2010/main" xmlns:p15="http://schemas.microsoft.com/office/powerpoint/2012/main" xmlns:ahyp="http://schemas.microsoft.com/office/drawing/2018/hyperlinkcolor">
+<p:sld xmlns:a="http://schemas.openxmlformats.org/drawingml/2006/main" xmlns:r="http://schemas.openxmlformats.org/officeDocument/2006/relationships" xmlns:p="http://schemas.openxmlformats.org/presentationml/2006/main">
   <p:cSld>
     <p:spTree>
       <p:nvGrpSpPr>
-        <p:cNvPr id="103" name="Shape 103"/>
+        <p:cNvPr id="1" name="Shape 103"/>
         <p:cNvGrpSpPr/>
         <p:nvPr/>
       </p:nvGrpSpPr>
@@ -9167,7 +9305,9 @@
       <p:sp>
         <p:nvSpPr>
           <p:cNvPr id="104" name="Google Shape;104;p19"/>
-          <p:cNvSpPr txBox="1"/>
+          <p:cNvSpPr txBox="1">
+            <a:spLocks noGrp="1"/>
+          </p:cNvSpPr>
           <p:nvPr>
             <p:ph type="title"/>
           </p:nvPr>
@@ -9182,12 +9322,12 @@
           </a:prstGeom>
         </p:spPr>
         <p:txBody>
-          <a:bodyPr anchorCtr="0" anchor="t" bIns="91425" lIns="91425" spcFirstLastPara="1" rIns="91425" wrap="square" tIns="91425">
+          <a:bodyPr spcFirstLastPara="1" wrap="square" lIns="91425" tIns="91425" rIns="91425" bIns="91425" anchor="t" anchorCtr="0">
             <a:normAutofit fontScale="90000"/>
           </a:bodyPr>
           <a:lstStyle/>
           <a:p>
-            <a:pPr indent="0" lvl="0" marL="0" rtl="0" algn="l">
+            <a:pPr marL="0" lvl="0" indent="0" algn="l" rtl="0">
               <a:spcBef>
                 <a:spcPts val="0"/>
               </a:spcBef>
@@ -9207,9 +9347,11 @@
       <p:sp>
         <p:nvSpPr>
           <p:cNvPr id="105" name="Google Shape;105;p19"/>
-          <p:cNvSpPr txBox="1"/>
+          <p:cNvSpPr txBox="1">
+            <a:spLocks noGrp="1"/>
+          </p:cNvSpPr>
           <p:nvPr>
-            <p:ph idx="1" type="body"/>
+            <p:ph type="body" idx="1"/>
           </p:nvPr>
         </p:nvSpPr>
         <p:spPr>
@@ -9222,12 +9364,12 @@
           </a:prstGeom>
         </p:spPr>
         <p:txBody>
-          <a:bodyPr anchorCtr="0" anchor="t" bIns="91425" lIns="91425" spcFirstLastPara="1" rIns="91425" wrap="square" tIns="91425">
+          <a:bodyPr spcFirstLastPara="1" wrap="square" lIns="91425" tIns="91425" rIns="91425" bIns="91425" anchor="t" anchorCtr="0">
             <a:normAutofit/>
           </a:bodyPr>
           <a:lstStyle/>
           <a:p>
-            <a:pPr indent="0" lvl="0" marL="0" rtl="0" algn="l">
+            <a:pPr marL="0" lvl="0" indent="0" algn="l" rtl="0">
               <a:spcBef>
                 <a:spcPts val="0"/>
               </a:spcBef>
@@ -9236,13 +9378,10 @@
               </a:spcAft>
               <a:buNone/>
             </a:pPr>
-            <a:r>
-              <a:t/>
-            </a:r>
             <a:endParaRPr/>
           </a:p>
           <a:p>
-            <a:pPr indent="0" lvl="0" marL="457200" rtl="0" algn="l">
+            <a:pPr marL="457200" lvl="0" indent="0" algn="l" rtl="0">
               <a:spcBef>
                 <a:spcPts val="1200"/>
               </a:spcBef>
@@ -9251,13 +9390,10 @@
               </a:spcAft>
               <a:buNone/>
             </a:pPr>
-            <a:r>
-              <a:t/>
-            </a:r>
             <a:endParaRPr/>
           </a:p>
           <a:p>
-            <a:pPr indent="0" lvl="0" marL="0" rtl="0" algn="l">
+            <a:pPr marL="0" lvl="0" indent="0" algn="l" rtl="0">
               <a:spcBef>
                 <a:spcPts val="1200"/>
               </a:spcBef>
@@ -9266,9 +9402,6 @@
               </a:spcAft>
               <a:buNone/>
             </a:pPr>
-            <a:r>
-              <a:t/>
-            </a:r>
             <a:endParaRPr/>
           </a:p>
         </p:txBody>
@@ -9377,12 +9510,12 @@
           </a:ln>
         </p:spPr>
         <p:txBody>
-          <a:bodyPr anchorCtr="0" anchor="t" bIns="91425" lIns="91425" spcFirstLastPara="1" rIns="91425" wrap="square" tIns="91425">
+          <a:bodyPr spcFirstLastPara="1" wrap="square" lIns="91425" tIns="91425" rIns="91425" bIns="91425" anchor="t" anchorCtr="0">
             <a:spAutoFit/>
           </a:bodyPr>
           <a:lstStyle/>
           <a:p>
-            <a:pPr indent="0" lvl="0" marL="0" rtl="0" algn="l">
+            <a:pPr marL="0" lvl="0" indent="0" algn="l" rtl="0">
               <a:spcBef>
                 <a:spcPts val="0"/>
               </a:spcBef>
@@ -9435,12 +9568,12 @@
           </a:ln>
         </p:spPr>
         <p:txBody>
-          <a:bodyPr anchorCtr="0" anchor="t" bIns="91425" lIns="91425" spcFirstLastPara="1" rIns="91425" wrap="square" tIns="91425">
+          <a:bodyPr spcFirstLastPara="1" wrap="square" lIns="91425" tIns="91425" rIns="91425" bIns="91425" anchor="t" anchorCtr="0">
             <a:spAutoFit/>
           </a:bodyPr>
           <a:lstStyle/>
           <a:p>
-            <a:pPr indent="0" lvl="0" marL="0" rtl="0" algn="l">
+            <a:pPr marL="0" lvl="0" indent="0" algn="l" rtl="0">
               <a:spcBef>
                 <a:spcPts val="0"/>
               </a:spcBef>
@@ -9493,12 +9626,12 @@
           </a:ln>
         </p:spPr>
         <p:txBody>
-          <a:bodyPr anchorCtr="0" anchor="t" bIns="91425" lIns="91425" spcFirstLastPara="1" rIns="91425" wrap="square" tIns="91425">
+          <a:bodyPr spcFirstLastPara="1" wrap="square" lIns="91425" tIns="91425" rIns="91425" bIns="91425" anchor="t" anchorCtr="0">
             <a:spAutoFit/>
           </a:bodyPr>
           <a:lstStyle/>
           <a:p>
-            <a:pPr indent="0" lvl="0" marL="0" rtl="0" algn="l">
+            <a:pPr marL="0" lvl="0" indent="0" algn="l" rtl="0">
               <a:spcBef>
                 <a:spcPts val="0"/>
               </a:spcBef>
@@ -9540,11 +9673,11 @@
 </file>
 
 <file path=ppt/slides/slide8.xml><?xml version="1.0" encoding="utf-8"?>
-<p:sld xmlns:a="http://schemas.openxmlformats.org/drawingml/2006/main" xmlns:r="http://schemas.openxmlformats.org/officeDocument/2006/relationships" xmlns:mc="http://schemas.openxmlformats.org/markup-compatibility/2006" xmlns:mv="urn:schemas-microsoft-com:mac:vml" xmlns:p="http://schemas.openxmlformats.org/presentationml/2006/main" xmlns:c="http://schemas.openxmlformats.org/drawingml/2006/chart" xmlns:dgm="http://schemas.openxmlformats.org/drawingml/2006/diagram" xmlns:o="urn:schemas-microsoft-com:office:office" xmlns:v="urn:schemas-microsoft-com:vml" xmlns:pvml="urn:schemas-microsoft-com:office:powerpoint" xmlns:com="http://schemas.openxmlformats.org/drawingml/2006/compatibility" xmlns:p14="http://schemas.microsoft.com/office/powerpoint/2010/main" xmlns:p15="http://schemas.microsoft.com/office/powerpoint/2012/main" xmlns:ahyp="http://schemas.microsoft.com/office/drawing/2018/hyperlinkcolor">
+<p:sld xmlns:a="http://schemas.openxmlformats.org/drawingml/2006/main" xmlns:r="http://schemas.openxmlformats.org/officeDocument/2006/relationships" xmlns:p="http://schemas.openxmlformats.org/presentationml/2006/main">
   <p:cSld>
     <p:spTree>
       <p:nvGrpSpPr>
-        <p:cNvPr id="115" name="Shape 115"/>
+        <p:cNvPr id="1" name="Shape 115"/>
         <p:cNvGrpSpPr/>
         <p:nvPr/>
       </p:nvGrpSpPr>
@@ -9559,7 +9692,9 @@
       <p:sp>
         <p:nvSpPr>
           <p:cNvPr id="116" name="Google Shape;116;p20"/>
-          <p:cNvSpPr txBox="1"/>
+          <p:cNvSpPr txBox="1">
+            <a:spLocks noGrp="1"/>
+          </p:cNvSpPr>
           <p:nvPr>
             <p:ph type="title"/>
           </p:nvPr>
@@ -9574,12 +9709,12 @@
           </a:prstGeom>
         </p:spPr>
         <p:txBody>
-          <a:bodyPr anchorCtr="0" anchor="t" bIns="91425" lIns="91425" spcFirstLastPara="1" rIns="91425" wrap="square" tIns="91425">
+          <a:bodyPr spcFirstLastPara="1" wrap="square" lIns="91425" tIns="91425" rIns="91425" bIns="91425" anchor="t" anchorCtr="0">
             <a:normAutofit fontScale="90000"/>
           </a:bodyPr>
           <a:lstStyle/>
           <a:p>
-            <a:pPr indent="0" lvl="0" marL="0" rtl="0" algn="l">
+            <a:pPr marL="0" lvl="0" indent="0" algn="l" rtl="0">
               <a:spcBef>
                 <a:spcPts val="0"/>
               </a:spcBef>
@@ -9599,9 +9734,11 @@
       <p:sp>
         <p:nvSpPr>
           <p:cNvPr id="117" name="Google Shape;117;p20"/>
-          <p:cNvSpPr txBox="1"/>
+          <p:cNvSpPr txBox="1">
+            <a:spLocks noGrp="1"/>
+          </p:cNvSpPr>
           <p:nvPr>
-            <p:ph idx="1" type="body"/>
+            <p:ph type="body" idx="1"/>
           </p:nvPr>
         </p:nvSpPr>
         <p:spPr>
@@ -9614,12 +9751,12 @@
           </a:prstGeom>
         </p:spPr>
         <p:txBody>
-          <a:bodyPr anchorCtr="0" anchor="t" bIns="91425" lIns="91425" spcFirstLastPara="1" rIns="91425" wrap="square" tIns="91425">
+          <a:bodyPr spcFirstLastPara="1" wrap="square" lIns="91425" tIns="91425" rIns="91425" bIns="91425" anchor="t" anchorCtr="0">
             <a:normAutofit/>
           </a:bodyPr>
           <a:lstStyle/>
           <a:p>
-            <a:pPr indent="-342900" lvl="0" marL="457200" rtl="0" algn="l">
+            <a:pPr marL="457200" lvl="0" indent="-342900" algn="l" rtl="0">
               <a:spcBef>
                 <a:spcPts val="0"/>
               </a:spcBef>
@@ -9636,7 +9773,7 @@
             <a:endParaRPr/>
           </a:p>
           <a:p>
-            <a:pPr indent="-342900" lvl="0" marL="457200" rtl="0" algn="l">
+            <a:pPr marL="457200" lvl="0" indent="-342900" algn="l" rtl="0">
               <a:spcBef>
                 <a:spcPts val="0"/>
               </a:spcBef>
@@ -9653,7 +9790,7 @@
             <a:endParaRPr/>
           </a:p>
           <a:p>
-            <a:pPr indent="-342900" lvl="0" marL="457200" rtl="0" algn="l">
+            <a:pPr marL="457200" lvl="0" indent="-342900" algn="l" rtl="0">
               <a:spcBef>
                 <a:spcPts val="0"/>
               </a:spcBef>
@@ -9670,7 +9807,7 @@
             <a:endParaRPr/>
           </a:p>
           <a:p>
-            <a:pPr indent="0" lvl="0" marL="457200" rtl="0" algn="l">
+            <a:pPr marL="457200" lvl="0" indent="0" algn="l" rtl="0">
               <a:spcBef>
                 <a:spcPts val="1200"/>
               </a:spcBef>
@@ -9679,13 +9816,10 @@
               </a:spcAft>
               <a:buNone/>
             </a:pPr>
-            <a:r>
-              <a:t/>
-            </a:r>
             <a:endParaRPr/>
           </a:p>
           <a:p>
-            <a:pPr indent="0" lvl="0" marL="0" rtl="0" algn="l">
+            <a:pPr marL="0" lvl="0" indent="0" algn="l" rtl="0">
               <a:spcBef>
                 <a:spcPts val="1200"/>
               </a:spcBef>
@@ -9694,9 +9828,6 @@
               </a:spcAft>
               <a:buNone/>
             </a:pPr>
-            <a:r>
-              <a:t/>
-            </a:r>
             <a:endParaRPr/>
           </a:p>
         </p:txBody>
@@ -9710,11 +9841,11 @@
 </file>
 
 <file path=ppt/slides/slide9.xml><?xml version="1.0" encoding="utf-8"?>
-<p:sld xmlns:a="http://schemas.openxmlformats.org/drawingml/2006/main" xmlns:r="http://schemas.openxmlformats.org/officeDocument/2006/relationships" xmlns:mc="http://schemas.openxmlformats.org/markup-compatibility/2006" xmlns:mv="urn:schemas-microsoft-com:mac:vml" xmlns:p="http://schemas.openxmlformats.org/presentationml/2006/main" xmlns:c="http://schemas.openxmlformats.org/drawingml/2006/chart" xmlns:dgm="http://schemas.openxmlformats.org/drawingml/2006/diagram" xmlns:o="urn:schemas-microsoft-com:office:office" xmlns:v="urn:schemas-microsoft-com:vml" xmlns:pvml="urn:schemas-microsoft-com:office:powerpoint" xmlns:com="http://schemas.openxmlformats.org/drawingml/2006/compatibility" xmlns:p14="http://schemas.microsoft.com/office/powerpoint/2010/main" xmlns:p15="http://schemas.microsoft.com/office/powerpoint/2012/main" xmlns:ahyp="http://schemas.microsoft.com/office/drawing/2018/hyperlinkcolor">
+<p:sld xmlns:a="http://schemas.openxmlformats.org/drawingml/2006/main" xmlns:r="http://schemas.openxmlformats.org/officeDocument/2006/relationships" xmlns:p="http://schemas.openxmlformats.org/presentationml/2006/main">
   <p:cSld>
     <p:spTree>
       <p:nvGrpSpPr>
-        <p:cNvPr id="121" name="Shape 121"/>
+        <p:cNvPr id="1" name="Shape 121"/>
         <p:cNvGrpSpPr/>
         <p:nvPr/>
       </p:nvGrpSpPr>
@@ -9729,7 +9860,9 @@
       <p:sp>
         <p:nvSpPr>
           <p:cNvPr id="122" name="Google Shape;122;p21"/>
-          <p:cNvSpPr txBox="1"/>
+          <p:cNvSpPr txBox="1">
+            <a:spLocks noGrp="1"/>
+          </p:cNvSpPr>
           <p:nvPr>
             <p:ph type="title"/>
           </p:nvPr>
@@ -9744,12 +9877,12 @@
           </a:prstGeom>
         </p:spPr>
         <p:txBody>
-          <a:bodyPr anchorCtr="0" anchor="t" bIns="91425" lIns="91425" spcFirstLastPara="1" rIns="91425" wrap="square" tIns="91425">
+          <a:bodyPr spcFirstLastPara="1" wrap="square" lIns="91425" tIns="91425" rIns="91425" bIns="91425" anchor="t" anchorCtr="0">
             <a:normAutofit fontScale="90000"/>
           </a:bodyPr>
           <a:lstStyle/>
           <a:p>
-            <a:pPr indent="0" lvl="0" marL="0" rtl="0" algn="l">
+            <a:pPr marL="0" lvl="0" indent="0" algn="l" rtl="0">
               <a:spcBef>
                 <a:spcPts val="0"/>
               </a:spcBef>
@@ -9769,9 +9902,11 @@
       <p:sp>
         <p:nvSpPr>
           <p:cNvPr id="123" name="Google Shape;123;p21"/>
-          <p:cNvSpPr txBox="1"/>
+          <p:cNvSpPr txBox="1">
+            <a:spLocks noGrp="1"/>
+          </p:cNvSpPr>
           <p:nvPr>
-            <p:ph idx="1" type="body"/>
+            <p:ph type="body" idx="1"/>
           </p:nvPr>
         </p:nvSpPr>
         <p:spPr>
@@ -9784,12 +9919,12 @@
           </a:prstGeom>
         </p:spPr>
         <p:txBody>
-          <a:bodyPr anchorCtr="0" anchor="t" bIns="91425" lIns="91425" spcFirstLastPara="1" rIns="91425" wrap="square" tIns="91425">
+          <a:bodyPr spcFirstLastPara="1" wrap="square" lIns="91425" tIns="91425" rIns="91425" bIns="91425" anchor="t" anchorCtr="0">
             <a:normAutofit/>
           </a:bodyPr>
           <a:lstStyle/>
           <a:p>
-            <a:pPr indent="-342900" lvl="0" marL="457200" rtl="0" algn="l">
+            <a:pPr marL="457200" lvl="0" indent="-342900" algn="l" rtl="0">
               <a:spcBef>
                 <a:spcPts val="0"/>
               </a:spcBef>
@@ -9806,7 +9941,7 @@
             <a:endParaRPr/>
           </a:p>
           <a:p>
-            <a:pPr indent="-342900" lvl="0" marL="457200" rtl="0" algn="l">
+            <a:pPr marL="457200" lvl="0" indent="-342900" algn="l" rtl="0">
               <a:spcBef>
                 <a:spcPts val="0"/>
               </a:spcBef>
@@ -9823,7 +9958,7 @@
             <a:endParaRPr/>
           </a:p>
           <a:p>
-            <a:pPr indent="-342900" lvl="0" marL="457200" rtl="0" algn="l">
+            <a:pPr marL="457200" lvl="0" indent="-342900" algn="l" rtl="0">
               <a:spcBef>
                 <a:spcPts val="0"/>
               </a:spcBef>
@@ -9840,7 +9975,7 @@
             <a:endParaRPr/>
           </a:p>
           <a:p>
-            <a:pPr indent="-342900" lvl="0" marL="457200" rtl="0" algn="l">
+            <a:pPr marL="457200" lvl="0" indent="-342900" algn="l" rtl="0">
               <a:spcBef>
                 <a:spcPts val="0"/>
               </a:spcBef>
@@ -9857,7 +9992,7 @@
             <a:endParaRPr/>
           </a:p>
           <a:p>
-            <a:pPr indent="-342900" lvl="0" marL="457200" rtl="0" algn="l">
+            <a:pPr marL="457200" lvl="0" indent="-342900" algn="l" rtl="0">
               <a:spcBef>
                 <a:spcPts val="0"/>
               </a:spcBef>
@@ -9874,7 +10009,7 @@
             <a:endParaRPr/>
           </a:p>
           <a:p>
-            <a:pPr indent="0" lvl="0" marL="457200" rtl="0" algn="l">
+            <a:pPr marL="457200" lvl="0" indent="0" algn="l" rtl="0">
               <a:spcBef>
                 <a:spcPts val="1200"/>
               </a:spcBef>
@@ -9883,13 +10018,10 @@
               </a:spcAft>
               <a:buNone/>
             </a:pPr>
-            <a:r>
-              <a:t/>
-            </a:r>
             <a:endParaRPr/>
           </a:p>
           <a:p>
-            <a:pPr indent="0" lvl="0" marL="0" rtl="0" algn="l">
+            <a:pPr marL="0" lvl="0" indent="0" algn="l" rtl="0">
               <a:spcBef>
                 <a:spcPts val="1200"/>
               </a:spcBef>
@@ -9898,9 +10030,6 @@
               </a:spcAft>
               <a:buNone/>
             </a:pPr>
-            <a:r>
-              <a:t/>
-            </a:r>
             <a:endParaRPr/>
           </a:p>
         </p:txBody>
@@ -9914,7 +10043,7 @@
 </file>
 
 <file path=ppt/theme/theme1.xml><?xml version="1.0" encoding="utf-8"?>
-<a:theme xmlns:a="http://schemas.openxmlformats.org/drawingml/2006/main" xmlns:r="http://schemas.openxmlformats.org/officeDocument/2006/relationships" name="Pop">
+<a:theme xmlns:a="http://schemas.openxmlformats.org/drawingml/2006/main" name="Pop">
   <a:themeElements>
     <a:clrScheme name="Pop">
       <a:dk1>
@@ -10189,11 +10318,13 @@
       </a:bgFillStyleLst>
     </a:fmtScheme>
   </a:themeElements>
+  <a:objectDefaults/>
+  <a:extraClrSchemeLst/>
 </a:theme>
 </file>
 
 <file path=ppt/theme/theme2.xml><?xml version="1.0" encoding="utf-8"?>
-<a:theme xmlns:a="http://schemas.openxmlformats.org/drawingml/2006/main" xmlns:r="http://schemas.openxmlformats.org/officeDocument/2006/relationships">
+<a:theme xmlns:a="http://schemas.openxmlformats.org/drawingml/2006/main">
   <a:themeElements>
     <a:clrScheme name="Default">
       <a:dk1>
@@ -10468,5 +10599,7 @@
       </a:bgFillStyleLst>
     </a:fmtScheme>
   </a:themeElements>
+  <a:objectDefaults/>
+  <a:extraClrSchemeLst/>
 </a:theme>
 </file>